--- a/murach_js_3e/slides/Chapter 04 slides.pptx
+++ b/murach_js_3e/slides/Chapter 04 slides.pptx
@@ -384,7 +384,7 @@
               <a:pPr>
                 <a:defRPr/>
               </a:pPr>
-              <a:t>2/16/2017</a:t>
+              <a:t>7/14/2020</a:t>
             </a:fld>
             <a:endParaRPr lang="en-US"/>
           </a:p>
@@ -746,35 +746,35 @@
           <a:p>
             <a:pPr lvl="0"/>
             <a:r>
-              <a:rPr lang="en-US" noProof="0" smtClean="0"/>
+              <a:rPr lang="en-US" noProof="0"/>
               <a:t>Click to edit Master text styles</a:t>
             </a:r>
           </a:p>
           <a:p>
             <a:pPr lvl="1"/>
             <a:r>
-              <a:rPr lang="en-US" noProof="0" smtClean="0"/>
+              <a:rPr lang="en-US" noProof="0"/>
               <a:t>Second level</a:t>
             </a:r>
           </a:p>
           <a:p>
             <a:pPr lvl="2"/>
             <a:r>
-              <a:rPr lang="en-US" noProof="0" smtClean="0"/>
+              <a:rPr lang="en-US" noProof="0"/>
               <a:t>Third level</a:t>
             </a:r>
           </a:p>
           <a:p>
             <a:pPr lvl="3"/>
             <a:r>
-              <a:rPr lang="en-US" noProof="0" smtClean="0"/>
+              <a:rPr lang="en-US" noProof="0"/>
               <a:t>Fourth level</a:t>
             </a:r>
           </a:p>
           <a:p>
             <a:pPr lvl="4"/>
             <a:r>
-              <a:rPr lang="en-US" noProof="0" smtClean="0"/>
+              <a:rPr lang="en-US" noProof="0"/>
               <a:t>Fifth level</a:t>
             </a:r>
           </a:p>
@@ -1154,10 +1154,9 @@
           </a:lstStyle>
           <a:p>
             <a:r>
-              <a:rPr lang="en-US" dirty="0" smtClean="0"/>
+              <a:rPr lang="en-US" dirty="0"/>
               <a:t>Chapter number</a:t>
             </a:r>
-            <a:endParaRPr lang="en-US" dirty="0"/>
           </a:p>
         </p:txBody>
       </p:sp>
@@ -1184,7 +1183,7 @@
               <a:defRPr/>
             </a:pPr>
             <a:r>
-              <a:rPr lang="en-US" smtClean="0"/>
+              <a:rPr lang="en-US"/>
               <a:t>Murach's JavaScript and jQuery (3rd Ed.)</a:t>
             </a:r>
             <a:endParaRPr lang="en-US" dirty="0"/>
@@ -1210,10 +1209,9 @@
               <a:defRPr/>
             </a:pPr>
             <a:r>
-              <a:rPr lang="en-US" smtClean="0"/>
+              <a:rPr lang="en-US"/>
               <a:t>© 2017, Mike Murach &amp; Associates, Inc.</a:t>
             </a:r>
-            <a:endParaRPr lang="en-US"/>
           </a:p>
         </p:txBody>
       </p:sp>
@@ -1235,7 +1233,7 @@
             <a:pPr algn="l">
               <a:defRPr/>
             </a:pPr>
-            <a:endParaRPr lang="en-US" sz="1400" dirty="0" smtClean="0">
+            <a:endParaRPr lang="en-US" sz="1400" dirty="0">
               <a:latin typeface="Times New Roman"/>
             </a:endParaRPr>
           </a:p>
@@ -1244,7 +1242,7 @@
               <a:defRPr/>
             </a:pPr>
             <a:r>
-              <a:rPr lang="en-US" dirty="0" smtClean="0">
+              <a:rPr lang="en-US" dirty="0">
                 <a:solidFill>
                   <a:schemeClr val="bg1"/>
                 </a:solidFill>
@@ -1358,10 +1356,10 @@
           <a:p>
             <a:pPr lvl="0"/>
             <a:r>
-              <a:rPr lang="en-US" smtClean="0"/>
+              <a:rPr lang="en-US"/>
               <a:t>Click to edit Master title style</a:t>
             </a:r>
-            <a:endParaRPr lang="en-US" dirty="0" smtClean="0"/>
+            <a:endParaRPr lang="en-US" dirty="0"/>
           </a:p>
         </p:txBody>
       </p:sp>
@@ -1390,7 +1388,7 @@
               <a:defRPr/>
             </a:pPr>
             <a:r>
-              <a:rPr lang="en-US" smtClean="0"/>
+              <a:rPr lang="en-US"/>
               <a:t>Murach's JavaScript and jQuery (3rd Ed.)</a:t>
             </a:r>
             <a:endParaRPr lang="en-US" dirty="0"/>
@@ -1422,10 +1420,9 @@
               <a:defRPr/>
             </a:pPr>
             <a:r>
-              <a:rPr lang="en-US" smtClean="0"/>
+              <a:rPr lang="en-US"/>
               <a:t>© 2017, Mike Murach &amp; Associates, Inc.</a:t>
             </a:r>
-            <a:endParaRPr lang="en-US"/>
           </a:p>
         </p:txBody>
       </p:sp>
@@ -1455,14 +1452,14 @@
             <a:pPr>
               <a:defRPr/>
             </a:pPr>
-            <a:endParaRPr lang="en-US" dirty="0" smtClean="0"/>
+            <a:endParaRPr lang="en-US" dirty="0"/>
           </a:p>
           <a:p>
             <a:pPr algn="r">
               <a:defRPr/>
             </a:pPr>
             <a:r>
-              <a:rPr lang="en-US" sz="900" dirty="0" smtClean="0">
+              <a:rPr lang="en-US" sz="900" dirty="0">
                 <a:solidFill>
                   <a:schemeClr val="bg1"/>
                 </a:solidFill>
@@ -1579,7 +1576,7 @@
           <a:p>
             <a:pPr lvl="0"/>
             <a:r>
-              <a:rPr lang="en-US" dirty="0" smtClean="0"/>
+              <a:rPr lang="en-US" dirty="0"/>
               <a:t>Click to edit Master title style</a:t>
             </a:r>
           </a:p>
@@ -1610,10 +1607,9 @@
               <a:defRPr/>
             </a:pPr>
             <a:r>
-              <a:rPr lang="en-US" smtClean="0"/>
+              <a:rPr lang="en-US"/>
               <a:t>Murach's JavaScript and jQuery (3rd Ed.)</a:t>
             </a:r>
-            <a:endParaRPr lang="en-US"/>
           </a:p>
         </p:txBody>
       </p:sp>
@@ -1642,10 +1638,9 @@
               <a:defRPr/>
             </a:pPr>
             <a:r>
-              <a:rPr lang="en-US" smtClean="0"/>
+              <a:rPr lang="en-US"/>
               <a:t>© 2017, Mike Murach &amp; Associates, Inc.</a:t>
             </a:r>
-            <a:endParaRPr lang="en-US"/>
           </a:p>
         </p:txBody>
       </p:sp>
@@ -1763,67 +1758,65 @@
           </a:lstStyle>
           <a:p>
             <a:r>
-              <a:rPr lang="en-US" dirty="0" smtClean="0"/>
+              <a:rPr lang="en-US" dirty="0"/>
               <a:t>Chapter number</a:t>
             </a:r>
+          </a:p>
+        </p:txBody>
+      </p:sp>
+      <p:sp>
+        <p:nvSpPr>
+          <p:cNvPr id="3" name="Date Placeholder 2"/>
+          <p:cNvSpPr>
+            <a:spLocks noGrp="1"/>
+          </p:cNvSpPr>
+          <p:nvPr>
+            <p:ph type="dt" sz="half" idx="10"/>
+          </p:nvPr>
+        </p:nvSpPr>
+        <p:spPr/>
+        <p:txBody>
+          <a:bodyPr/>
+          <a:lstStyle/>
+          <a:p>
+            <a:pPr>
+              <a:defRPr/>
+            </a:pPr>
+            <a:r>
+              <a:rPr lang="en-US"/>
+              <a:t>Murach's JavaScript and jQuery (3rd Ed.)</a:t>
+            </a:r>
+          </a:p>
+        </p:txBody>
+      </p:sp>
+      <p:sp>
+        <p:nvSpPr>
+          <p:cNvPr id="4" name="Footer Placeholder 3"/>
+          <p:cNvSpPr>
+            <a:spLocks noGrp="1"/>
+          </p:cNvSpPr>
+          <p:nvPr>
+            <p:ph type="ftr" sz="quarter" idx="11"/>
+          </p:nvPr>
+        </p:nvSpPr>
+        <p:spPr/>
+        <p:txBody>
+          <a:bodyPr/>
+          <a:lstStyle/>
+          <a:p>
+            <a:pPr>
+              <a:defRPr/>
+            </a:pPr>
+            <a:r>
+              <a:rPr lang="en-US"/>
+              <a:t>© 2017, Mike Murach &amp; Associates, Inc.</a:t>
+            </a:r>
             <a:endParaRPr lang="en-US" dirty="0"/>
           </a:p>
         </p:txBody>
       </p:sp>
       <p:sp>
         <p:nvSpPr>
-          <p:cNvPr id="3" name="Date Placeholder 2"/>
-          <p:cNvSpPr>
-            <a:spLocks noGrp="1"/>
-          </p:cNvSpPr>
-          <p:nvPr>
-            <p:ph type="dt" sz="half" idx="10"/>
-          </p:nvPr>
-        </p:nvSpPr>
-        <p:spPr/>
-        <p:txBody>
-          <a:bodyPr/>
-          <a:lstStyle/>
-          <a:p>
-            <a:pPr>
-              <a:defRPr/>
-            </a:pPr>
-            <a:r>
-              <a:rPr lang="en-US" smtClean="0"/>
-              <a:t>Murach's JavaScript and jQuery (3rd Ed.)</a:t>
-            </a:r>
-            <a:endParaRPr lang="en-US"/>
-          </a:p>
-        </p:txBody>
-      </p:sp>
-      <p:sp>
-        <p:nvSpPr>
-          <p:cNvPr id="4" name="Footer Placeholder 3"/>
-          <p:cNvSpPr>
-            <a:spLocks noGrp="1"/>
-          </p:cNvSpPr>
-          <p:nvPr>
-            <p:ph type="ftr" sz="quarter" idx="11"/>
-          </p:nvPr>
-        </p:nvSpPr>
-        <p:spPr/>
-        <p:txBody>
-          <a:bodyPr/>
-          <a:lstStyle/>
-          <a:p>
-            <a:pPr>
-              <a:defRPr/>
-            </a:pPr>
-            <a:r>
-              <a:rPr lang="en-US" smtClean="0"/>
-              <a:t>© 2017, Mike Murach &amp; Associates, Inc.</a:t>
-            </a:r>
-            <a:endParaRPr lang="en-US" dirty="0"/>
-          </a:p>
-        </p:txBody>
-      </p:sp>
-      <p:sp>
-        <p:nvSpPr>
           <p:cNvPr id="5" name="Slide Number Placeholder 4"/>
           <p:cNvSpPr>
             <a:spLocks noGrp="1"/>
@@ -1840,7 +1833,7 @@
             <a:pPr algn="l">
               <a:defRPr/>
             </a:pPr>
-            <a:endParaRPr lang="en-US" sz="1400" smtClean="0">
+            <a:endParaRPr lang="en-US" sz="1400">
               <a:latin typeface="Times New Roman"/>
             </a:endParaRPr>
           </a:p>
@@ -1849,7 +1842,7 @@
               <a:defRPr/>
             </a:pPr>
             <a:r>
-              <a:rPr lang="en-US" smtClean="0"/>
+              <a:rPr lang="en-US"/>
               <a:t>Slide </a:t>
             </a:r>
             <a:fld id="{BF5C1183-B085-4070-A402-C03A3F977D3D}" type="slidenum">
@@ -1951,7 +1944,7 @@
               <a:buNone/>
               <a:tabLst/>
             </a:pPr>
-            <a:endParaRPr kumimoji="0" lang="en-US" sz="2400" b="0" i="0" u="none" strike="noStrike" cap="none" normalizeH="0" baseline="0" smtClean="0">
+            <a:endParaRPr kumimoji="0" lang="en-US" sz="2400" b="0" i="0" u="none" strike="noStrike" cap="none" normalizeH="0" baseline="0">
               <a:ln>
                 <a:noFill/>
               </a:ln>
@@ -2016,7 +2009,7 @@
           <a:p>
             <a:pPr lvl="0"/>
             <a:r>
-              <a:rPr lang="en-US" smtClean="0"/>
+              <a:rPr lang="en-US"/>
               <a:t>Click to edit Master title style</a:t>
             </a:r>
           </a:p>
@@ -2074,35 +2067,35 @@
           <a:p>
             <a:pPr lvl="0"/>
             <a:r>
-              <a:rPr lang="en-US" smtClean="0"/>
+              <a:rPr lang="en-US"/>
               <a:t>Click to edit Master text styles</a:t>
             </a:r>
           </a:p>
           <a:p>
             <a:pPr lvl="1"/>
             <a:r>
-              <a:rPr lang="en-US" smtClean="0"/>
+              <a:rPr lang="en-US"/>
               <a:t>Second level</a:t>
             </a:r>
           </a:p>
           <a:p>
             <a:pPr lvl="2"/>
             <a:r>
-              <a:rPr lang="en-US" smtClean="0"/>
+              <a:rPr lang="en-US"/>
               <a:t>Third level</a:t>
             </a:r>
           </a:p>
           <a:p>
             <a:pPr lvl="3"/>
             <a:r>
-              <a:rPr lang="en-US" smtClean="0"/>
+              <a:rPr lang="en-US"/>
               <a:t>Fourth level</a:t>
             </a:r>
           </a:p>
           <a:p>
             <a:pPr lvl="4"/>
             <a:r>
-              <a:rPr lang="en-US" smtClean="0"/>
+              <a:rPr lang="en-US"/>
               <a:t>Fifth level</a:t>
             </a:r>
           </a:p>
@@ -2155,7 +2148,7 @@
               <a:defRPr/>
             </a:pPr>
             <a:r>
-              <a:rPr lang="en-US" smtClean="0"/>
+              <a:rPr lang="en-US"/>
               <a:t>Murach's JavaScript and jQuery (3rd Ed.)</a:t>
             </a:r>
             <a:endParaRPr lang="en-US" dirty="0"/>
@@ -2208,10 +2201,9 @@
               <a:defRPr/>
             </a:pPr>
             <a:r>
-              <a:rPr lang="en-US" smtClean="0"/>
+              <a:rPr lang="en-US"/>
               <a:t>© 2017, Mike Murach &amp; Associates, Inc.</a:t>
             </a:r>
-            <a:endParaRPr lang="en-US"/>
           </a:p>
         </p:txBody>
       </p:sp>
@@ -2257,7 +2249,7 @@
             <a:pPr algn="l">
               <a:defRPr/>
             </a:pPr>
-            <a:endParaRPr lang="en-US" sz="1400" dirty="0" smtClean="0">
+            <a:endParaRPr lang="en-US" sz="1400" dirty="0">
               <a:latin typeface="Times New Roman"/>
             </a:endParaRPr>
           </a:p>
@@ -2266,7 +2258,7 @@
               <a:defRPr/>
             </a:pPr>
             <a:r>
-              <a:rPr lang="en-US" dirty="0" smtClean="0">
+              <a:rPr lang="en-US" dirty="0">
                 <a:solidFill>
                   <a:schemeClr val="bg1"/>
                 </a:solidFill>
@@ -2735,10 +2727,9 @@
           <a:p>
             <a:pPr algn="ctr"/>
             <a:r>
-              <a:rPr lang="en-US" sz="3200" dirty="0" smtClean="0"/>
+              <a:rPr lang="en-US" sz="3200" dirty="0"/>
               <a:t>Chapter 4</a:t>
             </a:r>
-            <a:endParaRPr lang="en-US" sz="3200" dirty="0"/>
           </a:p>
         </p:txBody>
       </p:sp>
@@ -2764,12 +2755,12 @@
           <a:graphicData uri="http://schemas.openxmlformats.org/presentationml/2006/ole">
             <mc:AlternateContent xmlns:mc="http://schemas.openxmlformats.org/markup-compatibility/2006">
               <mc:Choice xmlns:v="urn:schemas-microsoft-com:vml" Requires="v">
-                <p:oleObj spid="_x0000_s1055" name="Document" r:id="rId4" imgW="7301323" imgH="3008711" progId="Word.Document.12">
+                <p:oleObj spid="_x0000_s1058" name="Document" r:id="rId3" imgW="7301323" imgH="3008711" progId="Word.Document.12">
                   <p:embed/>
                 </p:oleObj>
               </mc:Choice>
               <mc:Fallback>
-                <p:oleObj name="Document" r:id="rId4" imgW="7301323" imgH="3008711" progId="Word.Document.12">
+                <p:oleObj name="Document" r:id="rId3" imgW="7301323" imgH="3008711" progId="Word.Document.12">
                   <p:embed/>
                   <p:pic>
                     <p:nvPicPr>
@@ -2778,7 +2769,7 @@
                       <p:nvPr/>
                     </p:nvPicPr>
                     <p:blipFill>
-                      <a:blip r:embed="rId5"/>
+                      <a:blip r:embed="rId4"/>
                       <a:stretch>
                         <a:fillRect/>
                       </a:stretch>
@@ -2818,7 +2809,7 @@
               <a:defRPr/>
             </a:pPr>
             <a:r>
-              <a:rPr lang="en-US" smtClean="0"/>
+              <a:rPr lang="en-US"/>
               <a:t>Murach's JavaScript and jQuery (3rd Ed.)</a:t>
             </a:r>
             <a:endParaRPr lang="en-US" dirty="0"/>
@@ -2844,10 +2835,9 @@
               <a:defRPr/>
             </a:pPr>
             <a:r>
-              <a:rPr lang="en-US" smtClean="0"/>
+              <a:rPr lang="en-US"/>
               <a:t>© 2017, Mike Murach &amp; Associates, Inc.</a:t>
             </a:r>
-            <a:endParaRPr lang="en-US"/>
           </a:p>
         </p:txBody>
       </p:sp>
@@ -2869,7 +2859,7 @@
             <a:pPr algn="l">
               <a:defRPr/>
             </a:pPr>
-            <a:endParaRPr lang="en-US" sz="1400" smtClean="0">
+            <a:endParaRPr lang="en-US" sz="1400">
               <a:latin typeface="Times New Roman"/>
             </a:endParaRPr>
           </a:p>
@@ -2878,7 +2868,7 @@
               <a:defRPr/>
             </a:pPr>
             <a:r>
-              <a:rPr lang="en-US" smtClean="0">
+              <a:rPr lang="en-US">
                 <a:solidFill>
                   <a:schemeClr val="bg1"/>
                 </a:solidFill>
@@ -2914,13 +2904,6 @@
   <p:clrMapOvr>
     <a:masterClrMapping/>
   </p:clrMapOvr>
-  <p:timing>
-    <p:tnLst>
-      <p:par>
-        <p:cTn id="1" dur="indefinite" restart="never" nodeType="tmRoot"/>
-      </p:par>
-    </p:tnLst>
-  </p:timing>
 </p:sld>
 </file>
 
@@ -2957,41 +2940,40 @@
           <a:lstStyle/>
           <a:p>
             <a:r>
-              <a:rPr lang="en-US" dirty="0" smtClean="0"/>
+              <a:rPr lang="en-US" dirty="0"/>
               <a:t>Members of the Textbox object</a:t>
             </a:r>
+          </a:p>
+        </p:txBody>
+      </p:sp>
+      <p:sp>
+        <p:nvSpPr>
+          <p:cNvPr id="10" name="Date Placeholder 9"/>
+          <p:cNvSpPr>
+            <a:spLocks noGrp="1"/>
+          </p:cNvSpPr>
+          <p:nvPr>
+            <p:ph type="dt" sz="half" idx="10"/>
+          </p:nvPr>
+        </p:nvSpPr>
+        <p:spPr/>
+        <p:txBody>
+          <a:bodyPr/>
+          <a:lstStyle/>
+          <a:p>
+            <a:pPr>
+              <a:defRPr/>
+            </a:pPr>
+            <a:r>
+              <a:rPr lang="en-US"/>
+              <a:t>Murach's JavaScript and jQuery (3rd Ed.)</a:t>
+            </a:r>
             <a:endParaRPr lang="en-US" dirty="0"/>
           </a:p>
         </p:txBody>
       </p:sp>
       <p:sp>
         <p:nvSpPr>
-          <p:cNvPr id="10" name="Date Placeholder 9"/>
-          <p:cNvSpPr>
-            <a:spLocks noGrp="1"/>
-          </p:cNvSpPr>
-          <p:nvPr>
-            <p:ph type="dt" sz="half" idx="10"/>
-          </p:nvPr>
-        </p:nvSpPr>
-        <p:spPr/>
-        <p:txBody>
-          <a:bodyPr/>
-          <a:lstStyle/>
-          <a:p>
-            <a:pPr>
-              <a:defRPr/>
-            </a:pPr>
-            <a:r>
-              <a:rPr lang="en-US" smtClean="0"/>
-              <a:t>Murach's JavaScript and jQuery (3rd Ed.)</a:t>
-            </a:r>
-            <a:endParaRPr lang="en-US" dirty="0"/>
-          </a:p>
-        </p:txBody>
-      </p:sp>
-      <p:sp>
-        <p:nvSpPr>
           <p:cNvPr id="11" name="Footer Placeholder 10"/>
           <p:cNvSpPr>
             <a:spLocks noGrp="1"/>
@@ -3009,39 +2991,38 @@
               <a:defRPr/>
             </a:pPr>
             <a:r>
-              <a:rPr lang="en-US" smtClean="0"/>
+              <a:rPr lang="en-US"/>
               <a:t>© 2017, Mike Murach &amp; Associates, Inc.</a:t>
             </a:r>
+          </a:p>
+        </p:txBody>
+      </p:sp>
+      <p:sp>
+        <p:nvSpPr>
+          <p:cNvPr id="12" name="Slide Number Placeholder 11"/>
+          <p:cNvSpPr>
+            <a:spLocks noGrp="1"/>
+          </p:cNvSpPr>
+          <p:nvPr>
+            <p:ph type="sldNum" sz="quarter" idx="12"/>
+          </p:nvPr>
+        </p:nvSpPr>
+        <p:spPr/>
+        <p:txBody>
+          <a:bodyPr/>
+          <a:lstStyle/>
+          <a:p>
+            <a:pPr>
+              <a:defRPr/>
+            </a:pPr>
             <a:endParaRPr lang="en-US"/>
           </a:p>
-        </p:txBody>
-      </p:sp>
-      <p:sp>
-        <p:nvSpPr>
-          <p:cNvPr id="12" name="Slide Number Placeholder 11"/>
-          <p:cNvSpPr>
-            <a:spLocks noGrp="1"/>
-          </p:cNvSpPr>
-          <p:nvPr>
-            <p:ph type="sldNum" sz="quarter" idx="12"/>
-          </p:nvPr>
-        </p:nvSpPr>
-        <p:spPr/>
-        <p:txBody>
-          <a:bodyPr/>
-          <a:lstStyle/>
-          <a:p>
-            <a:pPr>
-              <a:defRPr/>
-            </a:pPr>
-            <a:endParaRPr lang="en-US" smtClean="0"/>
-          </a:p>
           <a:p>
             <a:pPr algn="r">
               <a:defRPr/>
             </a:pPr>
             <a:r>
-              <a:rPr lang="en-US" sz="900" smtClean="0">
+              <a:rPr lang="en-US" sz="900">
                 <a:solidFill>
                   <a:schemeClr val="bg1"/>
                 </a:solidFill>
@@ -3092,12 +3073,12 @@
           <a:graphicData uri="http://schemas.openxmlformats.org/presentationml/2006/ole">
             <mc:AlternateContent xmlns:mc="http://schemas.openxmlformats.org/markup-compatibility/2006">
               <mc:Choice xmlns:v="urn:schemas-microsoft-com:vml" Requires="v">
-                <p:oleObj spid="_x0000_s44075" name="Document" r:id="rId4" imgW="7313400" imgH="2653763" progId="Word.Document.12">
+                <p:oleObj spid="_x0000_s44078" name="Document" r:id="rId3" imgW="7313400" imgH="2653763" progId="Word.Document.12">
                   <p:embed/>
                 </p:oleObj>
               </mc:Choice>
               <mc:Fallback>
-                <p:oleObj name="Document" r:id="rId4" imgW="7313400" imgH="2653763" progId="Word.Document.12">
+                <p:oleObj name="Document" r:id="rId3" imgW="7313400" imgH="2653763" progId="Word.Document.12">
                   <p:embed/>
                   <p:pic>
                     <p:nvPicPr>
@@ -3106,7 +3087,7 @@
                       <p:nvPr/>
                     </p:nvPicPr>
                     <p:blipFill>
-                      <a:blip r:embed="rId5"/>
+                      <a:blip r:embed="rId4"/>
                       <a:stretch>
                         <a:fillRect/>
                       </a:stretch>
@@ -3137,13 +3118,6 @@
   <p:clrMapOvr>
     <a:masterClrMapping/>
   </p:clrMapOvr>
-  <p:timing>
-    <p:tnLst>
-      <p:par>
-        <p:cTn id="1" dur="indefinite" restart="never" nodeType="tmRoot"/>
-      </p:par>
-    </p:tnLst>
-  </p:timing>
 </p:sld>
 </file>
 
@@ -3180,10 +3154,9 @@
           <a:lstStyle/>
           <a:p>
             <a:r>
-              <a:rPr lang="en-US" dirty="0" smtClean="0"/>
+              <a:rPr lang="en-US" dirty="0"/>
               <a:t>HTML tags that define two text boxes</a:t>
             </a:r>
-            <a:endParaRPr lang="en-US" dirty="0"/>
           </a:p>
         </p:txBody>
       </p:sp>
@@ -3209,12 +3182,12 @@
           <a:graphicData uri="http://schemas.openxmlformats.org/presentationml/2006/ole">
             <mc:AlternateContent xmlns:mc="http://schemas.openxmlformats.org/markup-compatibility/2006">
               <mc:Choice xmlns:v="urn:schemas-microsoft-com:vml" Requires="v">
-                <p:oleObj spid="_x0000_s115731" name="Document" r:id="rId4" imgW="7301323" imgH="2580232" progId="Word.Document.12">
+                <p:oleObj spid="_x0000_s115734" name="Document" r:id="rId3" imgW="7301323" imgH="2580232" progId="Word.Document.12">
                   <p:embed/>
                 </p:oleObj>
               </mc:Choice>
               <mc:Fallback>
-                <p:oleObj name="Document" r:id="rId4" imgW="7301323" imgH="2580232" progId="Word.Document.12">
+                <p:oleObj name="Document" r:id="rId3" imgW="7301323" imgH="2580232" progId="Word.Document.12">
                   <p:embed/>
                   <p:pic>
                     <p:nvPicPr>
@@ -3223,7 +3196,7 @@
                       <p:nvPr/>
                     </p:nvPicPr>
                     <p:blipFill>
-                      <a:blip r:embed="rId5"/>
+                      <a:blip r:embed="rId4"/>
                       <a:stretch>
                         <a:fillRect/>
                       </a:stretch>
@@ -3263,7 +3236,7 @@
               <a:defRPr/>
             </a:pPr>
             <a:r>
-              <a:rPr lang="en-US" smtClean="0"/>
+              <a:rPr lang="en-US"/>
               <a:t>Murach's JavaScript and jQuery (3rd Ed.)</a:t>
             </a:r>
             <a:endParaRPr lang="en-US" dirty="0"/>
@@ -3289,39 +3262,38 @@
               <a:defRPr/>
             </a:pPr>
             <a:r>
-              <a:rPr lang="en-US" smtClean="0"/>
+              <a:rPr lang="en-US"/>
               <a:t>© 2017, Mike Murach &amp; Associates, Inc.</a:t>
             </a:r>
+          </a:p>
+        </p:txBody>
+      </p:sp>
+      <p:sp>
+        <p:nvSpPr>
+          <p:cNvPr id="12" name="Slide Number Placeholder 11"/>
+          <p:cNvSpPr>
+            <a:spLocks noGrp="1"/>
+          </p:cNvSpPr>
+          <p:nvPr>
+            <p:ph type="sldNum" sz="quarter" idx="12"/>
+          </p:nvPr>
+        </p:nvSpPr>
+        <p:spPr/>
+        <p:txBody>
+          <a:bodyPr/>
+          <a:lstStyle/>
+          <a:p>
+            <a:pPr>
+              <a:defRPr/>
+            </a:pPr>
             <a:endParaRPr lang="en-US"/>
           </a:p>
-        </p:txBody>
-      </p:sp>
-      <p:sp>
-        <p:nvSpPr>
-          <p:cNvPr id="12" name="Slide Number Placeholder 11"/>
-          <p:cNvSpPr>
-            <a:spLocks noGrp="1"/>
-          </p:cNvSpPr>
-          <p:nvPr>
-            <p:ph type="sldNum" sz="quarter" idx="12"/>
-          </p:nvPr>
-        </p:nvSpPr>
-        <p:spPr/>
-        <p:txBody>
-          <a:bodyPr/>
-          <a:lstStyle/>
-          <a:p>
-            <a:pPr>
-              <a:defRPr/>
-            </a:pPr>
-            <a:endParaRPr lang="en-US" smtClean="0"/>
-          </a:p>
           <a:p>
             <a:pPr algn="r">
               <a:defRPr/>
             </a:pPr>
             <a:r>
-              <a:rPr lang="en-US" sz="900" smtClean="0">
+              <a:rPr lang="en-US" sz="900">
                 <a:solidFill>
                   <a:schemeClr val="bg1"/>
                 </a:solidFill>
@@ -3360,13 +3332,6 @@
   <p:clrMapOvr>
     <a:masterClrMapping/>
   </p:clrMapOvr>
-  <p:timing>
-    <p:tnLst>
-      <p:par>
-        <p:cTn id="1" dur="indefinite" restart="never" nodeType="tmRoot"/>
-      </p:par>
-    </p:tnLst>
-  </p:timing>
 </p:sld>
 </file>
 
@@ -3403,41 +3368,40 @@
           <a:lstStyle/>
           <a:p>
             <a:r>
-              <a:rPr lang="en-US" dirty="0" smtClean="0"/>
+              <a:rPr lang="en-US" dirty="0"/>
               <a:t>How to use the value property to get the value from a text box</a:t>
             </a:r>
+          </a:p>
+        </p:txBody>
+      </p:sp>
+      <p:sp>
+        <p:nvSpPr>
+          <p:cNvPr id="10" name="Date Placeholder 9"/>
+          <p:cNvSpPr>
+            <a:spLocks noGrp="1"/>
+          </p:cNvSpPr>
+          <p:nvPr>
+            <p:ph type="dt" sz="half" idx="10"/>
+          </p:nvPr>
+        </p:nvSpPr>
+        <p:spPr/>
+        <p:txBody>
+          <a:bodyPr/>
+          <a:lstStyle/>
+          <a:p>
+            <a:pPr>
+              <a:defRPr/>
+            </a:pPr>
+            <a:r>
+              <a:rPr lang="en-US"/>
+              <a:t>Murach's JavaScript and jQuery (3rd Ed.)</a:t>
+            </a:r>
             <a:endParaRPr lang="en-US" dirty="0"/>
           </a:p>
         </p:txBody>
       </p:sp>
       <p:sp>
         <p:nvSpPr>
-          <p:cNvPr id="10" name="Date Placeholder 9"/>
-          <p:cNvSpPr>
-            <a:spLocks noGrp="1"/>
-          </p:cNvSpPr>
-          <p:nvPr>
-            <p:ph type="dt" sz="half" idx="10"/>
-          </p:nvPr>
-        </p:nvSpPr>
-        <p:spPr/>
-        <p:txBody>
-          <a:bodyPr/>
-          <a:lstStyle/>
-          <a:p>
-            <a:pPr>
-              <a:defRPr/>
-            </a:pPr>
-            <a:r>
-              <a:rPr lang="en-US" smtClean="0"/>
-              <a:t>Murach's JavaScript and jQuery (3rd Ed.)</a:t>
-            </a:r>
-            <a:endParaRPr lang="en-US" dirty="0"/>
-          </a:p>
-        </p:txBody>
-      </p:sp>
-      <p:sp>
-        <p:nvSpPr>
           <p:cNvPr id="11" name="Footer Placeholder 10"/>
           <p:cNvSpPr>
             <a:spLocks noGrp="1"/>
@@ -3455,39 +3419,38 @@
               <a:defRPr/>
             </a:pPr>
             <a:r>
-              <a:rPr lang="en-US" smtClean="0"/>
+              <a:rPr lang="en-US"/>
               <a:t>© 2017, Mike Murach &amp; Associates, Inc.</a:t>
             </a:r>
+          </a:p>
+        </p:txBody>
+      </p:sp>
+      <p:sp>
+        <p:nvSpPr>
+          <p:cNvPr id="12" name="Slide Number Placeholder 11"/>
+          <p:cNvSpPr>
+            <a:spLocks noGrp="1"/>
+          </p:cNvSpPr>
+          <p:nvPr>
+            <p:ph type="sldNum" sz="quarter" idx="12"/>
+          </p:nvPr>
+        </p:nvSpPr>
+        <p:spPr/>
+        <p:txBody>
+          <a:bodyPr/>
+          <a:lstStyle/>
+          <a:p>
+            <a:pPr>
+              <a:defRPr/>
+            </a:pPr>
             <a:endParaRPr lang="en-US"/>
           </a:p>
-        </p:txBody>
-      </p:sp>
-      <p:sp>
-        <p:nvSpPr>
-          <p:cNvPr id="12" name="Slide Number Placeholder 11"/>
-          <p:cNvSpPr>
-            <a:spLocks noGrp="1"/>
-          </p:cNvSpPr>
-          <p:nvPr>
-            <p:ph type="sldNum" sz="quarter" idx="12"/>
-          </p:nvPr>
-        </p:nvSpPr>
-        <p:spPr/>
-        <p:txBody>
-          <a:bodyPr/>
-          <a:lstStyle/>
-          <a:p>
-            <a:pPr>
-              <a:defRPr/>
-            </a:pPr>
-            <a:endParaRPr lang="en-US" smtClean="0"/>
-          </a:p>
           <a:p>
             <a:pPr algn="r">
               <a:defRPr/>
             </a:pPr>
             <a:r>
-              <a:rPr lang="en-US" sz="900" smtClean="0">
+              <a:rPr lang="en-US" sz="900">
                 <a:solidFill>
                   <a:schemeClr val="bg1"/>
                 </a:solidFill>
@@ -3532,18 +3495,18 @@
         </p:nvGraphicFramePr>
         <p:xfrm>
           <a:off x="914400" y="1219200"/>
-          <a:ext cx="7313400" cy="1884906"/>
+          <a:ext cx="7313613" cy="1884363"/>
         </p:xfrm>
         <a:graphic>
           <a:graphicData uri="http://schemas.openxmlformats.org/presentationml/2006/ole">
             <mc:AlternateContent xmlns:mc="http://schemas.openxmlformats.org/markup-compatibility/2006">
               <mc:Choice xmlns:v="urn:schemas-microsoft-com:vml" Requires="v">
-                <p:oleObj spid="_x0000_s116755" name="Document" r:id="rId4" imgW="7313400" imgH="1884906" progId="Word.Document.12">
+                <p:oleObj spid="_x0000_s116758" name="Document" r:id="rId3" imgW="7313400" imgH="1884906" progId="Word.Document.12">
                   <p:embed/>
                 </p:oleObj>
               </mc:Choice>
               <mc:Fallback>
-                <p:oleObj name="Document" r:id="rId4" imgW="7313400" imgH="1884906" progId="Word.Document.12">
+                <p:oleObj name="Document" r:id="rId3" imgW="7313400" imgH="1884906" progId="Word.Document.12">
                   <p:embed/>
                   <p:pic>
                     <p:nvPicPr>
@@ -3552,7 +3515,7 @@
                       <p:nvPr/>
                     </p:nvPicPr>
                     <p:blipFill>
-                      <a:blip r:embed="rId5"/>
+                      <a:blip r:embed="rId4"/>
                       <a:stretch>
                         <a:fillRect/>
                       </a:stretch>
@@ -3560,7 +3523,7 @@
                     <p:spPr>
                       <a:xfrm>
                         <a:off x="914400" y="1219200"/>
-                        <a:ext cx="7313400" cy="1884906"/>
+                        <a:ext cx="7313613" cy="1884363"/>
                       </a:xfrm>
                       <a:prstGeom prst="rect">
                         <a:avLst/>
@@ -3583,13 +3546,6 @@
   <p:clrMapOvr>
     <a:masterClrMapping/>
   </p:clrMapOvr>
-  <p:timing>
-    <p:tnLst>
-      <p:par>
-        <p:cTn id="1" dur="indefinite" restart="never" nodeType="tmRoot"/>
-      </p:par>
-    </p:tnLst>
-  </p:timing>
 </p:sld>
 </file>
 
@@ -3635,31 +3591,19 @@
               <a:t>How to use the </a:t>
             </a:r>
             <a:r>
-              <a:rPr lang="en-US" dirty="0" err="1" smtClean="0"/>
+              <a:rPr lang="en-US" dirty="0" err="1"/>
               <a:t>parseFloat</a:t>
             </a:r>
             <a:r>
-              <a:rPr lang="en-US" dirty="0" smtClean="0"/>
-              <a:t>() </a:t>
-            </a:r>
-            <a:r>
               <a:rPr lang="en-US" dirty="0"/>
-              <a:t>method </a:t>
-            </a:r>
-            <a:r>
-              <a:rPr lang="en-US" dirty="0" smtClean="0"/>
-              <a:t/>
+              <a:t>() method </a:t>
             </a:r>
             <a:br>
-              <a:rPr lang="en-US" dirty="0" smtClean="0"/>
+              <a:rPr lang="en-US" dirty="0"/>
             </a:br>
             <a:r>
-              <a:rPr lang="en-US" dirty="0" smtClean="0"/>
-              <a:t>to </a:t>
-            </a:r>
-            <a:r>
               <a:rPr lang="en-US" dirty="0"/>
-              <a:t>get a number value from a text box</a:t>
+              <a:t>to get a number value from a text box</a:t>
             </a:r>
           </a:p>
         </p:txBody>
@@ -3683,7 +3627,7 @@
               <a:defRPr/>
             </a:pPr>
             <a:r>
-              <a:rPr lang="en-US" smtClean="0"/>
+              <a:rPr lang="en-US"/>
               <a:t>Murach's JavaScript and jQuery (3rd Ed.)</a:t>
             </a:r>
             <a:endParaRPr lang="en-US" dirty="0"/>
@@ -3709,39 +3653,38 @@
               <a:defRPr/>
             </a:pPr>
             <a:r>
-              <a:rPr lang="en-US" smtClean="0"/>
+              <a:rPr lang="en-US"/>
               <a:t>© 2017, Mike Murach &amp; Associates, Inc.</a:t>
             </a:r>
+          </a:p>
+        </p:txBody>
+      </p:sp>
+      <p:sp>
+        <p:nvSpPr>
+          <p:cNvPr id="12" name="Slide Number Placeholder 11"/>
+          <p:cNvSpPr>
+            <a:spLocks noGrp="1"/>
+          </p:cNvSpPr>
+          <p:nvPr>
+            <p:ph type="sldNum" sz="quarter" idx="12"/>
+          </p:nvPr>
+        </p:nvSpPr>
+        <p:spPr/>
+        <p:txBody>
+          <a:bodyPr/>
+          <a:lstStyle/>
+          <a:p>
+            <a:pPr>
+              <a:defRPr/>
+            </a:pPr>
             <a:endParaRPr lang="en-US"/>
           </a:p>
-        </p:txBody>
-      </p:sp>
-      <p:sp>
-        <p:nvSpPr>
-          <p:cNvPr id="12" name="Slide Number Placeholder 11"/>
-          <p:cNvSpPr>
-            <a:spLocks noGrp="1"/>
-          </p:cNvSpPr>
-          <p:nvPr>
-            <p:ph type="sldNum" sz="quarter" idx="12"/>
-          </p:nvPr>
-        </p:nvSpPr>
-        <p:spPr/>
-        <p:txBody>
-          <a:bodyPr/>
-          <a:lstStyle/>
-          <a:p>
-            <a:pPr>
-              <a:defRPr/>
-            </a:pPr>
-            <a:endParaRPr lang="en-US" smtClean="0"/>
-          </a:p>
           <a:p>
             <a:pPr algn="r">
               <a:defRPr/>
             </a:pPr>
             <a:r>
-              <a:rPr lang="en-US" sz="900" smtClean="0">
+              <a:rPr lang="en-US" sz="900">
                 <a:solidFill>
                   <a:schemeClr val="bg1"/>
                 </a:solidFill>
@@ -3792,12 +3735,12 @@
           <a:graphicData uri="http://schemas.openxmlformats.org/presentationml/2006/ole">
             <mc:AlternateContent xmlns:mc="http://schemas.openxmlformats.org/markup-compatibility/2006">
               <mc:Choice xmlns:v="urn:schemas-microsoft-com:vml" Requires="v">
-                <p:oleObj spid="_x0000_s117779" name="Document" r:id="rId4" imgW="7313400" imgH="2344709" progId="Word.Document.12">
+                <p:oleObj spid="_x0000_s117782" name="Document" r:id="rId3" imgW="7313400" imgH="2344709" progId="Word.Document.12">
                   <p:embed/>
                 </p:oleObj>
               </mc:Choice>
               <mc:Fallback>
-                <p:oleObj name="Document" r:id="rId4" imgW="7313400" imgH="2344709" progId="Word.Document.12">
+                <p:oleObj name="Document" r:id="rId3" imgW="7313400" imgH="2344709" progId="Word.Document.12">
                   <p:embed/>
                   <p:pic>
                     <p:nvPicPr>
@@ -3806,7 +3749,7 @@
                       <p:nvPr/>
                     </p:nvPicPr>
                     <p:blipFill>
-                      <a:blip r:embed="rId5"/>
+                      <a:blip r:embed="rId4"/>
                       <a:stretch>
                         <a:fillRect/>
                       </a:stretch>
@@ -3837,13 +3780,6 @@
   <p:clrMapOvr>
     <a:masterClrMapping/>
   </p:clrMapOvr>
-  <p:timing>
-    <p:tnLst>
-      <p:par>
-        <p:cTn id="1" dur="indefinite" restart="never" nodeType="tmRoot"/>
-      </p:par>
-    </p:tnLst>
-  </p:timing>
 </p:sld>
 </file>
 
@@ -3905,7 +3841,7 @@
               <a:defRPr/>
             </a:pPr>
             <a:r>
-              <a:rPr lang="en-US" smtClean="0"/>
+              <a:rPr lang="en-US"/>
               <a:t>Murach's JavaScript and jQuery (3rd Ed.)</a:t>
             </a:r>
             <a:endParaRPr lang="en-US" dirty="0"/>
@@ -3931,39 +3867,38 @@
               <a:defRPr/>
             </a:pPr>
             <a:r>
-              <a:rPr lang="en-US" smtClean="0"/>
+              <a:rPr lang="en-US"/>
               <a:t>© 2017, Mike Murach &amp; Associates, Inc.</a:t>
             </a:r>
+          </a:p>
+        </p:txBody>
+      </p:sp>
+      <p:sp>
+        <p:nvSpPr>
+          <p:cNvPr id="12" name="Slide Number Placeholder 11"/>
+          <p:cNvSpPr>
+            <a:spLocks noGrp="1"/>
+          </p:cNvSpPr>
+          <p:nvPr>
+            <p:ph type="sldNum" sz="quarter" idx="12"/>
+          </p:nvPr>
+        </p:nvSpPr>
+        <p:spPr/>
+        <p:txBody>
+          <a:bodyPr/>
+          <a:lstStyle/>
+          <a:p>
+            <a:pPr>
+              <a:defRPr/>
+            </a:pPr>
             <a:endParaRPr lang="en-US"/>
           </a:p>
-        </p:txBody>
-      </p:sp>
-      <p:sp>
-        <p:nvSpPr>
-          <p:cNvPr id="12" name="Slide Number Placeholder 11"/>
-          <p:cNvSpPr>
-            <a:spLocks noGrp="1"/>
-          </p:cNvSpPr>
-          <p:nvPr>
-            <p:ph type="sldNum" sz="quarter" idx="12"/>
-          </p:nvPr>
-        </p:nvSpPr>
-        <p:spPr/>
-        <p:txBody>
-          <a:bodyPr/>
-          <a:lstStyle/>
-          <a:p>
-            <a:pPr>
-              <a:defRPr/>
-            </a:pPr>
-            <a:endParaRPr lang="en-US" smtClean="0"/>
-          </a:p>
           <a:p>
             <a:pPr algn="r">
               <a:defRPr/>
             </a:pPr>
             <a:r>
-              <a:rPr lang="en-US" sz="900" smtClean="0">
+              <a:rPr lang="en-US" sz="900">
                 <a:solidFill>
                   <a:schemeClr val="bg1"/>
                 </a:solidFill>
@@ -4001,25 +3936,25 @@
           <p:nvPr>
             <p:extLst>
               <p:ext uri="{D42A27DB-BD31-4B8C-83A1-F6EECF244321}">
-                <p14:modId xmlns:p14="http://schemas.microsoft.com/office/powerpoint/2010/main" val="1726308589"/>
+                <p14:modId xmlns:p14="http://schemas.microsoft.com/office/powerpoint/2010/main" val="3287246917"/>
               </p:ext>
             </p:extLst>
           </p:nvPr>
         </p:nvGraphicFramePr>
         <p:xfrm>
-          <a:off x="914400" y="1132809"/>
-          <a:ext cx="7313400" cy="1610391"/>
+          <a:off x="914400" y="1130300"/>
+          <a:ext cx="7253288" cy="2054225"/>
         </p:xfrm>
         <a:graphic>
           <a:graphicData uri="http://schemas.openxmlformats.org/presentationml/2006/ole">
             <mc:AlternateContent xmlns:mc="http://schemas.openxmlformats.org/markup-compatibility/2006">
               <mc:Choice xmlns:v="urn:schemas-microsoft-com:vml" Requires="v">
-                <p:oleObj spid="_x0000_s118803" name="Document" r:id="rId4" imgW="7313400" imgH="1610391" progId="Word.Document.12">
+                <p:oleObj spid="_x0000_s118806" name="Document" r:id="rId3" imgW="7301323" imgH="2074770" progId="Word.Document.12">
                   <p:embed/>
                 </p:oleObj>
               </mc:Choice>
               <mc:Fallback>
-                <p:oleObj name="Document" r:id="rId4" imgW="7313400" imgH="1610391" progId="Word.Document.12">
+                <p:oleObj name="Document" r:id="rId3" imgW="7301323" imgH="2074770" progId="Word.Document.12">
                   <p:embed/>
                   <p:pic>
                     <p:nvPicPr>
@@ -4028,15 +3963,15 @@
                       <p:nvPr/>
                     </p:nvPicPr>
                     <p:blipFill>
-                      <a:blip r:embed="rId5"/>
+                      <a:blip r:embed="rId4"/>
                       <a:stretch>
                         <a:fillRect/>
                       </a:stretch>
                     </p:blipFill>
                     <p:spPr>
                       <a:xfrm>
-                        <a:off x="914400" y="1132809"/>
-                        <a:ext cx="7313400" cy="1610391"/>
+                        <a:off x="914400" y="1130300"/>
+                        <a:ext cx="7253288" cy="2054225"/>
                       </a:xfrm>
                       <a:prstGeom prst="rect">
                         <a:avLst/>
@@ -4059,13 +3994,6 @@
   <p:clrMapOvr>
     <a:masterClrMapping/>
   </p:clrMapOvr>
-  <p:timing>
-    <p:tnLst>
-      <p:par>
-        <p:cTn id="1" dur="indefinite" restart="never" nodeType="tmRoot"/>
-      </p:par>
-    </p:tnLst>
-  </p:timing>
 </p:sld>
 </file>
 
@@ -4102,41 +4030,40 @@
           <a:lstStyle/>
           <a:p>
             <a:r>
-              <a:rPr lang="en-US" dirty="0" smtClean="0"/>
+              <a:rPr lang="en-US" dirty="0"/>
               <a:t>How to create a JavaScript object</a:t>
             </a:r>
+          </a:p>
+        </p:txBody>
+      </p:sp>
+      <p:sp>
+        <p:nvSpPr>
+          <p:cNvPr id="10" name="Date Placeholder 9"/>
+          <p:cNvSpPr>
+            <a:spLocks noGrp="1"/>
+          </p:cNvSpPr>
+          <p:nvPr>
+            <p:ph type="dt" sz="half" idx="10"/>
+          </p:nvPr>
+        </p:nvSpPr>
+        <p:spPr/>
+        <p:txBody>
+          <a:bodyPr/>
+          <a:lstStyle/>
+          <a:p>
+            <a:pPr>
+              <a:defRPr/>
+            </a:pPr>
+            <a:r>
+              <a:rPr lang="en-US"/>
+              <a:t>Murach's JavaScript and jQuery (3rd Ed.)</a:t>
+            </a:r>
             <a:endParaRPr lang="en-US" dirty="0"/>
           </a:p>
         </p:txBody>
       </p:sp>
       <p:sp>
         <p:nvSpPr>
-          <p:cNvPr id="10" name="Date Placeholder 9"/>
-          <p:cNvSpPr>
-            <a:spLocks noGrp="1"/>
-          </p:cNvSpPr>
-          <p:nvPr>
-            <p:ph type="dt" sz="half" idx="10"/>
-          </p:nvPr>
-        </p:nvSpPr>
-        <p:spPr/>
-        <p:txBody>
-          <a:bodyPr/>
-          <a:lstStyle/>
-          <a:p>
-            <a:pPr>
-              <a:defRPr/>
-            </a:pPr>
-            <a:r>
-              <a:rPr lang="en-US" smtClean="0"/>
-              <a:t>Murach's JavaScript and jQuery (3rd Ed.)</a:t>
-            </a:r>
-            <a:endParaRPr lang="en-US" dirty="0"/>
-          </a:p>
-        </p:txBody>
-      </p:sp>
-      <p:sp>
-        <p:nvSpPr>
           <p:cNvPr id="11" name="Footer Placeholder 10"/>
           <p:cNvSpPr>
             <a:spLocks noGrp="1"/>
@@ -4154,39 +4081,38 @@
               <a:defRPr/>
             </a:pPr>
             <a:r>
-              <a:rPr lang="en-US" smtClean="0"/>
+              <a:rPr lang="en-US"/>
               <a:t>© 2017, Mike Murach &amp; Associates, Inc.</a:t>
             </a:r>
+          </a:p>
+        </p:txBody>
+      </p:sp>
+      <p:sp>
+        <p:nvSpPr>
+          <p:cNvPr id="12" name="Slide Number Placeholder 11"/>
+          <p:cNvSpPr>
+            <a:spLocks noGrp="1"/>
+          </p:cNvSpPr>
+          <p:nvPr>
+            <p:ph type="sldNum" sz="quarter" idx="12"/>
+          </p:nvPr>
+        </p:nvSpPr>
+        <p:spPr/>
+        <p:txBody>
+          <a:bodyPr/>
+          <a:lstStyle/>
+          <a:p>
+            <a:pPr>
+              <a:defRPr/>
+            </a:pPr>
             <a:endParaRPr lang="en-US"/>
           </a:p>
-        </p:txBody>
-      </p:sp>
-      <p:sp>
-        <p:nvSpPr>
-          <p:cNvPr id="12" name="Slide Number Placeholder 11"/>
-          <p:cNvSpPr>
-            <a:spLocks noGrp="1"/>
-          </p:cNvSpPr>
-          <p:nvPr>
-            <p:ph type="sldNum" sz="quarter" idx="12"/>
-          </p:nvPr>
-        </p:nvSpPr>
-        <p:spPr/>
-        <p:txBody>
-          <a:bodyPr/>
-          <a:lstStyle/>
-          <a:p>
-            <a:pPr>
-              <a:defRPr/>
-            </a:pPr>
-            <a:endParaRPr lang="en-US" smtClean="0"/>
-          </a:p>
           <a:p>
             <a:pPr algn="r">
               <a:defRPr/>
             </a:pPr>
             <a:r>
-              <a:rPr lang="en-US" sz="900" smtClean="0">
+              <a:rPr lang="en-US" sz="900">
                 <a:solidFill>
                   <a:schemeClr val="bg1"/>
                 </a:solidFill>
@@ -4237,12 +4163,12 @@
           <a:graphicData uri="http://schemas.openxmlformats.org/presentationml/2006/ole">
             <mc:AlternateContent xmlns:mc="http://schemas.openxmlformats.org/markup-compatibility/2006">
               <mc:Choice xmlns:v="urn:schemas-microsoft-com:vml" Requires="v">
-                <p:oleObj spid="_x0000_s49194" name="Document" r:id="rId4" imgW="7313400" imgH="1424743" progId="Word.Document.12">
+                <p:oleObj spid="_x0000_s49197" name="Document" r:id="rId3" imgW="7313400" imgH="1424743" progId="Word.Document.12">
                   <p:embed/>
                 </p:oleObj>
               </mc:Choice>
               <mc:Fallback>
-                <p:oleObj name="Document" r:id="rId4" imgW="7313400" imgH="1424743" progId="Word.Document.12">
+                <p:oleObj name="Document" r:id="rId3" imgW="7313400" imgH="1424743" progId="Word.Document.12">
                   <p:embed/>
                   <p:pic>
                     <p:nvPicPr>
@@ -4251,7 +4177,7 @@
                       <p:nvPr/>
                     </p:nvPicPr>
                     <p:blipFill>
-                      <a:blip r:embed="rId5"/>
+                      <a:blip r:embed="rId4"/>
                       <a:stretch>
                         <a:fillRect/>
                       </a:stretch>
@@ -4282,13 +4208,6 @@
   <p:clrMapOvr>
     <a:masterClrMapping/>
   </p:clrMapOvr>
-  <p:timing>
-    <p:tnLst>
-      <p:par>
-        <p:cTn id="1" dur="indefinite" restart="never" nodeType="tmRoot"/>
-      </p:par>
-    </p:tnLst>
-  </p:timing>
 </p:sld>
 </file>
 
@@ -4325,41 +4244,40 @@
           <a:lstStyle/>
           <a:p>
             <a:r>
-              <a:rPr lang="en-US" dirty="0" smtClean="0"/>
+              <a:rPr lang="en-US" dirty="0"/>
               <a:t>A few of the methods of a Date object</a:t>
             </a:r>
+          </a:p>
+        </p:txBody>
+      </p:sp>
+      <p:sp>
+        <p:nvSpPr>
+          <p:cNvPr id="12" name="Date Placeholder 11"/>
+          <p:cNvSpPr>
+            <a:spLocks noGrp="1"/>
+          </p:cNvSpPr>
+          <p:nvPr>
+            <p:ph type="dt" sz="half" idx="10"/>
+          </p:nvPr>
+        </p:nvSpPr>
+        <p:spPr/>
+        <p:txBody>
+          <a:bodyPr/>
+          <a:lstStyle/>
+          <a:p>
+            <a:pPr>
+              <a:defRPr/>
+            </a:pPr>
+            <a:r>
+              <a:rPr lang="en-US"/>
+              <a:t>Murach's JavaScript and jQuery (3rd Ed.)</a:t>
+            </a:r>
             <a:endParaRPr lang="en-US" dirty="0"/>
           </a:p>
         </p:txBody>
       </p:sp>
       <p:sp>
         <p:nvSpPr>
-          <p:cNvPr id="12" name="Date Placeholder 11"/>
-          <p:cNvSpPr>
-            <a:spLocks noGrp="1"/>
-          </p:cNvSpPr>
-          <p:nvPr>
-            <p:ph type="dt" sz="half" idx="10"/>
-          </p:nvPr>
-        </p:nvSpPr>
-        <p:spPr/>
-        <p:txBody>
-          <a:bodyPr/>
-          <a:lstStyle/>
-          <a:p>
-            <a:pPr>
-              <a:defRPr/>
-            </a:pPr>
-            <a:r>
-              <a:rPr lang="en-US" smtClean="0"/>
-              <a:t>Murach's JavaScript and jQuery (3rd Ed.)</a:t>
-            </a:r>
-            <a:endParaRPr lang="en-US" dirty="0"/>
-          </a:p>
-        </p:txBody>
-      </p:sp>
-      <p:sp>
-        <p:nvSpPr>
           <p:cNvPr id="13" name="Footer Placeholder 12"/>
           <p:cNvSpPr>
             <a:spLocks noGrp="1"/>
@@ -4377,39 +4295,38 @@
               <a:defRPr/>
             </a:pPr>
             <a:r>
-              <a:rPr lang="en-US" smtClean="0"/>
+              <a:rPr lang="en-US"/>
               <a:t>© 2017, Mike Murach &amp; Associates, Inc.</a:t>
             </a:r>
+          </a:p>
+        </p:txBody>
+      </p:sp>
+      <p:sp>
+        <p:nvSpPr>
+          <p:cNvPr id="14" name="Slide Number Placeholder 13"/>
+          <p:cNvSpPr>
+            <a:spLocks noGrp="1"/>
+          </p:cNvSpPr>
+          <p:nvPr>
+            <p:ph type="sldNum" sz="quarter" idx="12"/>
+          </p:nvPr>
+        </p:nvSpPr>
+        <p:spPr/>
+        <p:txBody>
+          <a:bodyPr/>
+          <a:lstStyle/>
+          <a:p>
+            <a:pPr>
+              <a:defRPr/>
+            </a:pPr>
             <a:endParaRPr lang="en-US"/>
           </a:p>
-        </p:txBody>
-      </p:sp>
-      <p:sp>
-        <p:nvSpPr>
-          <p:cNvPr id="14" name="Slide Number Placeholder 13"/>
-          <p:cNvSpPr>
-            <a:spLocks noGrp="1"/>
-          </p:cNvSpPr>
-          <p:nvPr>
-            <p:ph type="sldNum" sz="quarter" idx="12"/>
-          </p:nvPr>
-        </p:nvSpPr>
-        <p:spPr/>
-        <p:txBody>
-          <a:bodyPr/>
-          <a:lstStyle/>
-          <a:p>
-            <a:pPr>
-              <a:defRPr/>
-            </a:pPr>
-            <a:endParaRPr lang="en-US" smtClean="0"/>
-          </a:p>
           <a:p>
             <a:pPr algn="r">
               <a:defRPr/>
             </a:pPr>
             <a:r>
-              <a:rPr lang="en-US" sz="900" smtClean="0">
+              <a:rPr lang="en-US" sz="900">
                 <a:solidFill>
                   <a:schemeClr val="bg1"/>
                 </a:solidFill>
@@ -4460,12 +4377,12 @@
           <a:graphicData uri="http://schemas.openxmlformats.org/presentationml/2006/ole">
             <mc:AlternateContent xmlns:mc="http://schemas.openxmlformats.org/markup-compatibility/2006">
               <mc:Choice xmlns:v="urn:schemas-microsoft-com:vml" Requires="v">
-                <p:oleObj spid="_x0000_s50254" name="Document" r:id="rId4" imgW="7313400" imgH="2915686" progId="Word.Document.12">
+                <p:oleObj spid="_x0000_s50257" name="Document" r:id="rId3" imgW="7313400" imgH="2915686" progId="Word.Document.12">
                   <p:embed/>
                 </p:oleObj>
               </mc:Choice>
               <mc:Fallback>
-                <p:oleObj name="Document" r:id="rId4" imgW="7313400" imgH="2915686" progId="Word.Document.12">
+                <p:oleObj name="Document" r:id="rId3" imgW="7313400" imgH="2915686" progId="Word.Document.12">
                   <p:embed/>
                   <p:pic>
                     <p:nvPicPr>
@@ -4474,7 +4391,7 @@
                       <p:nvPr/>
                     </p:nvPicPr>
                     <p:blipFill>
-                      <a:blip r:embed="rId5"/>
+                      <a:blip r:embed="rId4"/>
                       <a:stretch>
                         <a:fillRect/>
                       </a:stretch>
@@ -4505,13 +4422,6 @@
   <p:clrMapOvr>
     <a:masterClrMapping/>
   </p:clrMapOvr>
-  <p:timing>
-    <p:tnLst>
-      <p:par>
-        <p:cTn id="1" dur="indefinite" restart="never" nodeType="tmRoot"/>
-      </p:par>
-    </p:tnLst>
-  </p:timing>
 </p:sld>
 </file>
 
@@ -4548,41 +4458,40 @@
           <a:lstStyle/>
           <a:p>
             <a:r>
-              <a:rPr lang="en-US" dirty="0" smtClean="0"/>
+              <a:rPr lang="en-US" dirty="0"/>
               <a:t>Properties and methods of a String object</a:t>
             </a:r>
+          </a:p>
+        </p:txBody>
+      </p:sp>
+      <p:sp>
+        <p:nvSpPr>
+          <p:cNvPr id="12" name="Date Placeholder 11"/>
+          <p:cNvSpPr>
+            <a:spLocks noGrp="1"/>
+          </p:cNvSpPr>
+          <p:nvPr>
+            <p:ph type="dt" sz="half" idx="10"/>
+          </p:nvPr>
+        </p:nvSpPr>
+        <p:spPr/>
+        <p:txBody>
+          <a:bodyPr/>
+          <a:lstStyle/>
+          <a:p>
+            <a:pPr>
+              <a:defRPr/>
+            </a:pPr>
+            <a:r>
+              <a:rPr lang="en-US"/>
+              <a:t>Murach's JavaScript and jQuery (3rd Ed.)</a:t>
+            </a:r>
             <a:endParaRPr lang="en-US" dirty="0"/>
           </a:p>
         </p:txBody>
       </p:sp>
       <p:sp>
         <p:nvSpPr>
-          <p:cNvPr id="12" name="Date Placeholder 11"/>
-          <p:cNvSpPr>
-            <a:spLocks noGrp="1"/>
-          </p:cNvSpPr>
-          <p:nvPr>
-            <p:ph type="dt" sz="half" idx="10"/>
-          </p:nvPr>
-        </p:nvSpPr>
-        <p:spPr/>
-        <p:txBody>
-          <a:bodyPr/>
-          <a:lstStyle/>
-          <a:p>
-            <a:pPr>
-              <a:defRPr/>
-            </a:pPr>
-            <a:r>
-              <a:rPr lang="en-US" smtClean="0"/>
-              <a:t>Murach's JavaScript and jQuery (3rd Ed.)</a:t>
-            </a:r>
-            <a:endParaRPr lang="en-US" dirty="0"/>
-          </a:p>
-        </p:txBody>
-      </p:sp>
-      <p:sp>
-        <p:nvSpPr>
           <p:cNvPr id="13" name="Footer Placeholder 12"/>
           <p:cNvSpPr>
             <a:spLocks noGrp="1"/>
@@ -4600,39 +4509,38 @@
               <a:defRPr/>
             </a:pPr>
             <a:r>
-              <a:rPr lang="en-US" smtClean="0"/>
+              <a:rPr lang="en-US"/>
               <a:t>© 2017, Mike Murach &amp; Associates, Inc.</a:t>
             </a:r>
+          </a:p>
+        </p:txBody>
+      </p:sp>
+      <p:sp>
+        <p:nvSpPr>
+          <p:cNvPr id="14" name="Slide Number Placeholder 13"/>
+          <p:cNvSpPr>
+            <a:spLocks noGrp="1"/>
+          </p:cNvSpPr>
+          <p:nvPr>
+            <p:ph type="sldNum" sz="quarter" idx="12"/>
+          </p:nvPr>
+        </p:nvSpPr>
+        <p:spPr/>
+        <p:txBody>
+          <a:bodyPr/>
+          <a:lstStyle/>
+          <a:p>
+            <a:pPr>
+              <a:defRPr/>
+            </a:pPr>
             <a:endParaRPr lang="en-US"/>
           </a:p>
-        </p:txBody>
-      </p:sp>
-      <p:sp>
-        <p:nvSpPr>
-          <p:cNvPr id="14" name="Slide Number Placeholder 13"/>
-          <p:cNvSpPr>
-            <a:spLocks noGrp="1"/>
-          </p:cNvSpPr>
-          <p:nvPr>
-            <p:ph type="sldNum" sz="quarter" idx="12"/>
-          </p:nvPr>
-        </p:nvSpPr>
-        <p:spPr/>
-        <p:txBody>
-          <a:bodyPr/>
-          <a:lstStyle/>
-          <a:p>
-            <a:pPr>
-              <a:defRPr/>
-            </a:pPr>
-            <a:endParaRPr lang="en-US" smtClean="0"/>
-          </a:p>
           <a:p>
             <a:pPr algn="r">
               <a:defRPr/>
             </a:pPr>
             <a:r>
-              <a:rPr lang="en-US" sz="900" smtClean="0">
+              <a:rPr lang="en-US" sz="900">
                 <a:solidFill>
                   <a:schemeClr val="bg1"/>
                 </a:solidFill>
@@ -4683,12 +4591,12 @@
           <a:graphicData uri="http://schemas.openxmlformats.org/presentationml/2006/ole">
             <mc:AlternateContent xmlns:mc="http://schemas.openxmlformats.org/markup-compatibility/2006">
               <mc:Choice xmlns:v="urn:schemas-microsoft-com:vml" Requires="v">
-                <p:oleObj spid="_x0000_s51275" name="Document" r:id="rId4" imgW="7313400" imgH="4416703" progId="Word.Document.12">
+                <p:oleObj spid="_x0000_s51278" name="Document" r:id="rId3" imgW="7313400" imgH="4416703" progId="Word.Document.12">
                   <p:embed/>
                 </p:oleObj>
               </mc:Choice>
               <mc:Fallback>
-                <p:oleObj name="Document" r:id="rId4" imgW="7313400" imgH="4416703" progId="Word.Document.12">
+                <p:oleObj name="Document" r:id="rId3" imgW="7313400" imgH="4416703" progId="Word.Document.12">
                   <p:embed/>
                   <p:pic>
                     <p:nvPicPr>
@@ -4697,7 +4605,7 @@
                       <p:nvPr/>
                     </p:nvPicPr>
                     <p:blipFill>
-                      <a:blip r:embed="rId5"/>
+                      <a:blip r:embed="rId4"/>
                       <a:stretch>
                         <a:fillRect/>
                       </a:stretch>
@@ -4728,13 +4636,6 @@
   <p:clrMapOvr>
     <a:masterClrMapping/>
   </p:clrMapOvr>
-  <p:timing>
-    <p:tnLst>
-      <p:par>
-        <p:cTn id="1" dur="indefinite" restart="never" nodeType="tmRoot"/>
-      </p:par>
-    </p:tnLst>
-  </p:timing>
 </p:sld>
 </file>
 
@@ -4771,41 +4672,40 @@
           <a:lstStyle/>
           <a:p>
             <a:r>
-              <a:rPr lang="en-US" dirty="0" smtClean="0"/>
+              <a:rPr lang="en-US" dirty="0"/>
               <a:t>Terms</a:t>
             </a:r>
+          </a:p>
+        </p:txBody>
+      </p:sp>
+      <p:sp>
+        <p:nvSpPr>
+          <p:cNvPr id="10" name="Date Placeholder 9"/>
+          <p:cNvSpPr>
+            <a:spLocks noGrp="1"/>
+          </p:cNvSpPr>
+          <p:nvPr>
+            <p:ph type="dt" sz="half" idx="10"/>
+          </p:nvPr>
+        </p:nvSpPr>
+        <p:spPr/>
+        <p:txBody>
+          <a:bodyPr/>
+          <a:lstStyle/>
+          <a:p>
+            <a:pPr>
+              <a:defRPr/>
+            </a:pPr>
+            <a:r>
+              <a:rPr lang="en-US"/>
+              <a:t>Murach's JavaScript and jQuery (3rd Ed.)</a:t>
+            </a:r>
             <a:endParaRPr lang="en-US" dirty="0"/>
           </a:p>
         </p:txBody>
       </p:sp>
       <p:sp>
         <p:nvSpPr>
-          <p:cNvPr id="10" name="Date Placeholder 9"/>
-          <p:cNvSpPr>
-            <a:spLocks noGrp="1"/>
-          </p:cNvSpPr>
-          <p:nvPr>
-            <p:ph type="dt" sz="half" idx="10"/>
-          </p:nvPr>
-        </p:nvSpPr>
-        <p:spPr/>
-        <p:txBody>
-          <a:bodyPr/>
-          <a:lstStyle/>
-          <a:p>
-            <a:pPr>
-              <a:defRPr/>
-            </a:pPr>
-            <a:r>
-              <a:rPr lang="en-US" smtClean="0"/>
-              <a:t>Murach's JavaScript and jQuery (3rd Ed.)</a:t>
-            </a:r>
-            <a:endParaRPr lang="en-US" dirty="0"/>
-          </a:p>
-        </p:txBody>
-      </p:sp>
-      <p:sp>
-        <p:nvSpPr>
           <p:cNvPr id="11" name="Footer Placeholder 10"/>
           <p:cNvSpPr>
             <a:spLocks noGrp="1"/>
@@ -4823,39 +4723,38 @@
               <a:defRPr/>
             </a:pPr>
             <a:r>
-              <a:rPr lang="en-US" smtClean="0"/>
+              <a:rPr lang="en-US"/>
               <a:t>© 2017, Mike Murach &amp; Associates, Inc.</a:t>
             </a:r>
+          </a:p>
+        </p:txBody>
+      </p:sp>
+      <p:sp>
+        <p:nvSpPr>
+          <p:cNvPr id="12" name="Slide Number Placeholder 11"/>
+          <p:cNvSpPr>
+            <a:spLocks noGrp="1"/>
+          </p:cNvSpPr>
+          <p:nvPr>
+            <p:ph type="sldNum" sz="quarter" idx="12"/>
+          </p:nvPr>
+        </p:nvSpPr>
+        <p:spPr/>
+        <p:txBody>
+          <a:bodyPr/>
+          <a:lstStyle/>
+          <a:p>
+            <a:pPr>
+              <a:defRPr/>
+            </a:pPr>
             <a:endParaRPr lang="en-US"/>
           </a:p>
-        </p:txBody>
-      </p:sp>
-      <p:sp>
-        <p:nvSpPr>
-          <p:cNvPr id="12" name="Slide Number Placeholder 11"/>
-          <p:cNvSpPr>
-            <a:spLocks noGrp="1"/>
-          </p:cNvSpPr>
-          <p:nvPr>
-            <p:ph type="sldNum" sz="quarter" idx="12"/>
-          </p:nvPr>
-        </p:nvSpPr>
-        <p:spPr/>
-        <p:txBody>
-          <a:bodyPr/>
-          <a:lstStyle/>
-          <a:p>
-            <a:pPr>
-              <a:defRPr/>
-            </a:pPr>
-            <a:endParaRPr lang="en-US" smtClean="0"/>
-          </a:p>
           <a:p>
             <a:pPr algn="r">
               <a:defRPr/>
             </a:pPr>
             <a:r>
-              <a:rPr lang="en-US" sz="900" smtClean="0">
+              <a:rPr lang="en-US" sz="900">
                 <a:solidFill>
                   <a:schemeClr val="bg1"/>
                 </a:solidFill>
@@ -4906,12 +4805,12 @@
           <a:graphicData uri="http://schemas.openxmlformats.org/presentationml/2006/ole">
             <mc:AlternateContent xmlns:mc="http://schemas.openxmlformats.org/markup-compatibility/2006">
               <mc:Choice xmlns:v="urn:schemas-microsoft-com:vml" Requires="v">
-                <p:oleObj spid="_x0000_s120851" name="Document" r:id="rId4" imgW="7313400" imgH="3862636" progId="Word.Document.12">
+                <p:oleObj spid="_x0000_s120854" name="Document" r:id="rId3" imgW="7313400" imgH="3862636" progId="Word.Document.12">
                   <p:embed/>
                 </p:oleObj>
               </mc:Choice>
               <mc:Fallback>
-                <p:oleObj name="Document" r:id="rId4" imgW="7313400" imgH="3862636" progId="Word.Document.12">
+                <p:oleObj name="Document" r:id="rId3" imgW="7313400" imgH="3862636" progId="Word.Document.12">
                   <p:embed/>
                   <p:pic>
                     <p:nvPicPr>
@@ -4920,7 +4819,7 @@
                       <p:nvPr/>
                     </p:nvPicPr>
                     <p:blipFill>
-                      <a:blip r:embed="rId5"/>
+                      <a:blip r:embed="rId4"/>
                       <a:stretch>
                         <a:fillRect/>
                       </a:stretch>
@@ -4951,13 +4850,6 @@
   <p:clrMapOvr>
     <a:masterClrMapping/>
   </p:clrMapOvr>
-  <p:timing>
-    <p:tnLst>
-      <p:par>
-        <p:cTn id="1" dur="indefinite" restart="never" nodeType="tmRoot"/>
-      </p:par>
-    </p:tnLst>
-  </p:timing>
 </p:sld>
 </file>
 
@@ -4994,41 +4886,40 @@
           <a:lstStyle/>
           <a:p>
             <a:r>
-              <a:rPr lang="en-US" dirty="0" smtClean="0"/>
+              <a:rPr lang="en-US" dirty="0"/>
               <a:t>The syntax for a function expression</a:t>
             </a:r>
+          </a:p>
+        </p:txBody>
+      </p:sp>
+      <p:sp>
+        <p:nvSpPr>
+          <p:cNvPr id="10" name="Date Placeholder 9"/>
+          <p:cNvSpPr>
+            <a:spLocks noGrp="1"/>
+          </p:cNvSpPr>
+          <p:nvPr>
+            <p:ph type="dt" sz="half" idx="10"/>
+          </p:nvPr>
+        </p:nvSpPr>
+        <p:spPr/>
+        <p:txBody>
+          <a:bodyPr/>
+          <a:lstStyle/>
+          <a:p>
+            <a:pPr>
+              <a:defRPr/>
+            </a:pPr>
+            <a:r>
+              <a:rPr lang="en-US"/>
+              <a:t>Murach's JavaScript and jQuery (3rd Ed.)</a:t>
+            </a:r>
             <a:endParaRPr lang="en-US" dirty="0"/>
           </a:p>
         </p:txBody>
       </p:sp>
       <p:sp>
         <p:nvSpPr>
-          <p:cNvPr id="10" name="Date Placeholder 9"/>
-          <p:cNvSpPr>
-            <a:spLocks noGrp="1"/>
-          </p:cNvSpPr>
-          <p:nvPr>
-            <p:ph type="dt" sz="half" idx="10"/>
-          </p:nvPr>
-        </p:nvSpPr>
-        <p:spPr/>
-        <p:txBody>
-          <a:bodyPr/>
-          <a:lstStyle/>
-          <a:p>
-            <a:pPr>
-              <a:defRPr/>
-            </a:pPr>
-            <a:r>
-              <a:rPr lang="en-US" smtClean="0"/>
-              <a:t>Murach's JavaScript and jQuery (3rd Ed.)</a:t>
-            </a:r>
-            <a:endParaRPr lang="en-US" dirty="0"/>
-          </a:p>
-        </p:txBody>
-      </p:sp>
-      <p:sp>
-        <p:nvSpPr>
           <p:cNvPr id="11" name="Footer Placeholder 10"/>
           <p:cNvSpPr>
             <a:spLocks noGrp="1"/>
@@ -5046,39 +4937,38 @@
               <a:defRPr/>
             </a:pPr>
             <a:r>
-              <a:rPr lang="en-US" smtClean="0"/>
+              <a:rPr lang="en-US"/>
               <a:t>© 2017, Mike Murach &amp; Associates, Inc.</a:t>
             </a:r>
+          </a:p>
+        </p:txBody>
+      </p:sp>
+      <p:sp>
+        <p:nvSpPr>
+          <p:cNvPr id="12" name="Slide Number Placeholder 11"/>
+          <p:cNvSpPr>
+            <a:spLocks noGrp="1"/>
+          </p:cNvSpPr>
+          <p:nvPr>
+            <p:ph type="sldNum" sz="quarter" idx="12"/>
+          </p:nvPr>
+        </p:nvSpPr>
+        <p:spPr/>
+        <p:txBody>
+          <a:bodyPr/>
+          <a:lstStyle/>
+          <a:p>
+            <a:pPr>
+              <a:defRPr/>
+            </a:pPr>
             <a:endParaRPr lang="en-US"/>
           </a:p>
-        </p:txBody>
-      </p:sp>
-      <p:sp>
-        <p:nvSpPr>
-          <p:cNvPr id="12" name="Slide Number Placeholder 11"/>
-          <p:cNvSpPr>
-            <a:spLocks noGrp="1"/>
-          </p:cNvSpPr>
-          <p:nvPr>
-            <p:ph type="sldNum" sz="quarter" idx="12"/>
-          </p:nvPr>
-        </p:nvSpPr>
-        <p:spPr/>
-        <p:txBody>
-          <a:bodyPr/>
-          <a:lstStyle/>
-          <a:p>
-            <a:pPr>
-              <a:defRPr/>
-            </a:pPr>
-            <a:endParaRPr lang="en-US" smtClean="0"/>
-          </a:p>
           <a:p>
             <a:pPr algn="r">
               <a:defRPr/>
             </a:pPr>
             <a:r>
-              <a:rPr lang="en-US" sz="900" smtClean="0">
+              <a:rPr lang="en-US" sz="900">
                 <a:solidFill>
                   <a:schemeClr val="bg1"/>
                 </a:solidFill>
@@ -5129,12 +5019,12 @@
           <a:graphicData uri="http://schemas.openxmlformats.org/presentationml/2006/ole">
             <mc:AlternateContent xmlns:mc="http://schemas.openxmlformats.org/markup-compatibility/2006">
               <mc:Choice xmlns:v="urn:schemas-microsoft-com:vml" Requires="v">
-                <p:oleObj spid="_x0000_s74793" name="Document" r:id="rId4" imgW="7313400" imgH="690065" progId="Word.Document.12">
+                <p:oleObj spid="_x0000_s74796" name="Document" r:id="rId3" imgW="7313400" imgH="690065" progId="Word.Document.12">
                   <p:embed/>
                 </p:oleObj>
               </mc:Choice>
               <mc:Fallback>
-                <p:oleObj name="Document" r:id="rId4" imgW="7313400" imgH="690065" progId="Word.Document.12">
+                <p:oleObj name="Document" r:id="rId3" imgW="7313400" imgH="690065" progId="Word.Document.12">
                   <p:embed/>
                   <p:pic>
                     <p:nvPicPr>
@@ -5143,7 +5033,7 @@
                       <p:nvPr/>
                     </p:nvPicPr>
                     <p:blipFill>
-                      <a:blip r:embed="rId5"/>
+                      <a:blip r:embed="rId4"/>
                       <a:stretch>
                         <a:fillRect/>
                       </a:stretch>
@@ -5174,13 +5064,6 @@
   <p:clrMapOvr>
     <a:masterClrMapping/>
   </p:clrMapOvr>
-  <p:timing>
-    <p:tnLst>
-      <p:par>
-        <p:cTn id="1" dur="indefinite" restart="never" nodeType="tmRoot"/>
-      </p:par>
-    </p:tnLst>
-  </p:timing>
 </p:sld>
 </file>
 
@@ -5217,10 +5100,9 @@
           <a:lstStyle/>
           <a:p>
             <a:r>
-              <a:rPr lang="en-US" dirty="0" smtClean="0"/>
+              <a:rPr lang="en-US" dirty="0"/>
               <a:t>Objectives</a:t>
             </a:r>
-            <a:endParaRPr lang="en-US" dirty="0"/>
           </a:p>
         </p:txBody>
       </p:sp>
@@ -5246,12 +5128,12 @@
           <a:graphicData uri="http://schemas.openxmlformats.org/presentationml/2006/ole">
             <mc:AlternateContent xmlns:mc="http://schemas.openxmlformats.org/markup-compatibility/2006">
               <mc:Choice xmlns:v="urn:schemas-microsoft-com:vml" Requires="v">
-                <p:oleObj spid="_x0000_s2092" name="Document" r:id="rId4" imgW="7313400" imgH="5000271" progId="Word.Document.12">
+                <p:oleObj spid="_x0000_s2095" name="Document" r:id="rId3" imgW="7313400" imgH="5000271" progId="Word.Document.12">
                   <p:embed/>
                 </p:oleObj>
               </mc:Choice>
               <mc:Fallback>
-                <p:oleObj name="Document" r:id="rId4" imgW="7313400" imgH="5000271" progId="Word.Document.12">
+                <p:oleObj name="Document" r:id="rId3" imgW="7313400" imgH="5000271" progId="Word.Document.12">
                   <p:embed/>
                   <p:pic>
                     <p:nvPicPr>
@@ -5260,7 +5142,7 @@
                       <p:nvPr/>
                     </p:nvPicPr>
                     <p:blipFill>
-                      <a:blip r:embed="rId5"/>
+                      <a:blip r:embed="rId4"/>
                       <a:stretch>
                         <a:fillRect/>
                       </a:stretch>
@@ -5300,7 +5182,7 @@
               <a:defRPr/>
             </a:pPr>
             <a:r>
-              <a:rPr lang="en-US" smtClean="0"/>
+              <a:rPr lang="en-US"/>
               <a:t>Murach's JavaScript and jQuery (3rd Ed.)</a:t>
             </a:r>
             <a:endParaRPr lang="en-US" dirty="0"/>
@@ -5326,39 +5208,38 @@
               <a:defRPr/>
             </a:pPr>
             <a:r>
-              <a:rPr lang="en-US" smtClean="0"/>
+              <a:rPr lang="en-US"/>
               <a:t>© 2017, Mike Murach &amp; Associates, Inc.</a:t>
             </a:r>
+          </a:p>
+        </p:txBody>
+      </p:sp>
+      <p:sp>
+        <p:nvSpPr>
+          <p:cNvPr id="12" name="Slide Number Placeholder 11"/>
+          <p:cNvSpPr>
+            <a:spLocks noGrp="1"/>
+          </p:cNvSpPr>
+          <p:nvPr>
+            <p:ph type="sldNum" sz="quarter" idx="12"/>
+          </p:nvPr>
+        </p:nvSpPr>
+        <p:spPr/>
+        <p:txBody>
+          <a:bodyPr/>
+          <a:lstStyle/>
+          <a:p>
+            <a:pPr>
+              <a:defRPr/>
+            </a:pPr>
             <a:endParaRPr lang="en-US"/>
           </a:p>
-        </p:txBody>
-      </p:sp>
-      <p:sp>
-        <p:nvSpPr>
-          <p:cNvPr id="12" name="Slide Number Placeholder 11"/>
-          <p:cNvSpPr>
-            <a:spLocks noGrp="1"/>
-          </p:cNvSpPr>
-          <p:nvPr>
-            <p:ph type="sldNum" sz="quarter" idx="12"/>
-          </p:nvPr>
-        </p:nvSpPr>
-        <p:spPr/>
-        <p:txBody>
-          <a:bodyPr/>
-          <a:lstStyle/>
-          <a:p>
-            <a:pPr>
-              <a:defRPr/>
-            </a:pPr>
-            <a:endParaRPr lang="en-US" smtClean="0"/>
-          </a:p>
           <a:p>
             <a:pPr algn="r">
               <a:defRPr/>
             </a:pPr>
             <a:r>
-              <a:rPr lang="en-US" sz="900" smtClean="0">
+              <a:rPr lang="en-US" sz="900">
                 <a:solidFill>
                   <a:schemeClr val="bg1"/>
                 </a:solidFill>
@@ -5397,13 +5278,6 @@
   <p:clrMapOvr>
     <a:masterClrMapping/>
   </p:clrMapOvr>
-  <p:timing>
-    <p:tnLst>
-      <p:par>
-        <p:cTn id="1" dur="indefinite" restart="never" nodeType="tmRoot"/>
-      </p:par>
-    </p:tnLst>
-  </p:timing>
 </p:sld>
 </file>
 
@@ -5440,48 +5314,47 @@
           <a:lstStyle/>
           <a:p>
             <a:r>
-              <a:rPr lang="en-US" dirty="0" smtClean="0"/>
+              <a:rPr lang="en-US" dirty="0"/>
               <a:t>A function expression with no parameters </a:t>
             </a:r>
             <a:br>
-              <a:rPr lang="en-US" dirty="0" smtClean="0"/>
+              <a:rPr lang="en-US" dirty="0"/>
             </a:br>
             <a:r>
-              <a:rPr lang="en-US" dirty="0" smtClean="0"/>
+              <a:rPr lang="en-US" dirty="0"/>
               <a:t>that doesn’t return a value</a:t>
             </a:r>
+          </a:p>
+        </p:txBody>
+      </p:sp>
+      <p:sp>
+        <p:nvSpPr>
+          <p:cNvPr id="12" name="Date Placeholder 11"/>
+          <p:cNvSpPr>
+            <a:spLocks noGrp="1"/>
+          </p:cNvSpPr>
+          <p:nvPr>
+            <p:ph type="dt" sz="half" idx="10"/>
+          </p:nvPr>
+        </p:nvSpPr>
+        <p:spPr/>
+        <p:txBody>
+          <a:bodyPr/>
+          <a:lstStyle/>
+          <a:p>
+            <a:pPr>
+              <a:defRPr/>
+            </a:pPr>
+            <a:r>
+              <a:rPr lang="en-US"/>
+              <a:t>Murach's JavaScript and jQuery (3rd Ed.)</a:t>
+            </a:r>
             <a:endParaRPr lang="en-US" dirty="0"/>
           </a:p>
         </p:txBody>
       </p:sp>
       <p:sp>
         <p:nvSpPr>
-          <p:cNvPr id="12" name="Date Placeholder 11"/>
-          <p:cNvSpPr>
-            <a:spLocks noGrp="1"/>
-          </p:cNvSpPr>
-          <p:nvPr>
-            <p:ph type="dt" sz="half" idx="10"/>
-          </p:nvPr>
-        </p:nvSpPr>
-        <p:spPr/>
-        <p:txBody>
-          <a:bodyPr/>
-          <a:lstStyle/>
-          <a:p>
-            <a:pPr>
-              <a:defRPr/>
-            </a:pPr>
-            <a:r>
-              <a:rPr lang="en-US" smtClean="0"/>
-              <a:t>Murach's JavaScript and jQuery (3rd Ed.)</a:t>
-            </a:r>
-            <a:endParaRPr lang="en-US" dirty="0"/>
-          </a:p>
-        </p:txBody>
-      </p:sp>
-      <p:sp>
-        <p:nvSpPr>
           <p:cNvPr id="13" name="Footer Placeholder 12"/>
           <p:cNvSpPr>
             <a:spLocks noGrp="1"/>
@@ -5499,39 +5372,38 @@
               <a:defRPr/>
             </a:pPr>
             <a:r>
-              <a:rPr lang="en-US" smtClean="0"/>
+              <a:rPr lang="en-US"/>
               <a:t>© 2017, Mike Murach &amp; Associates, Inc.</a:t>
             </a:r>
+          </a:p>
+        </p:txBody>
+      </p:sp>
+      <p:sp>
+        <p:nvSpPr>
+          <p:cNvPr id="14" name="Slide Number Placeholder 13"/>
+          <p:cNvSpPr>
+            <a:spLocks noGrp="1"/>
+          </p:cNvSpPr>
+          <p:nvPr>
+            <p:ph type="sldNum" sz="quarter" idx="12"/>
+          </p:nvPr>
+        </p:nvSpPr>
+        <p:spPr/>
+        <p:txBody>
+          <a:bodyPr/>
+          <a:lstStyle/>
+          <a:p>
+            <a:pPr>
+              <a:defRPr/>
+            </a:pPr>
             <a:endParaRPr lang="en-US"/>
           </a:p>
-        </p:txBody>
-      </p:sp>
-      <p:sp>
-        <p:nvSpPr>
-          <p:cNvPr id="14" name="Slide Number Placeholder 13"/>
-          <p:cNvSpPr>
-            <a:spLocks noGrp="1"/>
-          </p:cNvSpPr>
-          <p:nvPr>
-            <p:ph type="sldNum" sz="quarter" idx="12"/>
-          </p:nvPr>
-        </p:nvSpPr>
-        <p:spPr/>
-        <p:txBody>
-          <a:bodyPr/>
-          <a:lstStyle/>
-          <a:p>
-            <a:pPr>
-              <a:defRPr/>
-            </a:pPr>
-            <a:endParaRPr lang="en-US" smtClean="0"/>
-          </a:p>
           <a:p>
             <a:pPr algn="r">
               <a:defRPr/>
             </a:pPr>
             <a:r>
-              <a:rPr lang="en-US" sz="900" smtClean="0">
+              <a:rPr lang="en-US" sz="900">
                 <a:solidFill>
                   <a:schemeClr val="bg1"/>
                 </a:solidFill>
@@ -5582,12 +5454,12 @@
           <a:graphicData uri="http://schemas.openxmlformats.org/presentationml/2006/ole">
             <mc:AlternateContent xmlns:mc="http://schemas.openxmlformats.org/markup-compatibility/2006">
               <mc:Choice xmlns:v="urn:schemas-microsoft-com:vml" Requires="v">
-                <p:oleObj spid="_x0000_s76875" name="Document" r:id="rId4" imgW="7313400" imgH="1766897" progId="Word.Document.12">
+                <p:oleObj spid="_x0000_s76878" name="Document" r:id="rId3" imgW="7313400" imgH="1766897" progId="Word.Document.12">
                   <p:embed/>
                 </p:oleObj>
               </mc:Choice>
               <mc:Fallback>
-                <p:oleObj name="Document" r:id="rId4" imgW="7313400" imgH="1766897" progId="Word.Document.12">
+                <p:oleObj name="Document" r:id="rId3" imgW="7313400" imgH="1766897" progId="Word.Document.12">
                   <p:embed/>
                   <p:pic>
                     <p:nvPicPr>
@@ -5596,7 +5468,7 @@
                       <p:nvPr/>
                     </p:nvPicPr>
                     <p:blipFill>
-                      <a:blip r:embed="rId5"/>
+                      <a:blip r:embed="rId4"/>
                       <a:stretch>
                         <a:fillRect/>
                       </a:stretch>
@@ -5627,13 +5499,6 @@
   <p:clrMapOvr>
     <a:masterClrMapping/>
   </p:clrMapOvr>
-  <p:timing>
-    <p:tnLst>
-      <p:par>
-        <p:cTn id="1" dur="indefinite" restart="never" nodeType="tmRoot"/>
-      </p:par>
-    </p:tnLst>
-  </p:timing>
 </p:sld>
 </file>
 
@@ -5670,48 +5535,47 @@
           <a:lstStyle/>
           <a:p>
             <a:r>
-              <a:rPr lang="en-US" dirty="0" smtClean="0"/>
+              <a:rPr lang="en-US" dirty="0"/>
               <a:t>A function expression with one parameter </a:t>
             </a:r>
             <a:br>
-              <a:rPr lang="en-US" dirty="0" smtClean="0"/>
+              <a:rPr lang="en-US" dirty="0"/>
             </a:br>
             <a:r>
-              <a:rPr lang="en-US" dirty="0" smtClean="0"/>
+              <a:rPr lang="en-US" dirty="0"/>
               <a:t>that returns a DOM element</a:t>
             </a:r>
+          </a:p>
+        </p:txBody>
+      </p:sp>
+      <p:sp>
+        <p:nvSpPr>
+          <p:cNvPr id="12" name="Date Placeholder 11"/>
+          <p:cNvSpPr>
+            <a:spLocks noGrp="1"/>
+          </p:cNvSpPr>
+          <p:nvPr>
+            <p:ph type="dt" sz="half" idx="10"/>
+          </p:nvPr>
+        </p:nvSpPr>
+        <p:spPr/>
+        <p:txBody>
+          <a:bodyPr/>
+          <a:lstStyle/>
+          <a:p>
+            <a:pPr>
+              <a:defRPr/>
+            </a:pPr>
+            <a:r>
+              <a:rPr lang="en-US"/>
+              <a:t>Murach's JavaScript and jQuery (3rd Ed.)</a:t>
+            </a:r>
             <a:endParaRPr lang="en-US" dirty="0"/>
           </a:p>
         </p:txBody>
       </p:sp>
       <p:sp>
         <p:nvSpPr>
-          <p:cNvPr id="12" name="Date Placeholder 11"/>
-          <p:cNvSpPr>
-            <a:spLocks noGrp="1"/>
-          </p:cNvSpPr>
-          <p:nvPr>
-            <p:ph type="dt" sz="half" idx="10"/>
-          </p:nvPr>
-        </p:nvSpPr>
-        <p:spPr/>
-        <p:txBody>
-          <a:bodyPr/>
-          <a:lstStyle/>
-          <a:p>
-            <a:pPr>
-              <a:defRPr/>
-            </a:pPr>
-            <a:r>
-              <a:rPr lang="en-US" smtClean="0"/>
-              <a:t>Murach's JavaScript and jQuery (3rd Ed.)</a:t>
-            </a:r>
-            <a:endParaRPr lang="en-US" dirty="0"/>
-          </a:p>
-        </p:txBody>
-      </p:sp>
-      <p:sp>
-        <p:nvSpPr>
           <p:cNvPr id="13" name="Footer Placeholder 12"/>
           <p:cNvSpPr>
             <a:spLocks noGrp="1"/>
@@ -5729,39 +5593,38 @@
               <a:defRPr/>
             </a:pPr>
             <a:r>
-              <a:rPr lang="en-US" smtClean="0"/>
+              <a:rPr lang="en-US"/>
               <a:t>© 2017, Mike Murach &amp; Associates, Inc.</a:t>
             </a:r>
+          </a:p>
+        </p:txBody>
+      </p:sp>
+      <p:sp>
+        <p:nvSpPr>
+          <p:cNvPr id="14" name="Slide Number Placeholder 13"/>
+          <p:cNvSpPr>
+            <a:spLocks noGrp="1"/>
+          </p:cNvSpPr>
+          <p:nvPr>
+            <p:ph type="sldNum" sz="quarter" idx="12"/>
+          </p:nvPr>
+        </p:nvSpPr>
+        <p:spPr/>
+        <p:txBody>
+          <a:bodyPr/>
+          <a:lstStyle/>
+          <a:p>
+            <a:pPr>
+              <a:defRPr/>
+            </a:pPr>
             <a:endParaRPr lang="en-US"/>
           </a:p>
-        </p:txBody>
-      </p:sp>
-      <p:sp>
-        <p:nvSpPr>
-          <p:cNvPr id="14" name="Slide Number Placeholder 13"/>
-          <p:cNvSpPr>
-            <a:spLocks noGrp="1"/>
-          </p:cNvSpPr>
-          <p:nvPr>
-            <p:ph type="sldNum" sz="quarter" idx="12"/>
-          </p:nvPr>
-        </p:nvSpPr>
-        <p:spPr/>
-        <p:txBody>
-          <a:bodyPr/>
-          <a:lstStyle/>
-          <a:p>
-            <a:pPr>
-              <a:defRPr/>
-            </a:pPr>
-            <a:endParaRPr lang="en-US" smtClean="0"/>
-          </a:p>
           <a:p>
             <a:pPr algn="r">
               <a:defRPr/>
             </a:pPr>
             <a:r>
-              <a:rPr lang="en-US" sz="900" smtClean="0">
+              <a:rPr lang="en-US" sz="900">
                 <a:solidFill>
                   <a:schemeClr val="bg1"/>
                 </a:solidFill>
@@ -5812,12 +5675,12 @@
           <a:graphicData uri="http://schemas.openxmlformats.org/presentationml/2006/ole">
             <mc:AlternateContent xmlns:mc="http://schemas.openxmlformats.org/markup-compatibility/2006">
               <mc:Choice xmlns:v="urn:schemas-microsoft-com:vml" Requires="v">
-                <p:oleObj spid="_x0000_s75851" name="Document" r:id="rId4" imgW="7313400" imgH="1536995" progId="Word.Document.12">
+                <p:oleObj spid="_x0000_s75854" name="Document" r:id="rId3" imgW="7313400" imgH="1536995" progId="Word.Document.12">
                   <p:embed/>
                 </p:oleObj>
               </mc:Choice>
               <mc:Fallback>
-                <p:oleObj name="Document" r:id="rId4" imgW="7313400" imgH="1536995" progId="Word.Document.12">
+                <p:oleObj name="Document" r:id="rId3" imgW="7313400" imgH="1536995" progId="Word.Document.12">
                   <p:embed/>
                   <p:pic>
                     <p:nvPicPr>
@@ -5826,7 +5689,7 @@
                       <p:nvPr/>
                     </p:nvPicPr>
                     <p:blipFill>
-                      <a:blip r:embed="rId5"/>
+                      <a:blip r:embed="rId4"/>
                       <a:stretch>
                         <a:fillRect/>
                       </a:stretch>
@@ -5857,13 +5720,6 @@
   <p:clrMapOvr>
     <a:masterClrMapping/>
   </p:clrMapOvr>
-  <p:timing>
-    <p:tnLst>
-      <p:par>
-        <p:cTn id="1" dur="indefinite" restart="never" nodeType="tmRoot"/>
-      </p:par>
-    </p:tnLst>
-  </p:timing>
 </p:sld>
 </file>
 
@@ -5908,20 +5764,12 @@
               <a:rPr lang="en-US" dirty="0"/>
               <a:t>A function expression with two parameters </a:t>
             </a:r>
-            <a:r>
-              <a:rPr lang="en-US" dirty="0" smtClean="0"/>
-              <a:t/>
-            </a:r>
             <a:br>
-              <a:rPr lang="en-US" dirty="0" smtClean="0"/>
+              <a:rPr lang="en-US" dirty="0"/>
             </a:br>
             <a:r>
-              <a:rPr lang="en-US" dirty="0" smtClean="0"/>
-              <a:t>that </a:t>
-            </a:r>
-            <a:r>
               <a:rPr lang="en-US" dirty="0"/>
-              <a:t>returns a value</a:t>
+              <a:t>that returns a value</a:t>
             </a:r>
           </a:p>
         </p:txBody>
@@ -5945,7 +5793,7 @@
               <a:defRPr/>
             </a:pPr>
             <a:r>
-              <a:rPr lang="en-US" smtClean="0"/>
+              <a:rPr lang="en-US"/>
               <a:t>Murach's JavaScript and jQuery (3rd Ed.)</a:t>
             </a:r>
             <a:endParaRPr lang="en-US" dirty="0"/>
@@ -5971,39 +5819,38 @@
               <a:defRPr/>
             </a:pPr>
             <a:r>
-              <a:rPr lang="en-US" smtClean="0"/>
+              <a:rPr lang="en-US"/>
               <a:t>© 2017, Mike Murach &amp; Associates, Inc.</a:t>
             </a:r>
+          </a:p>
+        </p:txBody>
+      </p:sp>
+      <p:sp>
+        <p:nvSpPr>
+          <p:cNvPr id="12" name="Slide Number Placeholder 11"/>
+          <p:cNvSpPr>
+            <a:spLocks noGrp="1"/>
+          </p:cNvSpPr>
+          <p:nvPr>
+            <p:ph type="sldNum" sz="quarter" idx="12"/>
+          </p:nvPr>
+        </p:nvSpPr>
+        <p:spPr/>
+        <p:txBody>
+          <a:bodyPr/>
+          <a:lstStyle/>
+          <a:p>
+            <a:pPr>
+              <a:defRPr/>
+            </a:pPr>
             <a:endParaRPr lang="en-US"/>
           </a:p>
-        </p:txBody>
-      </p:sp>
-      <p:sp>
-        <p:nvSpPr>
-          <p:cNvPr id="12" name="Slide Number Placeholder 11"/>
-          <p:cNvSpPr>
-            <a:spLocks noGrp="1"/>
-          </p:cNvSpPr>
-          <p:nvPr>
-            <p:ph type="sldNum" sz="quarter" idx="12"/>
-          </p:nvPr>
-        </p:nvSpPr>
-        <p:spPr/>
-        <p:txBody>
-          <a:bodyPr/>
-          <a:lstStyle/>
-          <a:p>
-            <a:pPr>
-              <a:defRPr/>
-            </a:pPr>
-            <a:endParaRPr lang="en-US" smtClean="0"/>
-          </a:p>
           <a:p>
             <a:pPr algn="r">
               <a:defRPr/>
             </a:pPr>
             <a:r>
-              <a:rPr lang="en-US" sz="900" smtClean="0">
+              <a:rPr lang="en-US" sz="900">
                 <a:solidFill>
                   <a:schemeClr val="bg1"/>
                 </a:solidFill>
@@ -6054,12 +5901,12 @@
           <a:graphicData uri="http://schemas.openxmlformats.org/presentationml/2006/ole">
             <mc:AlternateContent xmlns:mc="http://schemas.openxmlformats.org/markup-compatibility/2006">
               <mc:Choice xmlns:v="urn:schemas-microsoft-com:vml" Requires="v">
-                <p:oleObj spid="_x0000_s121875" name="Document" r:id="rId4" imgW="7313400" imgH="2687223" progId="Word.Document.12">
+                <p:oleObj spid="_x0000_s121878" name="Document" r:id="rId3" imgW="7313400" imgH="2687223" progId="Word.Document.12">
                   <p:embed/>
                 </p:oleObj>
               </mc:Choice>
               <mc:Fallback>
-                <p:oleObj name="Document" r:id="rId4" imgW="7313400" imgH="2687223" progId="Word.Document.12">
+                <p:oleObj name="Document" r:id="rId3" imgW="7313400" imgH="2687223" progId="Word.Document.12">
                   <p:embed/>
                   <p:pic>
                     <p:nvPicPr>
@@ -6068,7 +5915,7 @@
                       <p:nvPr/>
                     </p:nvPicPr>
                     <p:blipFill>
-                      <a:blip r:embed="rId5"/>
+                      <a:blip r:embed="rId4"/>
                       <a:stretch>
                         <a:fillRect/>
                       </a:stretch>
@@ -6099,13 +5946,6 @@
   <p:clrMapOvr>
     <a:masterClrMapping/>
   </p:clrMapOvr>
-  <p:timing>
-    <p:tnLst>
-      <p:par>
-        <p:cTn id="1" dur="indefinite" restart="never" nodeType="tmRoot"/>
-      </p:par>
-    </p:tnLst>
-  </p:timing>
 </p:sld>
 </file>
 
@@ -6142,41 +5982,40 @@
           <a:lstStyle/>
           <a:p>
             <a:r>
-              <a:rPr lang="en-US" dirty="0" smtClean="0"/>
+              <a:rPr lang="en-US" dirty="0"/>
               <a:t>The syntax for a function declaration</a:t>
             </a:r>
+          </a:p>
+        </p:txBody>
+      </p:sp>
+      <p:sp>
+        <p:nvSpPr>
+          <p:cNvPr id="10" name="Date Placeholder 9"/>
+          <p:cNvSpPr>
+            <a:spLocks noGrp="1"/>
+          </p:cNvSpPr>
+          <p:nvPr>
+            <p:ph type="dt" sz="half" idx="10"/>
+          </p:nvPr>
+        </p:nvSpPr>
+        <p:spPr/>
+        <p:txBody>
+          <a:bodyPr/>
+          <a:lstStyle/>
+          <a:p>
+            <a:pPr>
+              <a:defRPr/>
+            </a:pPr>
+            <a:r>
+              <a:rPr lang="en-US"/>
+              <a:t>Murach's JavaScript and jQuery (3rd Ed.)</a:t>
+            </a:r>
             <a:endParaRPr lang="en-US" dirty="0"/>
           </a:p>
         </p:txBody>
       </p:sp>
       <p:sp>
         <p:nvSpPr>
-          <p:cNvPr id="10" name="Date Placeholder 9"/>
-          <p:cNvSpPr>
-            <a:spLocks noGrp="1"/>
-          </p:cNvSpPr>
-          <p:nvPr>
-            <p:ph type="dt" sz="half" idx="10"/>
-          </p:nvPr>
-        </p:nvSpPr>
-        <p:spPr/>
-        <p:txBody>
-          <a:bodyPr/>
-          <a:lstStyle/>
-          <a:p>
-            <a:pPr>
-              <a:defRPr/>
-            </a:pPr>
-            <a:r>
-              <a:rPr lang="en-US" smtClean="0"/>
-              <a:t>Murach's JavaScript and jQuery (3rd Ed.)</a:t>
-            </a:r>
-            <a:endParaRPr lang="en-US" dirty="0"/>
-          </a:p>
-        </p:txBody>
-      </p:sp>
-      <p:sp>
-        <p:nvSpPr>
           <p:cNvPr id="11" name="Footer Placeholder 10"/>
           <p:cNvSpPr>
             <a:spLocks noGrp="1"/>
@@ -6194,39 +6033,38 @@
               <a:defRPr/>
             </a:pPr>
             <a:r>
-              <a:rPr lang="en-US" smtClean="0"/>
+              <a:rPr lang="en-US"/>
               <a:t>© 2017, Mike Murach &amp; Associates, Inc.</a:t>
             </a:r>
+          </a:p>
+        </p:txBody>
+      </p:sp>
+      <p:sp>
+        <p:nvSpPr>
+          <p:cNvPr id="12" name="Slide Number Placeholder 11"/>
+          <p:cNvSpPr>
+            <a:spLocks noGrp="1"/>
+          </p:cNvSpPr>
+          <p:nvPr>
+            <p:ph type="sldNum" sz="quarter" idx="12"/>
+          </p:nvPr>
+        </p:nvSpPr>
+        <p:spPr/>
+        <p:txBody>
+          <a:bodyPr/>
+          <a:lstStyle/>
+          <a:p>
+            <a:pPr>
+              <a:defRPr/>
+            </a:pPr>
             <a:endParaRPr lang="en-US"/>
           </a:p>
-        </p:txBody>
-      </p:sp>
-      <p:sp>
-        <p:nvSpPr>
-          <p:cNvPr id="12" name="Slide Number Placeholder 11"/>
-          <p:cNvSpPr>
-            <a:spLocks noGrp="1"/>
-          </p:cNvSpPr>
-          <p:nvPr>
-            <p:ph type="sldNum" sz="quarter" idx="12"/>
-          </p:nvPr>
-        </p:nvSpPr>
-        <p:spPr/>
-        <p:txBody>
-          <a:bodyPr/>
-          <a:lstStyle/>
-          <a:p>
-            <a:pPr>
-              <a:defRPr/>
-            </a:pPr>
-            <a:endParaRPr lang="en-US" smtClean="0"/>
-          </a:p>
           <a:p>
             <a:pPr algn="r">
               <a:defRPr/>
             </a:pPr>
             <a:r>
-              <a:rPr lang="en-US" sz="900" smtClean="0">
+              <a:rPr lang="en-US" sz="900">
                 <a:solidFill>
                   <a:schemeClr val="bg1"/>
                 </a:solidFill>
@@ -6277,12 +6115,12 @@
           <a:graphicData uri="http://schemas.openxmlformats.org/presentationml/2006/ole">
             <mc:AlternateContent xmlns:mc="http://schemas.openxmlformats.org/markup-compatibility/2006">
               <mc:Choice xmlns:v="urn:schemas-microsoft-com:vml" Requires="v">
-                <p:oleObj spid="_x0000_s77865" name="Document" r:id="rId4" imgW="7313400" imgH="690065" progId="Word.Document.12">
+                <p:oleObj spid="_x0000_s77868" name="Document" r:id="rId3" imgW="7313400" imgH="690065" progId="Word.Document.12">
                   <p:embed/>
                 </p:oleObj>
               </mc:Choice>
               <mc:Fallback>
-                <p:oleObj name="Document" r:id="rId4" imgW="7313400" imgH="690065" progId="Word.Document.12">
+                <p:oleObj name="Document" r:id="rId3" imgW="7313400" imgH="690065" progId="Word.Document.12">
                   <p:embed/>
                   <p:pic>
                     <p:nvPicPr>
@@ -6291,7 +6129,7 @@
                       <p:nvPr/>
                     </p:nvPicPr>
                     <p:blipFill>
-                      <a:blip r:embed="rId5"/>
+                      <a:blip r:embed="rId4"/>
                       <a:stretch>
                         <a:fillRect/>
                       </a:stretch>
@@ -6322,13 +6160,6 @@
   <p:clrMapOvr>
     <a:masterClrMapping/>
   </p:clrMapOvr>
-  <p:timing>
-    <p:tnLst>
-      <p:par>
-        <p:cTn id="1" dur="indefinite" restart="never" nodeType="tmRoot"/>
-      </p:par>
-    </p:tnLst>
-  </p:timing>
 </p:sld>
 </file>
 
@@ -6402,7 +6233,7 @@
               <a:defRPr/>
             </a:pPr>
             <a:r>
-              <a:rPr lang="en-US" smtClean="0"/>
+              <a:rPr lang="en-US"/>
               <a:t>Murach's JavaScript and jQuery (3rd Ed.)</a:t>
             </a:r>
             <a:endParaRPr lang="en-US" dirty="0"/>
@@ -6428,39 +6259,38 @@
               <a:defRPr/>
             </a:pPr>
             <a:r>
-              <a:rPr lang="en-US" smtClean="0"/>
+              <a:rPr lang="en-US"/>
               <a:t>© 2017, Mike Murach &amp; Associates, Inc.</a:t>
             </a:r>
+          </a:p>
+        </p:txBody>
+      </p:sp>
+      <p:sp>
+        <p:nvSpPr>
+          <p:cNvPr id="5" name="Slide Number Placeholder 4"/>
+          <p:cNvSpPr>
+            <a:spLocks noGrp="1"/>
+          </p:cNvSpPr>
+          <p:nvPr>
+            <p:ph type="sldNum" sz="quarter" idx="12"/>
+          </p:nvPr>
+        </p:nvSpPr>
+        <p:spPr/>
+        <p:txBody>
+          <a:bodyPr/>
+          <a:lstStyle/>
+          <a:p>
+            <a:pPr>
+              <a:defRPr/>
+            </a:pPr>
             <a:endParaRPr lang="en-US"/>
           </a:p>
-        </p:txBody>
-      </p:sp>
-      <p:sp>
-        <p:nvSpPr>
-          <p:cNvPr id="5" name="Slide Number Placeholder 4"/>
-          <p:cNvSpPr>
-            <a:spLocks noGrp="1"/>
-          </p:cNvSpPr>
-          <p:nvPr>
-            <p:ph type="sldNum" sz="quarter" idx="12"/>
-          </p:nvPr>
-        </p:nvSpPr>
-        <p:spPr/>
-        <p:txBody>
-          <a:bodyPr/>
-          <a:lstStyle/>
-          <a:p>
-            <a:pPr>
-              <a:defRPr/>
-            </a:pPr>
-            <a:endParaRPr lang="en-US" smtClean="0"/>
-          </a:p>
           <a:p>
             <a:pPr algn="r">
               <a:defRPr/>
             </a:pPr>
             <a:r>
-              <a:rPr lang="en-US" sz="900" smtClean="0">
+              <a:rPr lang="en-US" sz="900">
                 <a:solidFill>
                   <a:schemeClr val="bg1"/>
                 </a:solidFill>
@@ -6511,12 +6341,12 @@
           <a:graphicData uri="http://schemas.openxmlformats.org/presentationml/2006/ole">
             <mc:AlternateContent xmlns:mc="http://schemas.openxmlformats.org/markup-compatibility/2006">
               <mc:Choice xmlns:v="urn:schemas-microsoft-com:vml" Requires="v">
-                <p:oleObj spid="_x0000_s129037" name="Document" r:id="rId4" imgW="7313400" imgH="1766897" progId="Word.Document.12">
+                <p:oleObj spid="_x0000_s129040" name="Document" r:id="rId3" imgW="7313400" imgH="1766897" progId="Word.Document.12">
                   <p:embed/>
                 </p:oleObj>
               </mc:Choice>
               <mc:Fallback>
-                <p:oleObj name="Document" r:id="rId4" imgW="7313400" imgH="1766897" progId="Word.Document.12">
+                <p:oleObj name="Document" r:id="rId3" imgW="7313400" imgH="1766897" progId="Word.Document.12">
                   <p:embed/>
                   <p:pic>
                     <p:nvPicPr>
@@ -6525,7 +6355,7 @@
                       <p:nvPr/>
                     </p:nvPicPr>
                     <p:blipFill>
-                      <a:blip r:embed="rId5"/>
+                      <a:blip r:embed="rId4"/>
                       <a:stretch>
                         <a:fillRect/>
                       </a:stretch>
@@ -6629,7 +6459,7 @@
               <a:defRPr/>
             </a:pPr>
             <a:r>
-              <a:rPr lang="en-US" smtClean="0"/>
+              <a:rPr lang="en-US"/>
               <a:t>Murach's JavaScript and jQuery (3rd Ed.)</a:t>
             </a:r>
             <a:endParaRPr lang="en-US" dirty="0"/>
@@ -6655,39 +6485,38 @@
               <a:defRPr/>
             </a:pPr>
             <a:r>
-              <a:rPr lang="en-US" smtClean="0"/>
+              <a:rPr lang="en-US"/>
               <a:t>© 2017, Mike Murach &amp; Associates, Inc.</a:t>
             </a:r>
+          </a:p>
+        </p:txBody>
+      </p:sp>
+      <p:sp>
+        <p:nvSpPr>
+          <p:cNvPr id="5" name="Slide Number Placeholder 4"/>
+          <p:cNvSpPr>
+            <a:spLocks noGrp="1"/>
+          </p:cNvSpPr>
+          <p:nvPr>
+            <p:ph type="sldNum" sz="quarter" idx="12"/>
+          </p:nvPr>
+        </p:nvSpPr>
+        <p:spPr/>
+        <p:txBody>
+          <a:bodyPr/>
+          <a:lstStyle/>
+          <a:p>
+            <a:pPr>
+              <a:defRPr/>
+            </a:pPr>
             <a:endParaRPr lang="en-US"/>
           </a:p>
-        </p:txBody>
-      </p:sp>
-      <p:sp>
-        <p:nvSpPr>
-          <p:cNvPr id="5" name="Slide Number Placeholder 4"/>
-          <p:cNvSpPr>
-            <a:spLocks noGrp="1"/>
-          </p:cNvSpPr>
-          <p:nvPr>
-            <p:ph type="sldNum" sz="quarter" idx="12"/>
-          </p:nvPr>
-        </p:nvSpPr>
-        <p:spPr/>
-        <p:txBody>
-          <a:bodyPr/>
-          <a:lstStyle/>
-          <a:p>
-            <a:pPr>
-              <a:defRPr/>
-            </a:pPr>
-            <a:endParaRPr lang="en-US" smtClean="0"/>
-          </a:p>
           <a:p>
             <a:pPr algn="r">
               <a:defRPr/>
             </a:pPr>
             <a:r>
-              <a:rPr lang="en-US" sz="900" smtClean="0">
+              <a:rPr lang="en-US" sz="900">
                 <a:solidFill>
                   <a:schemeClr val="bg1"/>
                 </a:solidFill>
@@ -6738,12 +6567,12 @@
           <a:graphicData uri="http://schemas.openxmlformats.org/presentationml/2006/ole">
             <mc:AlternateContent xmlns:mc="http://schemas.openxmlformats.org/markup-compatibility/2006">
               <mc:Choice xmlns:v="urn:schemas-microsoft-com:vml" Requires="v">
-                <p:oleObj spid="_x0000_s130061" name="Document" r:id="rId4" imgW="7313400" imgH="1536995" progId="Word.Document.12">
+                <p:oleObj spid="_x0000_s130064" name="Document" r:id="rId3" imgW="7313400" imgH="1536995" progId="Word.Document.12">
                   <p:embed/>
                 </p:oleObj>
               </mc:Choice>
               <mc:Fallback>
-                <p:oleObj name="Document" r:id="rId4" imgW="7313400" imgH="1536995" progId="Word.Document.12">
+                <p:oleObj name="Document" r:id="rId3" imgW="7313400" imgH="1536995" progId="Word.Document.12">
                   <p:embed/>
                   <p:pic>
                     <p:nvPicPr>
@@ -6752,7 +6581,7 @@
                       <p:nvPr/>
                     </p:nvPicPr>
                     <p:blipFill>
-                      <a:blip r:embed="rId5"/>
+                      <a:blip r:embed="rId4"/>
                       <a:stretch>
                         <a:fillRect/>
                       </a:stretch>
@@ -6827,20 +6656,12 @@
               <a:rPr lang="en-US" dirty="0"/>
               <a:t>A function declaration with two parameters </a:t>
             </a:r>
-            <a:r>
-              <a:rPr lang="en-US" dirty="0" smtClean="0"/>
-              <a:t/>
-            </a:r>
             <a:br>
-              <a:rPr lang="en-US" dirty="0" smtClean="0"/>
+              <a:rPr lang="en-US" dirty="0"/>
             </a:br>
             <a:r>
-              <a:rPr lang="en-US" dirty="0" smtClean="0"/>
-              <a:t>that </a:t>
-            </a:r>
-            <a:r>
               <a:rPr lang="en-US" dirty="0"/>
-              <a:t>returns a value</a:t>
+              <a:t>that returns a value</a:t>
             </a:r>
           </a:p>
         </p:txBody>
@@ -6864,7 +6685,7 @@
               <a:defRPr/>
             </a:pPr>
             <a:r>
-              <a:rPr lang="en-US" smtClean="0"/>
+              <a:rPr lang="en-US"/>
               <a:t>Murach's JavaScript and jQuery (3rd Ed.)</a:t>
             </a:r>
             <a:endParaRPr lang="en-US" dirty="0"/>
@@ -6890,39 +6711,38 @@
               <a:defRPr/>
             </a:pPr>
             <a:r>
-              <a:rPr lang="en-US" smtClean="0"/>
+              <a:rPr lang="en-US"/>
               <a:t>© 2017, Mike Murach &amp; Associates, Inc.</a:t>
             </a:r>
+          </a:p>
+        </p:txBody>
+      </p:sp>
+      <p:sp>
+        <p:nvSpPr>
+          <p:cNvPr id="12" name="Slide Number Placeholder 11"/>
+          <p:cNvSpPr>
+            <a:spLocks noGrp="1"/>
+          </p:cNvSpPr>
+          <p:nvPr>
+            <p:ph type="sldNum" sz="quarter" idx="12"/>
+          </p:nvPr>
+        </p:nvSpPr>
+        <p:spPr/>
+        <p:txBody>
+          <a:bodyPr/>
+          <a:lstStyle/>
+          <a:p>
+            <a:pPr>
+              <a:defRPr/>
+            </a:pPr>
             <a:endParaRPr lang="en-US"/>
           </a:p>
-        </p:txBody>
-      </p:sp>
-      <p:sp>
-        <p:nvSpPr>
-          <p:cNvPr id="12" name="Slide Number Placeholder 11"/>
-          <p:cNvSpPr>
-            <a:spLocks noGrp="1"/>
-          </p:cNvSpPr>
-          <p:nvPr>
-            <p:ph type="sldNum" sz="quarter" idx="12"/>
-          </p:nvPr>
-        </p:nvSpPr>
-        <p:spPr/>
-        <p:txBody>
-          <a:bodyPr/>
-          <a:lstStyle/>
-          <a:p>
-            <a:pPr>
-              <a:defRPr/>
-            </a:pPr>
-            <a:endParaRPr lang="en-US" smtClean="0"/>
-          </a:p>
           <a:p>
             <a:pPr algn="r">
               <a:defRPr/>
             </a:pPr>
             <a:r>
-              <a:rPr lang="en-US" sz="900" smtClean="0">
+              <a:rPr lang="en-US" sz="900">
                 <a:solidFill>
                   <a:schemeClr val="bg1"/>
                 </a:solidFill>
@@ -6973,12 +6793,12 @@
           <a:graphicData uri="http://schemas.openxmlformats.org/presentationml/2006/ole">
             <mc:AlternateContent xmlns:mc="http://schemas.openxmlformats.org/markup-compatibility/2006">
               <mc:Choice xmlns:v="urn:schemas-microsoft-com:vml" Requires="v">
-                <p:oleObj spid="_x0000_s122900" name="Document" r:id="rId4" imgW="7313400" imgH="2687223" progId="Word.Document.12">
+                <p:oleObj spid="_x0000_s122903" name="Document" r:id="rId3" imgW="7313400" imgH="2687223" progId="Word.Document.12">
                   <p:embed/>
                 </p:oleObj>
               </mc:Choice>
               <mc:Fallback>
-                <p:oleObj name="Document" r:id="rId4" imgW="7313400" imgH="2687223" progId="Word.Document.12">
+                <p:oleObj name="Document" r:id="rId3" imgW="7313400" imgH="2687223" progId="Word.Document.12">
                   <p:embed/>
                   <p:pic>
                     <p:nvPicPr>
@@ -6987,7 +6807,7 @@
                       <p:nvPr/>
                     </p:nvPicPr>
                     <p:blipFill>
-                      <a:blip r:embed="rId5"/>
+                      <a:blip r:embed="rId4"/>
                       <a:stretch>
                         <a:fillRect/>
                       </a:stretch>
@@ -7018,13 +6838,6 @@
   <p:clrMapOvr>
     <a:masterClrMapping/>
   </p:clrMapOvr>
-  <p:timing>
-    <p:tnLst>
-      <p:par>
-        <p:cTn id="1" dur="indefinite" restart="never" nodeType="tmRoot"/>
-      </p:par>
-    </p:tnLst>
-  </p:timing>
 </p:sld>
 </file>
 
@@ -7061,41 +6874,40 @@
           <a:lstStyle/>
           <a:p>
             <a:r>
-              <a:rPr lang="en-US" dirty="0" smtClean="0"/>
+              <a:rPr lang="en-US" dirty="0"/>
               <a:t>Terms</a:t>
             </a:r>
+          </a:p>
+        </p:txBody>
+      </p:sp>
+      <p:sp>
+        <p:nvSpPr>
+          <p:cNvPr id="10" name="Date Placeholder 9"/>
+          <p:cNvSpPr>
+            <a:spLocks noGrp="1"/>
+          </p:cNvSpPr>
+          <p:nvPr>
+            <p:ph type="dt" sz="half" idx="10"/>
+          </p:nvPr>
+        </p:nvSpPr>
+        <p:spPr/>
+        <p:txBody>
+          <a:bodyPr/>
+          <a:lstStyle/>
+          <a:p>
+            <a:pPr>
+              <a:defRPr/>
+            </a:pPr>
+            <a:r>
+              <a:rPr lang="en-US"/>
+              <a:t>Murach's JavaScript and jQuery (3rd Ed.)</a:t>
+            </a:r>
             <a:endParaRPr lang="en-US" dirty="0"/>
           </a:p>
         </p:txBody>
       </p:sp>
       <p:sp>
         <p:nvSpPr>
-          <p:cNvPr id="10" name="Date Placeholder 9"/>
-          <p:cNvSpPr>
-            <a:spLocks noGrp="1"/>
-          </p:cNvSpPr>
-          <p:nvPr>
-            <p:ph type="dt" sz="half" idx="10"/>
-          </p:nvPr>
-        </p:nvSpPr>
-        <p:spPr/>
-        <p:txBody>
-          <a:bodyPr/>
-          <a:lstStyle/>
-          <a:p>
-            <a:pPr>
-              <a:defRPr/>
-            </a:pPr>
-            <a:r>
-              <a:rPr lang="en-US" smtClean="0"/>
-              <a:t>Murach's JavaScript and jQuery (3rd Ed.)</a:t>
-            </a:r>
-            <a:endParaRPr lang="en-US" dirty="0"/>
-          </a:p>
-        </p:txBody>
-      </p:sp>
-      <p:sp>
-        <p:nvSpPr>
           <p:cNvPr id="11" name="Footer Placeholder 10"/>
           <p:cNvSpPr>
             <a:spLocks noGrp="1"/>
@@ -7113,39 +6925,38 @@
               <a:defRPr/>
             </a:pPr>
             <a:r>
-              <a:rPr lang="en-US" smtClean="0"/>
+              <a:rPr lang="en-US"/>
               <a:t>© 2017, Mike Murach &amp; Associates, Inc.</a:t>
             </a:r>
+          </a:p>
+        </p:txBody>
+      </p:sp>
+      <p:sp>
+        <p:nvSpPr>
+          <p:cNvPr id="12" name="Slide Number Placeholder 11"/>
+          <p:cNvSpPr>
+            <a:spLocks noGrp="1"/>
+          </p:cNvSpPr>
+          <p:nvPr>
+            <p:ph type="sldNum" sz="quarter" idx="12"/>
+          </p:nvPr>
+        </p:nvSpPr>
+        <p:spPr/>
+        <p:txBody>
+          <a:bodyPr/>
+          <a:lstStyle/>
+          <a:p>
+            <a:pPr>
+              <a:defRPr/>
+            </a:pPr>
             <a:endParaRPr lang="en-US"/>
           </a:p>
-        </p:txBody>
-      </p:sp>
-      <p:sp>
-        <p:nvSpPr>
-          <p:cNvPr id="12" name="Slide Number Placeholder 11"/>
-          <p:cNvSpPr>
-            <a:spLocks noGrp="1"/>
-          </p:cNvSpPr>
-          <p:nvPr>
-            <p:ph type="sldNum" sz="quarter" idx="12"/>
-          </p:nvPr>
-        </p:nvSpPr>
-        <p:spPr/>
-        <p:txBody>
-          <a:bodyPr/>
-          <a:lstStyle/>
-          <a:p>
-            <a:pPr>
-              <a:defRPr/>
-            </a:pPr>
-            <a:endParaRPr lang="en-US" smtClean="0"/>
-          </a:p>
           <a:p>
             <a:pPr algn="r">
               <a:defRPr/>
             </a:pPr>
             <a:r>
-              <a:rPr lang="en-US" sz="900" smtClean="0">
+              <a:rPr lang="en-US" sz="900">
                 <a:solidFill>
                   <a:schemeClr val="bg1"/>
                 </a:solidFill>
@@ -7196,12 +7007,12 @@
           <a:graphicData uri="http://schemas.openxmlformats.org/presentationml/2006/ole">
             <mc:AlternateContent xmlns:mc="http://schemas.openxmlformats.org/markup-compatibility/2006">
               <mc:Choice xmlns:v="urn:schemas-microsoft-com:vml" Requires="v">
-                <p:oleObj spid="_x0000_s79913" name="Document" r:id="rId4" imgW="7313400" imgH="3862636" progId="Word.Document.12">
+                <p:oleObj spid="_x0000_s79916" name="Document" r:id="rId3" imgW="7313400" imgH="3862636" progId="Word.Document.12">
                   <p:embed/>
                 </p:oleObj>
               </mc:Choice>
               <mc:Fallback>
-                <p:oleObj name="Document" r:id="rId4" imgW="7313400" imgH="3862636" progId="Word.Document.12">
+                <p:oleObj name="Document" r:id="rId3" imgW="7313400" imgH="3862636" progId="Word.Document.12">
                   <p:embed/>
                   <p:pic>
                     <p:nvPicPr>
@@ -7210,7 +7021,7 @@
                       <p:nvPr/>
                     </p:nvPicPr>
                     <p:blipFill>
-                      <a:blip r:embed="rId5"/>
+                      <a:blip r:embed="rId4"/>
                       <a:stretch>
                         <a:fillRect/>
                       </a:stretch>
@@ -7241,13 +7052,6 @@
   <p:clrMapOvr>
     <a:masterClrMapping/>
   </p:clrMapOvr>
-  <p:timing>
-    <p:tnLst>
-      <p:par>
-        <p:cTn id="1" dur="indefinite" restart="never" nodeType="tmRoot"/>
-      </p:par>
-    </p:tnLst>
-  </p:timing>
 </p:sld>
 </file>
 
@@ -7284,41 +7088,40 @@
           <a:lstStyle/>
           <a:p>
             <a:r>
-              <a:rPr lang="en-US" dirty="0" smtClean="0"/>
+              <a:rPr lang="en-US" dirty="0"/>
               <a:t>A function that uses a local variable named tax</a:t>
             </a:r>
+          </a:p>
+        </p:txBody>
+      </p:sp>
+      <p:sp>
+        <p:nvSpPr>
+          <p:cNvPr id="10" name="Date Placeholder 9"/>
+          <p:cNvSpPr>
+            <a:spLocks noGrp="1"/>
+          </p:cNvSpPr>
+          <p:nvPr>
+            <p:ph type="dt" sz="half" idx="10"/>
+          </p:nvPr>
+        </p:nvSpPr>
+        <p:spPr/>
+        <p:txBody>
+          <a:bodyPr/>
+          <a:lstStyle/>
+          <a:p>
+            <a:pPr>
+              <a:defRPr/>
+            </a:pPr>
+            <a:r>
+              <a:rPr lang="en-US"/>
+              <a:t>Murach's JavaScript and jQuery (3rd Ed.)</a:t>
+            </a:r>
             <a:endParaRPr lang="en-US" dirty="0"/>
           </a:p>
         </p:txBody>
       </p:sp>
       <p:sp>
         <p:nvSpPr>
-          <p:cNvPr id="10" name="Date Placeholder 9"/>
-          <p:cNvSpPr>
-            <a:spLocks noGrp="1"/>
-          </p:cNvSpPr>
-          <p:nvPr>
-            <p:ph type="dt" sz="half" idx="10"/>
-          </p:nvPr>
-        </p:nvSpPr>
-        <p:spPr/>
-        <p:txBody>
-          <a:bodyPr/>
-          <a:lstStyle/>
-          <a:p>
-            <a:pPr>
-              <a:defRPr/>
-            </a:pPr>
-            <a:r>
-              <a:rPr lang="en-US" smtClean="0"/>
-              <a:t>Murach's JavaScript and jQuery (3rd Ed.)</a:t>
-            </a:r>
-            <a:endParaRPr lang="en-US" dirty="0"/>
-          </a:p>
-        </p:txBody>
-      </p:sp>
-      <p:sp>
-        <p:nvSpPr>
           <p:cNvPr id="11" name="Footer Placeholder 10"/>
           <p:cNvSpPr>
             <a:spLocks noGrp="1"/>
@@ -7336,39 +7139,38 @@
               <a:defRPr/>
             </a:pPr>
             <a:r>
-              <a:rPr lang="en-US" smtClean="0"/>
+              <a:rPr lang="en-US"/>
               <a:t>© 2017, Mike Murach &amp; Associates, Inc.</a:t>
             </a:r>
+          </a:p>
+        </p:txBody>
+      </p:sp>
+      <p:sp>
+        <p:nvSpPr>
+          <p:cNvPr id="12" name="Slide Number Placeholder 11"/>
+          <p:cNvSpPr>
+            <a:spLocks noGrp="1"/>
+          </p:cNvSpPr>
+          <p:nvPr>
+            <p:ph type="sldNum" sz="quarter" idx="12"/>
+          </p:nvPr>
+        </p:nvSpPr>
+        <p:spPr/>
+        <p:txBody>
+          <a:bodyPr/>
+          <a:lstStyle/>
+          <a:p>
+            <a:pPr>
+              <a:defRPr/>
+            </a:pPr>
             <a:endParaRPr lang="en-US"/>
           </a:p>
-        </p:txBody>
-      </p:sp>
-      <p:sp>
-        <p:nvSpPr>
-          <p:cNvPr id="12" name="Slide Number Placeholder 11"/>
-          <p:cNvSpPr>
-            <a:spLocks noGrp="1"/>
-          </p:cNvSpPr>
-          <p:nvPr>
-            <p:ph type="sldNum" sz="quarter" idx="12"/>
-          </p:nvPr>
-        </p:nvSpPr>
-        <p:spPr/>
-        <p:txBody>
-          <a:bodyPr/>
-          <a:lstStyle/>
-          <a:p>
-            <a:pPr>
-              <a:defRPr/>
-            </a:pPr>
-            <a:endParaRPr lang="en-US" smtClean="0"/>
-          </a:p>
           <a:p>
             <a:pPr algn="r">
               <a:defRPr/>
             </a:pPr>
             <a:r>
-              <a:rPr lang="en-US" sz="900" smtClean="0">
+              <a:rPr lang="en-US" sz="900">
                 <a:solidFill>
                   <a:schemeClr val="bg1"/>
                 </a:solidFill>
@@ -7419,12 +7221,12 @@
           <a:graphicData uri="http://schemas.openxmlformats.org/presentationml/2006/ole">
             <mc:AlternateContent xmlns:mc="http://schemas.openxmlformats.org/markup-compatibility/2006">
               <mc:Choice xmlns:v="urn:schemas-microsoft-com:vml" Requires="v">
-                <p:oleObj spid="_x0000_s80937" name="Document" r:id="rId4" imgW="7313400" imgH="2347228" progId="Word.Document.12">
+                <p:oleObj spid="_x0000_s80940" name="Document" r:id="rId3" imgW="7313400" imgH="2347228" progId="Word.Document.12">
                   <p:embed/>
                 </p:oleObj>
               </mc:Choice>
               <mc:Fallback>
-                <p:oleObj name="Document" r:id="rId4" imgW="7313400" imgH="2347228" progId="Word.Document.12">
+                <p:oleObj name="Document" r:id="rId3" imgW="7313400" imgH="2347228" progId="Word.Document.12">
                   <p:embed/>
                   <p:pic>
                     <p:nvPicPr>
@@ -7433,7 +7235,7 @@
                       <p:nvPr/>
                     </p:nvPicPr>
                     <p:blipFill>
-                      <a:blip r:embed="rId5"/>
+                      <a:blip r:embed="rId4"/>
                       <a:stretch>
                         <a:fillRect/>
                       </a:stretch>
@@ -7464,13 +7266,6 @@
   <p:clrMapOvr>
     <a:masterClrMapping/>
   </p:clrMapOvr>
-  <p:timing>
-    <p:tnLst>
-      <p:par>
-        <p:cTn id="1" dur="indefinite" restart="never" nodeType="tmRoot"/>
-      </p:par>
-    </p:tnLst>
-  </p:timing>
 </p:sld>
 </file>
 
@@ -7507,41 +7302,40 @@
           <a:lstStyle/>
           <a:p>
             <a:r>
-              <a:rPr lang="en-US" dirty="0" smtClean="0"/>
+              <a:rPr lang="en-US" dirty="0"/>
               <a:t>A function that uses a global variable named tax</a:t>
             </a:r>
+          </a:p>
+        </p:txBody>
+      </p:sp>
+      <p:sp>
+        <p:nvSpPr>
+          <p:cNvPr id="10" name="Date Placeholder 9"/>
+          <p:cNvSpPr>
+            <a:spLocks noGrp="1"/>
+          </p:cNvSpPr>
+          <p:nvPr>
+            <p:ph type="dt" sz="half" idx="10"/>
+          </p:nvPr>
+        </p:nvSpPr>
+        <p:spPr/>
+        <p:txBody>
+          <a:bodyPr/>
+          <a:lstStyle/>
+          <a:p>
+            <a:pPr>
+              <a:defRPr/>
+            </a:pPr>
+            <a:r>
+              <a:rPr lang="en-US"/>
+              <a:t>Murach's JavaScript and jQuery (3rd Ed.)</a:t>
+            </a:r>
             <a:endParaRPr lang="en-US" dirty="0"/>
           </a:p>
         </p:txBody>
       </p:sp>
       <p:sp>
         <p:nvSpPr>
-          <p:cNvPr id="10" name="Date Placeholder 9"/>
-          <p:cNvSpPr>
-            <a:spLocks noGrp="1"/>
-          </p:cNvSpPr>
-          <p:nvPr>
-            <p:ph type="dt" sz="half" idx="10"/>
-          </p:nvPr>
-        </p:nvSpPr>
-        <p:spPr/>
-        <p:txBody>
-          <a:bodyPr/>
-          <a:lstStyle/>
-          <a:p>
-            <a:pPr>
-              <a:defRPr/>
-            </a:pPr>
-            <a:r>
-              <a:rPr lang="en-US" smtClean="0"/>
-              <a:t>Murach's JavaScript and jQuery (3rd Ed.)</a:t>
-            </a:r>
-            <a:endParaRPr lang="en-US" dirty="0"/>
-          </a:p>
-        </p:txBody>
-      </p:sp>
-      <p:sp>
-        <p:nvSpPr>
           <p:cNvPr id="11" name="Footer Placeholder 10"/>
           <p:cNvSpPr>
             <a:spLocks noGrp="1"/>
@@ -7559,39 +7353,38 @@
               <a:defRPr/>
             </a:pPr>
             <a:r>
-              <a:rPr lang="en-US" smtClean="0"/>
+              <a:rPr lang="en-US"/>
               <a:t>© 2017, Mike Murach &amp; Associates, Inc.</a:t>
             </a:r>
+          </a:p>
+        </p:txBody>
+      </p:sp>
+      <p:sp>
+        <p:nvSpPr>
+          <p:cNvPr id="12" name="Slide Number Placeholder 11"/>
+          <p:cNvSpPr>
+            <a:spLocks noGrp="1"/>
+          </p:cNvSpPr>
+          <p:nvPr>
+            <p:ph type="sldNum" sz="quarter" idx="12"/>
+          </p:nvPr>
+        </p:nvSpPr>
+        <p:spPr/>
+        <p:txBody>
+          <a:bodyPr/>
+          <a:lstStyle/>
+          <a:p>
+            <a:pPr>
+              <a:defRPr/>
+            </a:pPr>
             <a:endParaRPr lang="en-US"/>
           </a:p>
-        </p:txBody>
-      </p:sp>
-      <p:sp>
-        <p:nvSpPr>
-          <p:cNvPr id="12" name="Slide Number Placeholder 11"/>
-          <p:cNvSpPr>
-            <a:spLocks noGrp="1"/>
-          </p:cNvSpPr>
-          <p:nvPr>
-            <p:ph type="sldNum" sz="quarter" idx="12"/>
-          </p:nvPr>
-        </p:nvSpPr>
-        <p:spPr/>
-        <p:txBody>
-          <a:bodyPr/>
-          <a:lstStyle/>
-          <a:p>
-            <a:pPr>
-              <a:defRPr/>
-            </a:pPr>
-            <a:endParaRPr lang="en-US" smtClean="0"/>
-          </a:p>
           <a:p>
             <a:pPr algn="r">
               <a:defRPr/>
             </a:pPr>
             <a:r>
-              <a:rPr lang="en-US" sz="900" smtClean="0">
+              <a:rPr lang="en-US" sz="900">
                 <a:solidFill>
                   <a:schemeClr val="bg1"/>
                 </a:solidFill>
@@ -7642,12 +7435,12 @@
           <a:graphicData uri="http://schemas.openxmlformats.org/presentationml/2006/ole">
             <mc:AlternateContent xmlns:mc="http://schemas.openxmlformats.org/markup-compatibility/2006">
               <mc:Choice xmlns:v="urn:schemas-microsoft-com:vml" Requires="v">
-                <p:oleObj spid="_x0000_s81961" name="Document" r:id="rId4" imgW="7313400" imgH="2347228" progId="Word.Document.12">
+                <p:oleObj spid="_x0000_s81964" name="Document" r:id="rId3" imgW="7313400" imgH="2347228" progId="Word.Document.12">
                   <p:embed/>
                 </p:oleObj>
               </mc:Choice>
               <mc:Fallback>
-                <p:oleObj name="Document" r:id="rId4" imgW="7313400" imgH="2347228" progId="Word.Document.12">
+                <p:oleObj name="Document" r:id="rId3" imgW="7313400" imgH="2347228" progId="Word.Document.12">
                   <p:embed/>
                   <p:pic>
                     <p:nvPicPr>
@@ -7656,7 +7449,7 @@
                       <p:nvPr/>
                     </p:nvPicPr>
                     <p:blipFill>
-                      <a:blip r:embed="rId5"/>
+                      <a:blip r:embed="rId4"/>
                       <a:stretch>
                         <a:fillRect/>
                       </a:stretch>
@@ -7687,13 +7480,6 @@
   <p:clrMapOvr>
     <a:masterClrMapping/>
   </p:clrMapOvr>
-  <p:timing>
-    <p:tnLst>
-      <p:par>
-        <p:cTn id="1" dur="indefinite" restart="never" nodeType="tmRoot"/>
-      </p:par>
-    </p:tnLst>
-  </p:timing>
 </p:sld>
 </file>
 
@@ -7730,10 +7516,9 @@
           <a:lstStyle/>
           <a:p>
             <a:r>
-              <a:rPr lang="en-US" dirty="0" smtClean="0"/>
+              <a:rPr lang="en-US" dirty="0"/>
               <a:t>Objectives (continued)</a:t>
             </a:r>
-            <a:endParaRPr lang="en-US" dirty="0"/>
           </a:p>
         </p:txBody>
       </p:sp>
@@ -7759,12 +7544,12 @@
           <a:graphicData uri="http://schemas.openxmlformats.org/presentationml/2006/ole">
             <mc:AlternateContent xmlns:mc="http://schemas.openxmlformats.org/markup-compatibility/2006">
               <mc:Choice xmlns:v="urn:schemas-microsoft-com:vml" Requires="v">
-                <p:oleObj spid="_x0000_s3116" name="Document" r:id="rId4" imgW="7313400" imgH="4986600" progId="Word.Document.12">
+                <p:oleObj spid="_x0000_s3119" name="Document" r:id="rId3" imgW="7313400" imgH="4986600" progId="Word.Document.12">
                   <p:embed/>
                 </p:oleObj>
               </mc:Choice>
               <mc:Fallback>
-                <p:oleObj name="Document" r:id="rId4" imgW="7313400" imgH="4986600" progId="Word.Document.12">
+                <p:oleObj name="Document" r:id="rId3" imgW="7313400" imgH="4986600" progId="Word.Document.12">
                   <p:embed/>
                   <p:pic>
                     <p:nvPicPr>
@@ -7773,7 +7558,7 @@
                       <p:nvPr/>
                     </p:nvPicPr>
                     <p:blipFill>
-                      <a:blip r:embed="rId5"/>
+                      <a:blip r:embed="rId4"/>
                       <a:stretch>
                         <a:fillRect/>
                       </a:stretch>
@@ -7813,7 +7598,7 @@
               <a:defRPr/>
             </a:pPr>
             <a:r>
-              <a:rPr lang="en-US" smtClean="0"/>
+              <a:rPr lang="en-US"/>
               <a:t>Murach's JavaScript and jQuery (3rd Ed.)</a:t>
             </a:r>
             <a:endParaRPr lang="en-US" dirty="0"/>
@@ -7839,39 +7624,38 @@
               <a:defRPr/>
             </a:pPr>
             <a:r>
-              <a:rPr lang="en-US" smtClean="0"/>
+              <a:rPr lang="en-US"/>
               <a:t>© 2017, Mike Murach &amp; Associates, Inc.</a:t>
             </a:r>
+          </a:p>
+        </p:txBody>
+      </p:sp>
+      <p:sp>
+        <p:nvSpPr>
+          <p:cNvPr id="12" name="Slide Number Placeholder 11"/>
+          <p:cNvSpPr>
+            <a:spLocks noGrp="1"/>
+          </p:cNvSpPr>
+          <p:nvPr>
+            <p:ph type="sldNum" sz="quarter" idx="12"/>
+          </p:nvPr>
+        </p:nvSpPr>
+        <p:spPr/>
+        <p:txBody>
+          <a:bodyPr/>
+          <a:lstStyle/>
+          <a:p>
+            <a:pPr>
+              <a:defRPr/>
+            </a:pPr>
             <a:endParaRPr lang="en-US"/>
           </a:p>
-        </p:txBody>
-      </p:sp>
-      <p:sp>
-        <p:nvSpPr>
-          <p:cNvPr id="12" name="Slide Number Placeholder 11"/>
-          <p:cNvSpPr>
-            <a:spLocks noGrp="1"/>
-          </p:cNvSpPr>
-          <p:nvPr>
-            <p:ph type="sldNum" sz="quarter" idx="12"/>
-          </p:nvPr>
-        </p:nvSpPr>
-        <p:spPr/>
-        <p:txBody>
-          <a:bodyPr/>
-          <a:lstStyle/>
-          <a:p>
-            <a:pPr>
-              <a:defRPr/>
-            </a:pPr>
-            <a:endParaRPr lang="en-US" smtClean="0"/>
-          </a:p>
           <a:p>
             <a:pPr algn="r">
               <a:defRPr/>
             </a:pPr>
             <a:r>
-              <a:rPr lang="en-US" sz="900" smtClean="0">
+              <a:rPr lang="en-US" sz="900">
                 <a:solidFill>
                   <a:schemeClr val="bg1"/>
                 </a:solidFill>
@@ -7910,13 +7694,6 @@
   <p:clrMapOvr>
     <a:masterClrMapping/>
   </p:clrMapOvr>
-  <p:timing>
-    <p:tnLst>
-      <p:par>
-        <p:cTn id="1" dur="indefinite" restart="never" nodeType="tmRoot"/>
-      </p:par>
-    </p:tnLst>
-  </p:timing>
 </p:sld>
 </file>
 
@@ -7958,48 +7735,47 @@
           <a:lstStyle/>
           <a:p>
             <a:r>
-              <a:rPr lang="en-US" dirty="0" smtClean="0"/>
+              <a:rPr lang="en-US" dirty="0"/>
               <a:t>A function that inadvertently </a:t>
             </a:r>
             <a:br>
-              <a:rPr lang="en-US" dirty="0" smtClean="0"/>
+              <a:rPr lang="en-US" dirty="0"/>
             </a:br>
             <a:r>
-              <a:rPr lang="en-US" dirty="0" smtClean="0"/>
+              <a:rPr lang="en-US" dirty="0"/>
               <a:t>uses a global variable named tax</a:t>
             </a:r>
+          </a:p>
+        </p:txBody>
+      </p:sp>
+      <p:sp>
+        <p:nvSpPr>
+          <p:cNvPr id="12" name="Date Placeholder 11"/>
+          <p:cNvSpPr>
+            <a:spLocks noGrp="1"/>
+          </p:cNvSpPr>
+          <p:nvPr>
+            <p:ph type="dt" sz="half" idx="10"/>
+          </p:nvPr>
+        </p:nvSpPr>
+        <p:spPr/>
+        <p:txBody>
+          <a:bodyPr/>
+          <a:lstStyle/>
+          <a:p>
+            <a:pPr>
+              <a:defRPr/>
+            </a:pPr>
+            <a:r>
+              <a:rPr lang="en-US"/>
+              <a:t>Murach's JavaScript and jQuery (3rd Ed.)</a:t>
+            </a:r>
             <a:endParaRPr lang="en-US" dirty="0"/>
           </a:p>
         </p:txBody>
       </p:sp>
       <p:sp>
         <p:nvSpPr>
-          <p:cNvPr id="12" name="Date Placeholder 11"/>
-          <p:cNvSpPr>
-            <a:spLocks noGrp="1"/>
-          </p:cNvSpPr>
-          <p:nvPr>
-            <p:ph type="dt" sz="half" idx="10"/>
-          </p:nvPr>
-        </p:nvSpPr>
-        <p:spPr/>
-        <p:txBody>
-          <a:bodyPr/>
-          <a:lstStyle/>
-          <a:p>
-            <a:pPr>
-              <a:defRPr/>
-            </a:pPr>
-            <a:r>
-              <a:rPr lang="en-US" smtClean="0"/>
-              <a:t>Murach's JavaScript and jQuery (3rd Ed.)</a:t>
-            </a:r>
-            <a:endParaRPr lang="en-US" dirty="0"/>
-          </a:p>
-        </p:txBody>
-      </p:sp>
-      <p:sp>
-        <p:nvSpPr>
           <p:cNvPr id="13" name="Footer Placeholder 12"/>
           <p:cNvSpPr>
             <a:spLocks noGrp="1"/>
@@ -8017,39 +7793,38 @@
               <a:defRPr/>
             </a:pPr>
             <a:r>
-              <a:rPr lang="en-US" smtClean="0"/>
+              <a:rPr lang="en-US"/>
               <a:t>© 2017, Mike Murach &amp; Associates, Inc.</a:t>
             </a:r>
+          </a:p>
+        </p:txBody>
+      </p:sp>
+      <p:sp>
+        <p:nvSpPr>
+          <p:cNvPr id="14" name="Slide Number Placeholder 13"/>
+          <p:cNvSpPr>
+            <a:spLocks noGrp="1"/>
+          </p:cNvSpPr>
+          <p:nvPr>
+            <p:ph type="sldNum" sz="quarter" idx="12"/>
+          </p:nvPr>
+        </p:nvSpPr>
+        <p:spPr/>
+        <p:txBody>
+          <a:bodyPr/>
+          <a:lstStyle/>
+          <a:p>
+            <a:pPr>
+              <a:defRPr/>
+            </a:pPr>
             <a:endParaRPr lang="en-US"/>
           </a:p>
-        </p:txBody>
-      </p:sp>
-      <p:sp>
-        <p:nvSpPr>
-          <p:cNvPr id="14" name="Slide Number Placeholder 13"/>
-          <p:cNvSpPr>
-            <a:spLocks noGrp="1"/>
-          </p:cNvSpPr>
-          <p:nvPr>
-            <p:ph type="sldNum" sz="quarter" idx="12"/>
-          </p:nvPr>
-        </p:nvSpPr>
-        <p:spPr/>
-        <p:txBody>
-          <a:bodyPr/>
-          <a:lstStyle/>
-          <a:p>
-            <a:pPr>
-              <a:defRPr/>
-            </a:pPr>
-            <a:endParaRPr lang="en-US" smtClean="0"/>
-          </a:p>
           <a:p>
             <a:pPr algn="r">
               <a:defRPr/>
             </a:pPr>
             <a:r>
-              <a:rPr lang="en-US" sz="900" smtClean="0">
+              <a:rPr lang="en-US" sz="900">
                 <a:solidFill>
                   <a:schemeClr val="bg1"/>
                 </a:solidFill>
@@ -8100,12 +7875,12 @@
           <a:graphicData uri="http://schemas.openxmlformats.org/presentationml/2006/ole">
             <mc:AlternateContent xmlns:mc="http://schemas.openxmlformats.org/markup-compatibility/2006">
               <mc:Choice xmlns:v="urn:schemas-microsoft-com:vml" Requires="v">
-                <p:oleObj spid="_x0000_s83022" name="Document" r:id="rId4" imgW="7313400" imgH="2347228" progId="Word.Document.12">
+                <p:oleObj spid="_x0000_s83025" name="Document" r:id="rId3" imgW="7313400" imgH="2347228" progId="Word.Document.12">
                   <p:embed/>
                 </p:oleObj>
               </mc:Choice>
               <mc:Fallback>
-                <p:oleObj name="Document" r:id="rId4" imgW="7313400" imgH="2347228" progId="Word.Document.12">
+                <p:oleObj name="Document" r:id="rId3" imgW="7313400" imgH="2347228" progId="Word.Document.12">
                   <p:embed/>
                   <p:pic>
                     <p:nvPicPr>
@@ -8114,7 +7889,7 @@
                       <p:nvPr/>
                     </p:nvPicPr>
                     <p:blipFill>
-                      <a:blip r:embed="rId5"/>
+                      <a:blip r:embed="rId4"/>
                       <a:stretch>
                         <a:fillRect/>
                       </a:stretch>
@@ -8145,13 +7920,6 @@
   <p:clrMapOvr>
     <a:masterClrMapping/>
   </p:clrMapOvr>
-  <p:timing>
-    <p:tnLst>
-      <p:par>
-        <p:cTn id="1" dur="indefinite" restart="never" nodeType="tmRoot"/>
-      </p:par>
-    </p:tnLst>
-  </p:timing>
 </p:sld>
 </file>
 
@@ -8218,7 +7986,7 @@
               <a:defRPr/>
             </a:pPr>
             <a:r>
-              <a:rPr lang="en-US" smtClean="0"/>
+              <a:rPr lang="en-US"/>
               <a:t>Murach's JavaScript and jQuery (3rd Ed.)</a:t>
             </a:r>
             <a:endParaRPr lang="en-US" dirty="0"/>
@@ -8244,39 +8012,38 @@
               <a:defRPr/>
             </a:pPr>
             <a:r>
-              <a:rPr lang="en-US" smtClean="0"/>
+              <a:rPr lang="en-US"/>
               <a:t>© 2017, Mike Murach &amp; Associates, Inc.</a:t>
             </a:r>
+          </a:p>
+        </p:txBody>
+      </p:sp>
+      <p:sp>
+        <p:nvSpPr>
+          <p:cNvPr id="5" name="Slide Number Placeholder 4"/>
+          <p:cNvSpPr>
+            <a:spLocks noGrp="1"/>
+          </p:cNvSpPr>
+          <p:nvPr>
+            <p:ph type="sldNum" sz="quarter" idx="12"/>
+          </p:nvPr>
+        </p:nvSpPr>
+        <p:spPr/>
+        <p:txBody>
+          <a:bodyPr/>
+          <a:lstStyle/>
+          <a:p>
+            <a:pPr>
+              <a:defRPr/>
+            </a:pPr>
             <a:endParaRPr lang="en-US"/>
           </a:p>
-        </p:txBody>
-      </p:sp>
-      <p:sp>
-        <p:nvSpPr>
-          <p:cNvPr id="5" name="Slide Number Placeholder 4"/>
-          <p:cNvSpPr>
-            <a:spLocks noGrp="1"/>
-          </p:cNvSpPr>
-          <p:nvPr>
-            <p:ph type="sldNum" sz="quarter" idx="12"/>
-          </p:nvPr>
-        </p:nvSpPr>
-        <p:spPr/>
-        <p:txBody>
-          <a:bodyPr/>
-          <a:lstStyle/>
-          <a:p>
-            <a:pPr>
-              <a:defRPr/>
-            </a:pPr>
-            <a:endParaRPr lang="en-US" smtClean="0"/>
-          </a:p>
           <a:p>
             <a:pPr algn="r">
               <a:defRPr/>
             </a:pPr>
             <a:r>
-              <a:rPr lang="en-US" sz="900" smtClean="0">
+              <a:rPr lang="en-US" sz="900">
                 <a:solidFill>
                   <a:schemeClr val="bg1"/>
                 </a:solidFill>
@@ -8327,12 +8094,12 @@
           <a:graphicData uri="http://schemas.openxmlformats.org/presentationml/2006/ole">
             <mc:AlternateContent xmlns:mc="http://schemas.openxmlformats.org/markup-compatibility/2006">
               <mc:Choice xmlns:v="urn:schemas-microsoft-com:vml" Requires="v">
-                <p:oleObj spid="_x0000_s131085" name="Document" r:id="rId4" imgW="7313400" imgH="3544587" progId="Word.Document.12">
+                <p:oleObj spid="_x0000_s131088" name="Document" r:id="rId3" imgW="7313400" imgH="3544587" progId="Word.Document.12">
                   <p:embed/>
                 </p:oleObj>
               </mc:Choice>
               <mc:Fallback>
-                <p:oleObj name="Document" r:id="rId4" imgW="7313400" imgH="3544587" progId="Word.Document.12">
+                <p:oleObj name="Document" r:id="rId3" imgW="7313400" imgH="3544587" progId="Word.Document.12">
                   <p:embed/>
                   <p:pic>
                     <p:nvPicPr>
@@ -8341,7 +8108,7 @@
                       <p:nvPr/>
                     </p:nvPicPr>
                     <p:blipFill>
-                      <a:blip r:embed="rId5"/>
+                      <a:blip r:embed="rId4"/>
                       <a:stretch>
                         <a:fillRect/>
                       </a:stretch>
@@ -8438,7 +8205,7 @@
               <a:defRPr/>
             </a:pPr>
             <a:r>
-              <a:rPr lang="en-US" smtClean="0"/>
+              <a:rPr lang="en-US"/>
               <a:t>Murach's JavaScript and jQuery (3rd Ed.)</a:t>
             </a:r>
             <a:endParaRPr lang="en-US" dirty="0"/>
@@ -8464,39 +8231,38 @@
               <a:defRPr/>
             </a:pPr>
             <a:r>
-              <a:rPr lang="en-US" smtClean="0"/>
+              <a:rPr lang="en-US"/>
               <a:t>© 2017, Mike Murach &amp; Associates, Inc.</a:t>
             </a:r>
+          </a:p>
+        </p:txBody>
+      </p:sp>
+      <p:sp>
+        <p:nvSpPr>
+          <p:cNvPr id="5" name="Slide Number Placeholder 4"/>
+          <p:cNvSpPr>
+            <a:spLocks noGrp="1"/>
+          </p:cNvSpPr>
+          <p:nvPr>
+            <p:ph type="sldNum" sz="quarter" idx="12"/>
+          </p:nvPr>
+        </p:nvSpPr>
+        <p:spPr/>
+        <p:txBody>
+          <a:bodyPr/>
+          <a:lstStyle/>
+          <a:p>
+            <a:pPr>
+              <a:defRPr/>
+            </a:pPr>
             <a:endParaRPr lang="en-US"/>
           </a:p>
-        </p:txBody>
-      </p:sp>
-      <p:sp>
-        <p:nvSpPr>
-          <p:cNvPr id="5" name="Slide Number Placeholder 4"/>
-          <p:cNvSpPr>
-            <a:spLocks noGrp="1"/>
-          </p:cNvSpPr>
-          <p:nvPr>
-            <p:ph type="sldNum" sz="quarter" idx="12"/>
-          </p:nvPr>
-        </p:nvSpPr>
-        <p:spPr/>
-        <p:txBody>
-          <a:bodyPr/>
-          <a:lstStyle/>
-          <a:p>
-            <a:pPr>
-              <a:defRPr/>
-            </a:pPr>
-            <a:endParaRPr lang="en-US" smtClean="0"/>
-          </a:p>
           <a:p>
             <a:pPr algn="r">
               <a:defRPr/>
             </a:pPr>
             <a:r>
-              <a:rPr lang="en-US" sz="900" smtClean="0">
+              <a:rPr lang="en-US" sz="900">
                 <a:solidFill>
                   <a:schemeClr val="bg1"/>
                 </a:solidFill>
@@ -8547,12 +8313,12 @@
           <a:graphicData uri="http://schemas.openxmlformats.org/presentationml/2006/ole">
             <mc:AlternateContent xmlns:mc="http://schemas.openxmlformats.org/markup-compatibility/2006">
               <mc:Choice xmlns:v="urn:schemas-microsoft-com:vml" Requires="v">
-                <p:oleObj spid="_x0000_s132109" name="Document" r:id="rId4" imgW="7313400" imgH="2577489" progId="Word.Document.12">
+                <p:oleObj spid="_x0000_s132112" name="Document" r:id="rId3" imgW="7313400" imgH="2577489" progId="Word.Document.12">
                   <p:embed/>
                 </p:oleObj>
               </mc:Choice>
               <mc:Fallback>
-                <p:oleObj name="Document" r:id="rId4" imgW="7313400" imgH="2577489" progId="Word.Document.12">
+                <p:oleObj name="Document" r:id="rId3" imgW="7313400" imgH="2577489" progId="Word.Document.12">
                   <p:embed/>
                   <p:pic>
                     <p:nvPicPr>
@@ -8561,7 +8327,7 @@
                       <p:nvPr/>
                     </p:nvPicPr>
                     <p:blipFill>
-                      <a:blip r:embed="rId5"/>
+                      <a:blip r:embed="rId4"/>
                       <a:stretch>
                         <a:fillRect/>
                       </a:stretch>
@@ -8628,10 +8394,9 @@
           <a:lstStyle/>
           <a:p>
             <a:r>
-              <a:rPr lang="en-US" dirty="0" smtClean="0"/>
+              <a:rPr lang="en-US" dirty="0"/>
               <a:t>Best coding practices for variables</a:t>
             </a:r>
-            <a:endParaRPr lang="en-US" dirty="0"/>
           </a:p>
         </p:txBody>
       </p:sp>
@@ -8657,12 +8422,12 @@
           <a:graphicData uri="http://schemas.openxmlformats.org/presentationml/2006/ole">
             <mc:AlternateContent xmlns:mc="http://schemas.openxmlformats.org/markup-compatibility/2006">
               <mc:Choice xmlns:v="urn:schemas-microsoft-com:vml" Requires="v">
-                <p:oleObj spid="_x0000_s84010" name="Document" r:id="rId4" imgW="7301323" imgH="1546483" progId="Word.Document.12">
+                <p:oleObj spid="_x0000_s84013" name="Document" r:id="rId3" imgW="7301323" imgH="1546483" progId="Word.Document.12">
                   <p:embed/>
                 </p:oleObj>
               </mc:Choice>
               <mc:Fallback>
-                <p:oleObj name="Document" r:id="rId4" imgW="7301323" imgH="1546483" progId="Word.Document.12">
+                <p:oleObj name="Document" r:id="rId3" imgW="7301323" imgH="1546483" progId="Word.Document.12">
                   <p:embed/>
                   <p:pic>
                     <p:nvPicPr>
@@ -8671,7 +8436,7 @@
                       <p:nvPr/>
                     </p:nvPicPr>
                     <p:blipFill>
-                      <a:blip r:embed="rId5"/>
+                      <a:blip r:embed="rId4"/>
                       <a:stretch>
                         <a:fillRect/>
                       </a:stretch>
@@ -8711,7 +8476,7 @@
               <a:defRPr/>
             </a:pPr>
             <a:r>
-              <a:rPr lang="en-US" smtClean="0"/>
+              <a:rPr lang="en-US"/>
               <a:t>Murach's JavaScript and jQuery (3rd Ed.)</a:t>
             </a:r>
             <a:endParaRPr lang="en-US" dirty="0"/>
@@ -8737,39 +8502,38 @@
               <a:defRPr/>
             </a:pPr>
             <a:r>
-              <a:rPr lang="en-US" smtClean="0"/>
+              <a:rPr lang="en-US"/>
               <a:t>© 2017, Mike Murach &amp; Associates, Inc.</a:t>
             </a:r>
+          </a:p>
+        </p:txBody>
+      </p:sp>
+      <p:sp>
+        <p:nvSpPr>
+          <p:cNvPr id="12" name="Slide Number Placeholder 11"/>
+          <p:cNvSpPr>
+            <a:spLocks noGrp="1"/>
+          </p:cNvSpPr>
+          <p:nvPr>
+            <p:ph type="sldNum" sz="quarter" idx="12"/>
+          </p:nvPr>
+        </p:nvSpPr>
+        <p:spPr/>
+        <p:txBody>
+          <a:bodyPr/>
+          <a:lstStyle/>
+          <a:p>
+            <a:pPr>
+              <a:defRPr/>
+            </a:pPr>
             <a:endParaRPr lang="en-US"/>
           </a:p>
-        </p:txBody>
-      </p:sp>
-      <p:sp>
-        <p:nvSpPr>
-          <p:cNvPr id="12" name="Slide Number Placeholder 11"/>
-          <p:cNvSpPr>
-            <a:spLocks noGrp="1"/>
-          </p:cNvSpPr>
-          <p:nvPr>
-            <p:ph type="sldNum" sz="quarter" idx="12"/>
-          </p:nvPr>
-        </p:nvSpPr>
-        <p:spPr/>
-        <p:txBody>
-          <a:bodyPr/>
-          <a:lstStyle/>
-          <a:p>
-            <a:pPr>
-              <a:defRPr/>
-            </a:pPr>
-            <a:endParaRPr lang="en-US" smtClean="0"/>
-          </a:p>
           <a:p>
             <a:pPr algn="r">
               <a:defRPr/>
             </a:pPr>
             <a:r>
-              <a:rPr lang="en-US" sz="900" smtClean="0">
+              <a:rPr lang="en-US" sz="900">
                 <a:solidFill>
                   <a:schemeClr val="bg1"/>
                 </a:solidFill>
@@ -8808,13 +8572,6 @@
   <p:clrMapOvr>
     <a:masterClrMapping/>
   </p:clrMapOvr>
-  <p:timing>
-    <p:tnLst>
-      <p:par>
-        <p:cTn id="1" dur="indefinite" restart="never" nodeType="tmRoot"/>
-      </p:par>
-    </p:tnLst>
-  </p:timing>
 </p:sld>
 </file>
 
@@ -8851,10 +8608,9 @@
           <a:lstStyle/>
           <a:p>
             <a:r>
-              <a:rPr lang="en-US" dirty="0" smtClean="0"/>
+              <a:rPr lang="en-US" dirty="0"/>
               <a:t>Terms</a:t>
             </a:r>
-            <a:endParaRPr lang="en-US" dirty="0"/>
           </a:p>
         </p:txBody>
       </p:sp>
@@ -8880,12 +8636,12 @@
           <a:graphicData uri="http://schemas.openxmlformats.org/presentationml/2006/ole">
             <mc:AlternateContent xmlns:mc="http://schemas.openxmlformats.org/markup-compatibility/2006">
               <mc:Choice xmlns:v="urn:schemas-microsoft-com:vml" Requires="v">
-                <p:oleObj spid="_x0000_s85033" name="Document" r:id="rId4" imgW="7301323" imgH="2319545" progId="Word.Document.12">
+                <p:oleObj spid="_x0000_s85036" name="Document" r:id="rId3" imgW="7301323" imgH="2319545" progId="Word.Document.12">
                   <p:embed/>
                 </p:oleObj>
               </mc:Choice>
               <mc:Fallback>
-                <p:oleObj name="Document" r:id="rId4" imgW="7301323" imgH="2319545" progId="Word.Document.12">
+                <p:oleObj name="Document" r:id="rId3" imgW="7301323" imgH="2319545" progId="Word.Document.12">
                   <p:embed/>
                   <p:pic>
                     <p:nvPicPr>
@@ -8894,7 +8650,7 @@
                       <p:nvPr/>
                     </p:nvPicPr>
                     <p:blipFill>
-                      <a:blip r:embed="rId5"/>
+                      <a:blip r:embed="rId4"/>
                       <a:stretch>
                         <a:fillRect/>
                       </a:stretch>
@@ -8934,7 +8690,7 @@
               <a:defRPr/>
             </a:pPr>
             <a:r>
-              <a:rPr lang="en-US" smtClean="0"/>
+              <a:rPr lang="en-US"/>
               <a:t>Murach's JavaScript and jQuery (3rd Ed.)</a:t>
             </a:r>
             <a:endParaRPr lang="en-US" dirty="0"/>
@@ -8960,39 +8716,38 @@
               <a:defRPr/>
             </a:pPr>
             <a:r>
-              <a:rPr lang="en-US" smtClean="0"/>
+              <a:rPr lang="en-US"/>
               <a:t>© 2017, Mike Murach &amp; Associates, Inc.</a:t>
             </a:r>
+          </a:p>
+        </p:txBody>
+      </p:sp>
+      <p:sp>
+        <p:nvSpPr>
+          <p:cNvPr id="12" name="Slide Number Placeholder 11"/>
+          <p:cNvSpPr>
+            <a:spLocks noGrp="1"/>
+          </p:cNvSpPr>
+          <p:nvPr>
+            <p:ph type="sldNum" sz="quarter" idx="12"/>
+          </p:nvPr>
+        </p:nvSpPr>
+        <p:spPr/>
+        <p:txBody>
+          <a:bodyPr/>
+          <a:lstStyle/>
+          <a:p>
+            <a:pPr>
+              <a:defRPr/>
+            </a:pPr>
             <a:endParaRPr lang="en-US"/>
           </a:p>
-        </p:txBody>
-      </p:sp>
-      <p:sp>
-        <p:nvSpPr>
-          <p:cNvPr id="12" name="Slide Number Placeholder 11"/>
-          <p:cNvSpPr>
-            <a:spLocks noGrp="1"/>
-          </p:cNvSpPr>
-          <p:nvPr>
-            <p:ph type="sldNum" sz="quarter" idx="12"/>
-          </p:nvPr>
-        </p:nvSpPr>
-        <p:spPr/>
-        <p:txBody>
-          <a:bodyPr/>
-          <a:lstStyle/>
-          <a:p>
-            <a:pPr>
-              <a:defRPr/>
-            </a:pPr>
-            <a:endParaRPr lang="en-US" smtClean="0"/>
-          </a:p>
           <a:p>
             <a:pPr algn="r">
               <a:defRPr/>
             </a:pPr>
             <a:r>
-              <a:rPr lang="en-US" sz="900" smtClean="0">
+              <a:rPr lang="en-US" sz="900">
                 <a:solidFill>
                   <a:schemeClr val="bg1"/>
                 </a:solidFill>
@@ -9031,13 +8786,6 @@
   <p:clrMapOvr>
     <a:masterClrMapping/>
   </p:clrMapOvr>
-  <p:timing>
-    <p:tnLst>
-      <p:par>
-        <p:cTn id="1" dur="indefinite" restart="never" nodeType="tmRoot"/>
-      </p:par>
-    </p:tnLst>
-  </p:timing>
 </p:sld>
 </file>
 
@@ -9074,41 +8822,40 @@
           <a:lstStyle/>
           <a:p>
             <a:r>
-              <a:rPr lang="en-US" dirty="0" smtClean="0"/>
+              <a:rPr lang="en-US" dirty="0"/>
               <a:t>Common events</a:t>
             </a:r>
+          </a:p>
+        </p:txBody>
+      </p:sp>
+      <p:sp>
+        <p:nvSpPr>
+          <p:cNvPr id="10" name="Date Placeholder 9"/>
+          <p:cNvSpPr>
+            <a:spLocks noGrp="1"/>
+          </p:cNvSpPr>
+          <p:nvPr>
+            <p:ph type="dt" sz="half" idx="10"/>
+          </p:nvPr>
+        </p:nvSpPr>
+        <p:spPr/>
+        <p:txBody>
+          <a:bodyPr/>
+          <a:lstStyle/>
+          <a:p>
+            <a:pPr>
+              <a:defRPr/>
+            </a:pPr>
+            <a:r>
+              <a:rPr lang="en-US"/>
+              <a:t>Murach's JavaScript and jQuery (3rd Ed.)</a:t>
+            </a:r>
             <a:endParaRPr lang="en-US" dirty="0"/>
           </a:p>
         </p:txBody>
       </p:sp>
       <p:sp>
         <p:nvSpPr>
-          <p:cNvPr id="10" name="Date Placeholder 9"/>
-          <p:cNvSpPr>
-            <a:spLocks noGrp="1"/>
-          </p:cNvSpPr>
-          <p:nvPr>
-            <p:ph type="dt" sz="half" idx="10"/>
-          </p:nvPr>
-        </p:nvSpPr>
-        <p:spPr/>
-        <p:txBody>
-          <a:bodyPr/>
-          <a:lstStyle/>
-          <a:p>
-            <a:pPr>
-              <a:defRPr/>
-            </a:pPr>
-            <a:r>
-              <a:rPr lang="en-US" smtClean="0"/>
-              <a:t>Murach's JavaScript and jQuery (3rd Ed.)</a:t>
-            </a:r>
-            <a:endParaRPr lang="en-US" dirty="0"/>
-          </a:p>
-        </p:txBody>
-      </p:sp>
-      <p:sp>
-        <p:nvSpPr>
           <p:cNvPr id="11" name="Footer Placeholder 10"/>
           <p:cNvSpPr>
             <a:spLocks noGrp="1"/>
@@ -9126,39 +8873,38 @@
               <a:defRPr/>
             </a:pPr>
             <a:r>
-              <a:rPr lang="en-US" smtClean="0"/>
+              <a:rPr lang="en-US"/>
               <a:t>© 2017, Mike Murach &amp; Associates, Inc.</a:t>
             </a:r>
+          </a:p>
+        </p:txBody>
+      </p:sp>
+      <p:sp>
+        <p:nvSpPr>
+          <p:cNvPr id="12" name="Slide Number Placeholder 11"/>
+          <p:cNvSpPr>
+            <a:spLocks noGrp="1"/>
+          </p:cNvSpPr>
+          <p:nvPr>
+            <p:ph type="sldNum" sz="quarter" idx="12"/>
+          </p:nvPr>
+        </p:nvSpPr>
+        <p:spPr/>
+        <p:txBody>
+          <a:bodyPr/>
+          <a:lstStyle/>
+          <a:p>
+            <a:pPr>
+              <a:defRPr/>
+            </a:pPr>
             <a:endParaRPr lang="en-US"/>
           </a:p>
-        </p:txBody>
-      </p:sp>
-      <p:sp>
-        <p:nvSpPr>
-          <p:cNvPr id="12" name="Slide Number Placeholder 11"/>
-          <p:cNvSpPr>
-            <a:spLocks noGrp="1"/>
-          </p:cNvSpPr>
-          <p:nvPr>
-            <p:ph type="sldNum" sz="quarter" idx="12"/>
-          </p:nvPr>
-        </p:nvSpPr>
-        <p:spPr/>
-        <p:txBody>
-          <a:bodyPr/>
-          <a:lstStyle/>
-          <a:p>
-            <a:pPr>
-              <a:defRPr/>
-            </a:pPr>
-            <a:endParaRPr lang="en-US" smtClean="0"/>
-          </a:p>
           <a:p>
             <a:pPr algn="r">
               <a:defRPr/>
             </a:pPr>
             <a:r>
-              <a:rPr lang="en-US" sz="900" smtClean="0">
+              <a:rPr lang="en-US" sz="900">
                 <a:solidFill>
                   <a:schemeClr val="bg1"/>
                 </a:solidFill>
@@ -9209,12 +8955,12 @@
           <a:graphicData uri="http://schemas.openxmlformats.org/presentationml/2006/ole">
             <mc:AlternateContent xmlns:mc="http://schemas.openxmlformats.org/markup-compatibility/2006">
               <mc:Choice xmlns:v="urn:schemas-microsoft-com:vml" Requires="v">
-                <p:oleObj spid="_x0000_s86057" name="Document" r:id="rId4" imgW="7389702" imgH="3888540" progId="Word.Document.12">
+                <p:oleObj spid="_x0000_s86060" name="Document" r:id="rId3" imgW="7389702" imgH="3888540" progId="Word.Document.12">
                   <p:embed/>
                 </p:oleObj>
               </mc:Choice>
               <mc:Fallback>
-                <p:oleObj name="Document" r:id="rId4" imgW="7389702" imgH="3888540" progId="Word.Document.12">
+                <p:oleObj name="Document" r:id="rId3" imgW="7389702" imgH="3888540" progId="Word.Document.12">
                   <p:embed/>
                   <p:pic>
                     <p:nvPicPr>
@@ -9223,7 +8969,7 @@
                       <p:nvPr/>
                     </p:nvPicPr>
                     <p:blipFill>
-                      <a:blip r:embed="rId5"/>
+                      <a:blip r:embed="rId4"/>
                       <a:stretch>
                         <a:fillRect/>
                       </a:stretch>
@@ -9254,13 +9000,6 @@
   <p:clrMapOvr>
     <a:masterClrMapping/>
   </p:clrMapOvr>
-  <p:timing>
-    <p:tnLst>
-      <p:par>
-        <p:cTn id="1" dur="indefinite" restart="never" nodeType="tmRoot"/>
-      </p:par>
-    </p:tnLst>
-  </p:timing>
 </p:sld>
 </file>
 
@@ -9297,41 +9036,40 @@
           <a:lstStyle/>
           <a:p>
             <a:r>
-              <a:rPr lang="en-US" dirty="0" smtClean="0"/>
+              <a:rPr lang="en-US" dirty="0"/>
               <a:t>The syntax for attaching an event handler</a:t>
             </a:r>
+          </a:p>
+        </p:txBody>
+      </p:sp>
+      <p:sp>
+        <p:nvSpPr>
+          <p:cNvPr id="12" name="Date Placeholder 11"/>
+          <p:cNvSpPr>
+            <a:spLocks noGrp="1"/>
+          </p:cNvSpPr>
+          <p:nvPr>
+            <p:ph type="dt" sz="half" idx="10"/>
+          </p:nvPr>
+        </p:nvSpPr>
+        <p:spPr/>
+        <p:txBody>
+          <a:bodyPr/>
+          <a:lstStyle/>
+          <a:p>
+            <a:pPr>
+              <a:defRPr/>
+            </a:pPr>
+            <a:r>
+              <a:rPr lang="en-US"/>
+              <a:t>Murach's JavaScript and jQuery (3rd Ed.)</a:t>
+            </a:r>
             <a:endParaRPr lang="en-US" dirty="0"/>
           </a:p>
         </p:txBody>
       </p:sp>
       <p:sp>
         <p:nvSpPr>
-          <p:cNvPr id="12" name="Date Placeholder 11"/>
-          <p:cNvSpPr>
-            <a:spLocks noGrp="1"/>
-          </p:cNvSpPr>
-          <p:nvPr>
-            <p:ph type="dt" sz="half" idx="10"/>
-          </p:nvPr>
-        </p:nvSpPr>
-        <p:spPr/>
-        <p:txBody>
-          <a:bodyPr/>
-          <a:lstStyle/>
-          <a:p>
-            <a:pPr>
-              <a:defRPr/>
-            </a:pPr>
-            <a:r>
-              <a:rPr lang="en-US" smtClean="0"/>
-              <a:t>Murach's JavaScript and jQuery (3rd Ed.)</a:t>
-            </a:r>
-            <a:endParaRPr lang="en-US" dirty="0"/>
-          </a:p>
-        </p:txBody>
-      </p:sp>
-      <p:sp>
-        <p:nvSpPr>
           <p:cNvPr id="13" name="Footer Placeholder 12"/>
           <p:cNvSpPr>
             <a:spLocks noGrp="1"/>
@@ -9349,39 +9087,38 @@
               <a:defRPr/>
             </a:pPr>
             <a:r>
-              <a:rPr lang="en-US" smtClean="0"/>
+              <a:rPr lang="en-US"/>
               <a:t>© 2017, Mike Murach &amp; Associates, Inc.</a:t>
             </a:r>
+          </a:p>
+        </p:txBody>
+      </p:sp>
+      <p:sp>
+        <p:nvSpPr>
+          <p:cNvPr id="14" name="Slide Number Placeholder 13"/>
+          <p:cNvSpPr>
+            <a:spLocks noGrp="1"/>
+          </p:cNvSpPr>
+          <p:nvPr>
+            <p:ph type="sldNum" sz="quarter" idx="12"/>
+          </p:nvPr>
+        </p:nvSpPr>
+        <p:spPr/>
+        <p:txBody>
+          <a:bodyPr/>
+          <a:lstStyle/>
+          <a:p>
+            <a:pPr>
+              <a:defRPr/>
+            </a:pPr>
             <a:endParaRPr lang="en-US"/>
           </a:p>
-        </p:txBody>
-      </p:sp>
-      <p:sp>
-        <p:nvSpPr>
-          <p:cNvPr id="14" name="Slide Number Placeholder 13"/>
-          <p:cNvSpPr>
-            <a:spLocks noGrp="1"/>
-          </p:cNvSpPr>
-          <p:nvPr>
-            <p:ph type="sldNum" sz="quarter" idx="12"/>
-          </p:nvPr>
-        </p:nvSpPr>
-        <p:spPr/>
-        <p:txBody>
-          <a:bodyPr/>
-          <a:lstStyle/>
-          <a:p>
-            <a:pPr>
-              <a:defRPr/>
-            </a:pPr>
-            <a:endParaRPr lang="en-US" smtClean="0"/>
-          </a:p>
           <a:p>
             <a:pPr algn="r">
               <a:defRPr/>
             </a:pPr>
             <a:r>
-              <a:rPr lang="en-US" sz="900" smtClean="0">
+              <a:rPr lang="en-US" sz="900">
                 <a:solidFill>
                   <a:schemeClr val="bg1"/>
                 </a:solidFill>
@@ -9432,12 +9169,12 @@
           <a:graphicData uri="http://schemas.openxmlformats.org/presentationml/2006/ole">
             <mc:AlternateContent xmlns:mc="http://schemas.openxmlformats.org/markup-compatibility/2006">
               <mc:Choice xmlns:v="urn:schemas-microsoft-com:vml" Requires="v">
-                <p:oleObj spid="_x0000_s87115" name="Document" r:id="rId4" imgW="7313400" imgH="1536995" progId="Word.Document.12">
+                <p:oleObj spid="_x0000_s87118" name="Document" r:id="rId3" imgW="7313400" imgH="1536995" progId="Word.Document.12">
                   <p:embed/>
                 </p:oleObj>
               </mc:Choice>
               <mc:Fallback>
-                <p:oleObj name="Document" r:id="rId4" imgW="7313400" imgH="1536995" progId="Word.Document.12">
+                <p:oleObj name="Document" r:id="rId3" imgW="7313400" imgH="1536995" progId="Word.Document.12">
                   <p:embed/>
                   <p:pic>
                     <p:nvPicPr>
@@ -9446,7 +9183,7 @@
                       <p:nvPr/>
                     </p:nvPicPr>
                     <p:blipFill>
-                      <a:blip r:embed="rId5"/>
+                      <a:blip r:embed="rId4"/>
                       <a:stretch>
                         <a:fillRect/>
                       </a:stretch>
@@ -9477,13 +9214,6 @@
   <p:clrMapOvr>
     <a:masterClrMapping/>
   </p:clrMapOvr>
-  <p:timing>
-    <p:tnLst>
-      <p:par>
-        <p:cTn id="1" dur="indefinite" restart="never" nodeType="tmRoot"/>
-      </p:par>
-    </p:tnLst>
-  </p:timing>
 </p:sld>
 </file>
 
@@ -9520,48 +9250,47 @@
           <a:lstStyle/>
           <a:p>
             <a:r>
-              <a:rPr lang="en-US" dirty="0" smtClean="0"/>
+              <a:rPr lang="en-US" dirty="0"/>
               <a:t>How to attach the event handler </a:t>
             </a:r>
             <a:br>
-              <a:rPr lang="en-US" dirty="0" smtClean="0"/>
+              <a:rPr lang="en-US" dirty="0"/>
             </a:br>
             <a:r>
-              <a:rPr lang="en-US" dirty="0" smtClean="0"/>
+              <a:rPr lang="en-US" dirty="0"/>
               <a:t>to the click event of a button</a:t>
             </a:r>
+          </a:p>
+        </p:txBody>
+      </p:sp>
+      <p:sp>
+        <p:nvSpPr>
+          <p:cNvPr id="14" name="Date Placeholder 13"/>
+          <p:cNvSpPr>
+            <a:spLocks noGrp="1"/>
+          </p:cNvSpPr>
+          <p:nvPr>
+            <p:ph type="dt" sz="half" idx="10"/>
+          </p:nvPr>
+        </p:nvSpPr>
+        <p:spPr/>
+        <p:txBody>
+          <a:bodyPr/>
+          <a:lstStyle/>
+          <a:p>
+            <a:pPr>
+              <a:defRPr/>
+            </a:pPr>
+            <a:r>
+              <a:rPr lang="en-US"/>
+              <a:t>Murach's JavaScript and jQuery (3rd Ed.)</a:t>
+            </a:r>
             <a:endParaRPr lang="en-US" dirty="0"/>
           </a:p>
         </p:txBody>
       </p:sp>
       <p:sp>
         <p:nvSpPr>
-          <p:cNvPr id="14" name="Date Placeholder 13"/>
-          <p:cNvSpPr>
-            <a:spLocks noGrp="1"/>
-          </p:cNvSpPr>
-          <p:nvPr>
-            <p:ph type="dt" sz="half" idx="10"/>
-          </p:nvPr>
-        </p:nvSpPr>
-        <p:spPr/>
-        <p:txBody>
-          <a:bodyPr/>
-          <a:lstStyle/>
-          <a:p>
-            <a:pPr>
-              <a:defRPr/>
-            </a:pPr>
-            <a:r>
-              <a:rPr lang="en-US" smtClean="0"/>
-              <a:t>Murach's JavaScript and jQuery (3rd Ed.)</a:t>
-            </a:r>
-            <a:endParaRPr lang="en-US" dirty="0"/>
-          </a:p>
-        </p:txBody>
-      </p:sp>
-      <p:sp>
-        <p:nvSpPr>
           <p:cNvPr id="15" name="Footer Placeholder 14"/>
           <p:cNvSpPr>
             <a:spLocks noGrp="1"/>
@@ -9579,39 +9308,38 @@
               <a:defRPr/>
             </a:pPr>
             <a:r>
-              <a:rPr lang="en-US" smtClean="0"/>
+              <a:rPr lang="en-US"/>
               <a:t>© 2017, Mike Murach &amp; Associates, Inc.</a:t>
             </a:r>
+          </a:p>
+        </p:txBody>
+      </p:sp>
+      <p:sp>
+        <p:nvSpPr>
+          <p:cNvPr id="16" name="Slide Number Placeholder 15"/>
+          <p:cNvSpPr>
+            <a:spLocks noGrp="1"/>
+          </p:cNvSpPr>
+          <p:nvPr>
+            <p:ph type="sldNum" sz="quarter" idx="12"/>
+          </p:nvPr>
+        </p:nvSpPr>
+        <p:spPr/>
+        <p:txBody>
+          <a:bodyPr/>
+          <a:lstStyle/>
+          <a:p>
+            <a:pPr>
+              <a:defRPr/>
+            </a:pPr>
             <a:endParaRPr lang="en-US"/>
           </a:p>
-        </p:txBody>
-      </p:sp>
-      <p:sp>
-        <p:nvSpPr>
-          <p:cNvPr id="16" name="Slide Number Placeholder 15"/>
-          <p:cNvSpPr>
-            <a:spLocks noGrp="1"/>
-          </p:cNvSpPr>
-          <p:nvPr>
-            <p:ph type="sldNum" sz="quarter" idx="12"/>
-          </p:nvPr>
-        </p:nvSpPr>
-        <p:spPr/>
-        <p:txBody>
-          <a:bodyPr/>
-          <a:lstStyle/>
-          <a:p>
-            <a:pPr>
-              <a:defRPr/>
-            </a:pPr>
-            <a:endParaRPr lang="en-US" smtClean="0"/>
-          </a:p>
           <a:p>
             <a:pPr algn="r">
               <a:defRPr/>
             </a:pPr>
             <a:r>
-              <a:rPr lang="en-US" sz="900" smtClean="0">
+              <a:rPr lang="en-US" sz="900">
                 <a:solidFill>
                   <a:schemeClr val="bg1"/>
                 </a:solidFill>
@@ -9662,12 +9390,12 @@
           <a:graphicData uri="http://schemas.openxmlformats.org/presentationml/2006/ole">
             <mc:AlternateContent xmlns:mc="http://schemas.openxmlformats.org/markup-compatibility/2006">
               <mc:Choice xmlns:v="urn:schemas-microsoft-com:vml" Requires="v">
-                <p:oleObj spid="_x0000_s88178" name="Document" r:id="rId4" imgW="7313400" imgH="3031896" progId="Word.Document.12">
+                <p:oleObj spid="_x0000_s88181" name="Document" r:id="rId3" imgW="7313400" imgH="3031896" progId="Word.Document.12">
                   <p:embed/>
                 </p:oleObj>
               </mc:Choice>
               <mc:Fallback>
-                <p:oleObj name="Document" r:id="rId4" imgW="7313400" imgH="3031896" progId="Word.Document.12">
+                <p:oleObj name="Document" r:id="rId3" imgW="7313400" imgH="3031896" progId="Word.Document.12">
                   <p:embed/>
                   <p:pic>
                     <p:nvPicPr>
@@ -9676,7 +9404,7 @@
                       <p:nvPr/>
                     </p:nvPicPr>
                     <p:blipFill>
-                      <a:blip r:embed="rId5"/>
+                      <a:blip r:embed="rId4"/>
                       <a:stretch>
                         <a:fillRect/>
                       </a:stretch>
@@ -9707,13 +9435,6 @@
   <p:clrMapOvr>
     <a:masterClrMapping/>
   </p:clrMapOvr>
-  <p:timing>
-    <p:tnLst>
-      <p:par>
-        <p:cTn id="1" dur="indefinite" restart="never" nodeType="tmRoot"/>
-      </p:par>
-    </p:tnLst>
-  </p:timing>
 </p:sld>
 </file>
 
@@ -9750,41 +9471,40 @@
           <a:lstStyle/>
           <a:p>
             <a:r>
-              <a:rPr lang="en-US" dirty="0" smtClean="0"/>
+              <a:rPr lang="en-US" dirty="0"/>
               <a:t>Terms</a:t>
             </a:r>
+          </a:p>
+        </p:txBody>
+      </p:sp>
+      <p:sp>
+        <p:nvSpPr>
+          <p:cNvPr id="10" name="Date Placeholder 9"/>
+          <p:cNvSpPr>
+            <a:spLocks noGrp="1"/>
+          </p:cNvSpPr>
+          <p:nvPr>
+            <p:ph type="dt" sz="half" idx="10"/>
+          </p:nvPr>
+        </p:nvSpPr>
+        <p:spPr/>
+        <p:txBody>
+          <a:bodyPr/>
+          <a:lstStyle/>
+          <a:p>
+            <a:pPr>
+              <a:defRPr/>
+            </a:pPr>
+            <a:r>
+              <a:rPr lang="en-US"/>
+              <a:t>Murach's JavaScript and jQuery (3rd Ed.)</a:t>
+            </a:r>
             <a:endParaRPr lang="en-US" dirty="0"/>
           </a:p>
         </p:txBody>
       </p:sp>
       <p:sp>
         <p:nvSpPr>
-          <p:cNvPr id="10" name="Date Placeholder 9"/>
-          <p:cNvSpPr>
-            <a:spLocks noGrp="1"/>
-          </p:cNvSpPr>
-          <p:nvPr>
-            <p:ph type="dt" sz="half" idx="10"/>
-          </p:nvPr>
-        </p:nvSpPr>
-        <p:spPr/>
-        <p:txBody>
-          <a:bodyPr/>
-          <a:lstStyle/>
-          <a:p>
-            <a:pPr>
-              <a:defRPr/>
-            </a:pPr>
-            <a:r>
-              <a:rPr lang="en-US" smtClean="0"/>
-              <a:t>Murach's JavaScript and jQuery (3rd Ed.)</a:t>
-            </a:r>
-            <a:endParaRPr lang="en-US" dirty="0"/>
-          </a:p>
-        </p:txBody>
-      </p:sp>
-      <p:sp>
-        <p:nvSpPr>
           <p:cNvPr id="11" name="Footer Placeholder 10"/>
           <p:cNvSpPr>
             <a:spLocks noGrp="1"/>
@@ -9802,39 +9522,38 @@
               <a:defRPr/>
             </a:pPr>
             <a:r>
-              <a:rPr lang="en-US" smtClean="0"/>
+              <a:rPr lang="en-US"/>
               <a:t>© 2017, Mike Murach &amp; Associates, Inc.</a:t>
             </a:r>
+          </a:p>
+        </p:txBody>
+      </p:sp>
+      <p:sp>
+        <p:nvSpPr>
+          <p:cNvPr id="12" name="Slide Number Placeholder 11"/>
+          <p:cNvSpPr>
+            <a:spLocks noGrp="1"/>
+          </p:cNvSpPr>
+          <p:nvPr>
+            <p:ph type="sldNum" sz="quarter" idx="12"/>
+          </p:nvPr>
+        </p:nvSpPr>
+        <p:spPr/>
+        <p:txBody>
+          <a:bodyPr/>
+          <a:lstStyle/>
+          <a:p>
+            <a:pPr>
+              <a:defRPr/>
+            </a:pPr>
             <a:endParaRPr lang="en-US"/>
           </a:p>
-        </p:txBody>
-      </p:sp>
-      <p:sp>
-        <p:nvSpPr>
-          <p:cNvPr id="12" name="Slide Number Placeholder 11"/>
-          <p:cNvSpPr>
-            <a:spLocks noGrp="1"/>
-          </p:cNvSpPr>
-          <p:nvPr>
-            <p:ph type="sldNum" sz="quarter" idx="12"/>
-          </p:nvPr>
-        </p:nvSpPr>
-        <p:spPr/>
-        <p:txBody>
-          <a:bodyPr/>
-          <a:lstStyle/>
-          <a:p>
-            <a:pPr>
-              <a:defRPr/>
-            </a:pPr>
-            <a:endParaRPr lang="en-US" smtClean="0"/>
-          </a:p>
           <a:p>
             <a:pPr algn="r">
               <a:defRPr/>
             </a:pPr>
             <a:r>
-              <a:rPr lang="en-US" sz="900" smtClean="0">
+              <a:rPr lang="en-US" sz="900">
                 <a:solidFill>
                   <a:schemeClr val="bg1"/>
                 </a:solidFill>
@@ -9885,12 +9604,12 @@
           <a:graphicData uri="http://schemas.openxmlformats.org/presentationml/2006/ole">
             <mc:AlternateContent xmlns:mc="http://schemas.openxmlformats.org/markup-compatibility/2006">
               <mc:Choice xmlns:v="urn:schemas-microsoft-com:vml" Requires="v">
-                <p:oleObj spid="_x0000_s89129" name="Document" r:id="rId4" imgW="7313400" imgH="1158863" progId="Word.Document.12">
+                <p:oleObj spid="_x0000_s89132" name="Document" r:id="rId3" imgW="7313400" imgH="1158863" progId="Word.Document.12">
                   <p:embed/>
                 </p:oleObj>
               </mc:Choice>
               <mc:Fallback>
-                <p:oleObj name="Document" r:id="rId4" imgW="7313400" imgH="1158863" progId="Word.Document.12">
+                <p:oleObj name="Document" r:id="rId3" imgW="7313400" imgH="1158863" progId="Word.Document.12">
                   <p:embed/>
                   <p:pic>
                     <p:nvPicPr>
@@ -9899,7 +9618,7 @@
                       <p:nvPr/>
                     </p:nvPicPr>
                     <p:blipFill>
-                      <a:blip r:embed="rId5"/>
+                      <a:blip r:embed="rId4"/>
                       <a:stretch>
                         <a:fillRect/>
                       </a:stretch>
@@ -9930,13 +9649,6 @@
   <p:clrMapOvr>
     <a:masterClrMapping/>
   </p:clrMapOvr>
-  <p:timing>
-    <p:tnLst>
-      <p:par>
-        <p:cTn id="1" dur="indefinite" restart="never" nodeType="tmRoot"/>
-      </p:par>
-    </p:tnLst>
-  </p:timing>
 </p:sld>
 </file>
 
@@ -9973,41 +9685,40 @@
           <a:lstStyle/>
           <a:p>
             <a:r>
-              <a:rPr lang="en-US" dirty="0" smtClean="0"/>
+              <a:rPr lang="en-US" dirty="0"/>
               <a:t>The HTML for a page</a:t>
             </a:r>
+          </a:p>
+        </p:txBody>
+      </p:sp>
+      <p:sp>
+        <p:nvSpPr>
+          <p:cNvPr id="10" name="Date Placeholder 9"/>
+          <p:cNvSpPr>
+            <a:spLocks noGrp="1"/>
+          </p:cNvSpPr>
+          <p:nvPr>
+            <p:ph type="dt" sz="half" idx="10"/>
+          </p:nvPr>
+        </p:nvSpPr>
+        <p:spPr/>
+        <p:txBody>
+          <a:bodyPr/>
+          <a:lstStyle/>
+          <a:p>
+            <a:pPr>
+              <a:defRPr/>
+            </a:pPr>
+            <a:r>
+              <a:rPr lang="en-US"/>
+              <a:t>Murach's JavaScript and jQuery (3rd Ed.)</a:t>
+            </a:r>
             <a:endParaRPr lang="en-US" dirty="0"/>
           </a:p>
         </p:txBody>
       </p:sp>
       <p:sp>
         <p:nvSpPr>
-          <p:cNvPr id="10" name="Date Placeholder 9"/>
-          <p:cNvSpPr>
-            <a:spLocks noGrp="1"/>
-          </p:cNvSpPr>
-          <p:nvPr>
-            <p:ph type="dt" sz="half" idx="10"/>
-          </p:nvPr>
-        </p:nvSpPr>
-        <p:spPr/>
-        <p:txBody>
-          <a:bodyPr/>
-          <a:lstStyle/>
-          <a:p>
-            <a:pPr>
-              <a:defRPr/>
-            </a:pPr>
-            <a:r>
-              <a:rPr lang="en-US" smtClean="0"/>
-              <a:t>Murach's JavaScript and jQuery (3rd Ed.)</a:t>
-            </a:r>
-            <a:endParaRPr lang="en-US" dirty="0"/>
-          </a:p>
-        </p:txBody>
-      </p:sp>
-      <p:sp>
-        <p:nvSpPr>
           <p:cNvPr id="11" name="Footer Placeholder 10"/>
           <p:cNvSpPr>
             <a:spLocks noGrp="1"/>
@@ -10025,39 +9736,38 @@
               <a:defRPr/>
             </a:pPr>
             <a:r>
-              <a:rPr lang="en-US" smtClean="0"/>
+              <a:rPr lang="en-US"/>
               <a:t>© 2017, Mike Murach &amp; Associates, Inc.</a:t>
             </a:r>
+          </a:p>
+        </p:txBody>
+      </p:sp>
+      <p:sp>
+        <p:nvSpPr>
+          <p:cNvPr id="12" name="Slide Number Placeholder 11"/>
+          <p:cNvSpPr>
+            <a:spLocks noGrp="1"/>
+          </p:cNvSpPr>
+          <p:nvPr>
+            <p:ph type="sldNum" sz="quarter" idx="12"/>
+          </p:nvPr>
+        </p:nvSpPr>
+        <p:spPr/>
+        <p:txBody>
+          <a:bodyPr/>
+          <a:lstStyle/>
+          <a:p>
+            <a:pPr>
+              <a:defRPr/>
+            </a:pPr>
             <a:endParaRPr lang="en-US"/>
           </a:p>
-        </p:txBody>
-      </p:sp>
-      <p:sp>
-        <p:nvSpPr>
-          <p:cNvPr id="12" name="Slide Number Placeholder 11"/>
-          <p:cNvSpPr>
-            <a:spLocks noGrp="1"/>
-          </p:cNvSpPr>
-          <p:nvPr>
-            <p:ph type="sldNum" sz="quarter" idx="12"/>
-          </p:nvPr>
-        </p:nvSpPr>
-        <p:spPr/>
-        <p:txBody>
-          <a:bodyPr/>
-          <a:lstStyle/>
-          <a:p>
-            <a:pPr>
-              <a:defRPr/>
-            </a:pPr>
-            <a:endParaRPr lang="en-US" smtClean="0"/>
-          </a:p>
           <a:p>
             <a:pPr algn="r">
               <a:defRPr/>
             </a:pPr>
             <a:r>
-              <a:rPr lang="en-US" sz="900" smtClean="0">
+              <a:rPr lang="en-US" sz="900">
                 <a:solidFill>
                   <a:schemeClr val="bg1"/>
                 </a:solidFill>
@@ -10108,12 +9818,12 @@
           <a:graphicData uri="http://schemas.openxmlformats.org/presentationml/2006/ole">
             <mc:AlternateContent xmlns:mc="http://schemas.openxmlformats.org/markup-compatibility/2006">
               <mc:Choice xmlns:v="urn:schemas-microsoft-com:vml" Requires="v">
-                <p:oleObj spid="_x0000_s90151" name="Document" r:id="rId4" imgW="7313400" imgH="1610391" progId="Word.Document.12">
+                <p:oleObj spid="_x0000_s90154" name="Document" r:id="rId3" imgW="7313400" imgH="1610391" progId="Word.Document.12">
                   <p:embed/>
                 </p:oleObj>
               </mc:Choice>
               <mc:Fallback>
-                <p:oleObj name="Document" r:id="rId4" imgW="7313400" imgH="1610391" progId="Word.Document.12">
+                <p:oleObj name="Document" r:id="rId3" imgW="7313400" imgH="1610391" progId="Word.Document.12">
                   <p:embed/>
                   <p:pic>
                     <p:nvPicPr>
@@ -10122,7 +9832,7 @@
                       <p:nvPr/>
                     </p:nvPicPr>
                     <p:blipFill>
-                      <a:blip r:embed="rId5"/>
+                      <a:blip r:embed="rId4"/>
                       <a:stretch>
                         <a:fillRect/>
                       </a:stretch>
@@ -10153,13 +9863,6 @@
   <p:clrMapOvr>
     <a:masterClrMapping/>
   </p:clrMapOvr>
-  <p:timing>
-    <p:tnLst>
-      <p:par>
-        <p:cTn id="1" dur="indefinite" restart="never" nodeType="tmRoot"/>
-      </p:par>
-    </p:tnLst>
-  </p:timing>
 </p:sld>
 </file>
 
@@ -10199,20 +9902,12 @@
               <a:rPr lang="en-US" dirty="0"/>
               <a:t>Another method of the window object </a:t>
             </a:r>
-            <a:r>
-              <a:rPr lang="en-US" dirty="0" smtClean="0"/>
-              <a:t/>
-            </a:r>
             <a:br>
-              <a:rPr lang="en-US" dirty="0" smtClean="0"/>
+              <a:rPr lang="en-US" dirty="0"/>
             </a:br>
             <a:r>
-              <a:rPr lang="en-US" dirty="0" smtClean="0"/>
-              <a:t>that </a:t>
-            </a:r>
-            <a:r>
               <a:rPr lang="en-US" dirty="0"/>
-              <a:t>displays a dialog box</a:t>
+              <a:t>that displays a dialog box</a:t>
             </a:r>
           </a:p>
         </p:txBody>
@@ -10239,12 +9934,12 @@
           <a:graphicData uri="http://schemas.openxmlformats.org/presentationml/2006/ole">
             <mc:AlternateContent xmlns:mc="http://schemas.openxmlformats.org/markup-compatibility/2006">
               <mc:Choice xmlns:v="urn:schemas-microsoft-com:vml" Requires="v">
-                <p:oleObj spid="_x0000_s109587" name="Document" r:id="rId4" imgW="7301323" imgH="1848218" progId="Word.Document.12">
+                <p:oleObj spid="_x0000_s109590" name="Document" r:id="rId3" imgW="7301323" imgH="1848218" progId="Word.Document.12">
                   <p:embed/>
                 </p:oleObj>
               </mc:Choice>
               <mc:Fallback>
-                <p:oleObj name="Document" r:id="rId4" imgW="7301323" imgH="1848218" progId="Word.Document.12">
+                <p:oleObj name="Document" r:id="rId3" imgW="7301323" imgH="1848218" progId="Word.Document.12">
                   <p:embed/>
                   <p:pic>
                     <p:nvPicPr>
@@ -10255,7 +9950,7 @@
                       <p:nvPr/>
                     </p:nvPicPr>
                     <p:blipFill>
-                      <a:blip r:embed="rId5"/>
+                      <a:blip r:embed="rId4"/>
                       <a:srcRect/>
                       <a:stretch>
                         <a:fillRect/>
@@ -10319,7 +10014,7 @@
               <a:defRPr/>
             </a:pPr>
             <a:r>
-              <a:rPr lang="en-US" smtClean="0"/>
+              <a:rPr lang="en-US"/>
               <a:t>Murach's JavaScript and jQuery (3rd Ed.)</a:t>
             </a:r>
             <a:endParaRPr lang="en-US" dirty="0"/>
@@ -10345,39 +10040,38 @@
               <a:defRPr/>
             </a:pPr>
             <a:r>
-              <a:rPr lang="en-US" smtClean="0"/>
+              <a:rPr lang="en-US"/>
               <a:t>© 2017, Mike Murach &amp; Associates, Inc.</a:t>
             </a:r>
+          </a:p>
+        </p:txBody>
+      </p:sp>
+      <p:sp>
+        <p:nvSpPr>
+          <p:cNvPr id="12" name="Slide Number Placeholder 11"/>
+          <p:cNvSpPr>
+            <a:spLocks noGrp="1"/>
+          </p:cNvSpPr>
+          <p:nvPr>
+            <p:ph type="sldNum" sz="quarter" idx="12"/>
+          </p:nvPr>
+        </p:nvSpPr>
+        <p:spPr/>
+        <p:txBody>
+          <a:bodyPr/>
+          <a:lstStyle/>
+          <a:p>
+            <a:pPr>
+              <a:defRPr/>
+            </a:pPr>
             <a:endParaRPr lang="en-US"/>
           </a:p>
-        </p:txBody>
-      </p:sp>
-      <p:sp>
-        <p:nvSpPr>
-          <p:cNvPr id="12" name="Slide Number Placeholder 11"/>
-          <p:cNvSpPr>
-            <a:spLocks noGrp="1"/>
-          </p:cNvSpPr>
-          <p:nvPr>
-            <p:ph type="sldNum" sz="quarter" idx="12"/>
-          </p:nvPr>
-        </p:nvSpPr>
-        <p:spPr/>
-        <p:txBody>
-          <a:bodyPr/>
-          <a:lstStyle/>
-          <a:p>
-            <a:pPr>
-              <a:defRPr/>
-            </a:pPr>
-            <a:endParaRPr lang="en-US" smtClean="0"/>
-          </a:p>
           <a:p>
             <a:pPr algn="r">
               <a:defRPr/>
             </a:pPr>
             <a:r>
-              <a:rPr lang="en-US" sz="900" smtClean="0">
+              <a:rPr lang="en-US" sz="900">
                 <a:solidFill>
                   <a:schemeClr val="bg1"/>
                 </a:solidFill>
@@ -10416,13 +10110,6 @@
   <p:clrMapOvr>
     <a:masterClrMapping/>
   </p:clrMapOvr>
-  <p:timing>
-    <p:tnLst>
-      <p:par>
-        <p:cTn id="1" dur="indefinite" restart="never" nodeType="tmRoot"/>
-      </p:par>
-    </p:tnLst>
-  </p:timing>
 </p:sld>
 </file>
 
@@ -10464,56 +10151,55 @@
           <a:lstStyle/>
           <a:p>
             <a:r>
-              <a:rPr lang="en-US" dirty="0" smtClean="0"/>
+              <a:rPr lang="en-US" dirty="0"/>
               <a:t>JavaScript that attaches two event handlers</a:t>
             </a:r>
             <a:br>
-              <a:rPr lang="en-US" dirty="0" smtClean="0"/>
+              <a:rPr lang="en-US" dirty="0"/>
             </a:br>
             <a:r>
-              <a:rPr lang="en-US" dirty="0" smtClean="0"/>
+              <a:rPr lang="en-US" dirty="0"/>
               <a:t>in the </a:t>
             </a:r>
             <a:r>
-              <a:rPr lang="en-US" dirty="0" err="1" smtClean="0"/>
+              <a:rPr lang="en-US" dirty="0" err="1"/>
               <a:t>onload</a:t>
             </a:r>
             <a:r>
-              <a:rPr lang="en-US" dirty="0" smtClean="0"/>
+              <a:rPr lang="en-US" dirty="0"/>
               <a:t> event handler</a:t>
             </a:r>
+          </a:p>
+        </p:txBody>
+      </p:sp>
+      <p:sp>
+        <p:nvSpPr>
+          <p:cNvPr id="10" name="Date Placeholder 9"/>
+          <p:cNvSpPr>
+            <a:spLocks noGrp="1"/>
+          </p:cNvSpPr>
+          <p:nvPr>
+            <p:ph type="dt" sz="half" idx="10"/>
+          </p:nvPr>
+        </p:nvSpPr>
+        <p:spPr/>
+        <p:txBody>
+          <a:bodyPr/>
+          <a:lstStyle/>
+          <a:p>
+            <a:pPr>
+              <a:defRPr/>
+            </a:pPr>
+            <a:r>
+              <a:rPr lang="en-US"/>
+              <a:t>Murach's JavaScript and jQuery (3rd Ed.)</a:t>
+            </a:r>
             <a:endParaRPr lang="en-US" dirty="0"/>
           </a:p>
         </p:txBody>
       </p:sp>
       <p:sp>
         <p:nvSpPr>
-          <p:cNvPr id="10" name="Date Placeholder 9"/>
-          <p:cNvSpPr>
-            <a:spLocks noGrp="1"/>
-          </p:cNvSpPr>
-          <p:nvPr>
-            <p:ph type="dt" sz="half" idx="10"/>
-          </p:nvPr>
-        </p:nvSpPr>
-        <p:spPr/>
-        <p:txBody>
-          <a:bodyPr/>
-          <a:lstStyle/>
-          <a:p>
-            <a:pPr>
-              <a:defRPr/>
-            </a:pPr>
-            <a:r>
-              <a:rPr lang="en-US" smtClean="0"/>
-              <a:t>Murach's JavaScript and jQuery (3rd Ed.)</a:t>
-            </a:r>
-            <a:endParaRPr lang="en-US" dirty="0"/>
-          </a:p>
-        </p:txBody>
-      </p:sp>
-      <p:sp>
-        <p:nvSpPr>
           <p:cNvPr id="11" name="Footer Placeholder 10"/>
           <p:cNvSpPr>
             <a:spLocks noGrp="1"/>
@@ -10531,39 +10217,38 @@
               <a:defRPr/>
             </a:pPr>
             <a:r>
-              <a:rPr lang="en-US" smtClean="0"/>
+              <a:rPr lang="en-US"/>
               <a:t>© 2017, Mike Murach &amp; Associates, Inc.</a:t>
             </a:r>
+          </a:p>
+        </p:txBody>
+      </p:sp>
+      <p:sp>
+        <p:nvSpPr>
+          <p:cNvPr id="12" name="Slide Number Placeholder 11"/>
+          <p:cNvSpPr>
+            <a:spLocks noGrp="1"/>
+          </p:cNvSpPr>
+          <p:nvPr>
+            <p:ph type="sldNum" sz="quarter" idx="12"/>
+          </p:nvPr>
+        </p:nvSpPr>
+        <p:spPr/>
+        <p:txBody>
+          <a:bodyPr/>
+          <a:lstStyle/>
+          <a:p>
+            <a:pPr>
+              <a:defRPr/>
+            </a:pPr>
             <a:endParaRPr lang="en-US"/>
           </a:p>
-        </p:txBody>
-      </p:sp>
-      <p:sp>
-        <p:nvSpPr>
-          <p:cNvPr id="12" name="Slide Number Placeholder 11"/>
-          <p:cNvSpPr>
-            <a:spLocks noGrp="1"/>
-          </p:cNvSpPr>
-          <p:nvPr>
-            <p:ph type="sldNum" sz="quarter" idx="12"/>
-          </p:nvPr>
-        </p:nvSpPr>
-        <p:spPr/>
-        <p:txBody>
-          <a:bodyPr/>
-          <a:lstStyle/>
-          <a:p>
-            <a:pPr>
-              <a:defRPr/>
-            </a:pPr>
-            <a:endParaRPr lang="en-US" smtClean="0"/>
-          </a:p>
           <a:p>
             <a:pPr algn="r">
               <a:defRPr/>
             </a:pPr>
             <a:r>
-              <a:rPr lang="en-US" sz="900" smtClean="0">
+              <a:rPr lang="en-US" sz="900">
                 <a:solidFill>
                   <a:schemeClr val="bg1"/>
                 </a:solidFill>
@@ -10614,12 +10299,12 @@
           <a:graphicData uri="http://schemas.openxmlformats.org/presentationml/2006/ole">
             <mc:AlternateContent xmlns:mc="http://schemas.openxmlformats.org/markup-compatibility/2006">
               <mc:Choice xmlns:v="urn:schemas-microsoft-com:vml" Requires="v">
-                <p:oleObj spid="_x0000_s91176" name="Document" r:id="rId4" imgW="7313400" imgH="4140749" progId="Word.Document.12">
+                <p:oleObj spid="_x0000_s91179" name="Document" r:id="rId3" imgW="7313400" imgH="4140749" progId="Word.Document.12">
                   <p:embed/>
                 </p:oleObj>
               </mc:Choice>
               <mc:Fallback>
-                <p:oleObj name="Document" r:id="rId4" imgW="7313400" imgH="4140749" progId="Word.Document.12">
+                <p:oleObj name="Document" r:id="rId3" imgW="7313400" imgH="4140749" progId="Word.Document.12">
                   <p:embed/>
                   <p:pic>
                     <p:nvPicPr>
@@ -10628,7 +10313,7 @@
                       <p:nvPr/>
                     </p:nvPicPr>
                     <p:blipFill>
-                      <a:blip r:embed="rId5"/>
+                      <a:blip r:embed="rId4"/>
                       <a:stretch>
                         <a:fillRect/>
                       </a:stretch>
@@ -10659,13 +10344,6 @@
   <p:clrMapOvr>
     <a:masterClrMapping/>
   </p:clrMapOvr>
-  <p:timing>
-    <p:tnLst>
-      <p:par>
-        <p:cTn id="1" dur="indefinite" restart="never" nodeType="tmRoot"/>
-      </p:par>
-    </p:tnLst>
-  </p:timing>
 </p:sld>
 </file>
 
@@ -10702,17 +10380,16 @@
           <a:lstStyle/>
           <a:p>
             <a:r>
-              <a:rPr lang="en-US" dirty="0" smtClean="0"/>
+              <a:rPr lang="en-US" dirty="0"/>
               <a:t>The web browser after the Email Address </a:t>
             </a:r>
             <a:br>
-              <a:rPr lang="en-US" dirty="0" smtClean="0"/>
+              <a:rPr lang="en-US" dirty="0"/>
             </a:br>
             <a:r>
-              <a:rPr lang="en-US" dirty="0" smtClean="0"/>
+              <a:rPr lang="en-US" dirty="0"/>
               <a:t>has been changed</a:t>
             </a:r>
-            <a:endParaRPr lang="en-US" dirty="0"/>
           </a:p>
         </p:txBody>
       </p:sp>
@@ -10770,7 +10447,7 @@
               <a:defRPr/>
             </a:pPr>
             <a:r>
-              <a:rPr lang="en-US" smtClean="0"/>
+              <a:rPr lang="en-US"/>
               <a:t>Murach's JavaScript and jQuery (3rd Ed.)</a:t>
             </a:r>
             <a:endParaRPr lang="en-US" dirty="0"/>
@@ -10796,39 +10473,38 @@
               <a:defRPr/>
             </a:pPr>
             <a:r>
-              <a:rPr lang="en-US" smtClean="0"/>
+              <a:rPr lang="en-US"/>
               <a:t>© 2017, Mike Murach &amp; Associates, Inc.</a:t>
             </a:r>
+          </a:p>
+        </p:txBody>
+      </p:sp>
+      <p:sp>
+        <p:nvSpPr>
+          <p:cNvPr id="12" name="Slide Number Placeholder 11"/>
+          <p:cNvSpPr>
+            <a:spLocks noGrp="1"/>
+          </p:cNvSpPr>
+          <p:nvPr>
+            <p:ph type="sldNum" sz="quarter" idx="12"/>
+          </p:nvPr>
+        </p:nvSpPr>
+        <p:spPr/>
+        <p:txBody>
+          <a:bodyPr/>
+          <a:lstStyle/>
+          <a:p>
+            <a:pPr>
+              <a:defRPr/>
+            </a:pPr>
             <a:endParaRPr lang="en-US"/>
           </a:p>
-        </p:txBody>
-      </p:sp>
-      <p:sp>
-        <p:nvSpPr>
-          <p:cNvPr id="12" name="Slide Number Placeholder 11"/>
-          <p:cNvSpPr>
-            <a:spLocks noGrp="1"/>
-          </p:cNvSpPr>
-          <p:nvPr>
-            <p:ph type="sldNum" sz="quarter" idx="12"/>
-          </p:nvPr>
-        </p:nvSpPr>
-        <p:spPr/>
-        <p:txBody>
-          <a:bodyPr/>
-          <a:lstStyle/>
-          <a:p>
-            <a:pPr>
-              <a:defRPr/>
-            </a:pPr>
-            <a:endParaRPr lang="en-US" smtClean="0"/>
-          </a:p>
           <a:p>
             <a:pPr algn="r">
               <a:defRPr/>
             </a:pPr>
             <a:r>
-              <a:rPr lang="en-US" sz="900" smtClean="0">
+              <a:rPr lang="en-US" sz="900">
                 <a:solidFill>
                   <a:schemeClr val="bg1"/>
                 </a:solidFill>
@@ -10867,13 +10543,6 @@
   <p:clrMapOvr>
     <a:masterClrMapping/>
   </p:clrMapOvr>
-  <p:timing>
-    <p:tnLst>
-      <p:par>
-        <p:cTn id="1" dur="indefinite" restart="never" nodeType="tmRoot"/>
-      </p:par>
-    </p:tnLst>
-  </p:timing>
 </p:sld>
 </file>
 
@@ -10963,7 +10632,7 @@
               <a:defRPr/>
             </a:pPr>
             <a:r>
-              <a:rPr lang="en-US" smtClean="0"/>
+              <a:rPr lang="en-US"/>
               <a:t>Murach's JavaScript and jQuery (3rd Ed.)</a:t>
             </a:r>
             <a:endParaRPr lang="en-US" dirty="0"/>
@@ -10989,39 +10658,38 @@
               <a:defRPr/>
             </a:pPr>
             <a:r>
-              <a:rPr lang="en-US" smtClean="0"/>
+              <a:rPr lang="en-US"/>
               <a:t>© 2017, Mike Murach &amp; Associates, Inc.</a:t>
             </a:r>
+          </a:p>
+        </p:txBody>
+      </p:sp>
+      <p:sp>
+        <p:nvSpPr>
+          <p:cNvPr id="12" name="Slide Number Placeholder 11"/>
+          <p:cNvSpPr>
+            <a:spLocks noGrp="1"/>
+          </p:cNvSpPr>
+          <p:nvPr>
+            <p:ph type="sldNum" sz="quarter" idx="12"/>
+          </p:nvPr>
+        </p:nvSpPr>
+        <p:spPr/>
+        <p:txBody>
+          <a:bodyPr/>
+          <a:lstStyle/>
+          <a:p>
+            <a:pPr>
+              <a:defRPr/>
+            </a:pPr>
             <a:endParaRPr lang="en-US"/>
           </a:p>
-        </p:txBody>
-      </p:sp>
-      <p:sp>
-        <p:nvSpPr>
-          <p:cNvPr id="12" name="Slide Number Placeholder 11"/>
-          <p:cNvSpPr>
-            <a:spLocks noGrp="1"/>
-          </p:cNvSpPr>
-          <p:nvPr>
-            <p:ph type="sldNum" sz="quarter" idx="12"/>
-          </p:nvPr>
-        </p:nvSpPr>
-        <p:spPr/>
-        <p:txBody>
-          <a:bodyPr/>
-          <a:lstStyle/>
-          <a:p>
-            <a:pPr>
-              <a:defRPr/>
-            </a:pPr>
-            <a:endParaRPr lang="en-US" smtClean="0"/>
-          </a:p>
           <a:p>
             <a:pPr algn="r">
               <a:defRPr/>
             </a:pPr>
             <a:r>
-              <a:rPr lang="en-US" sz="900" smtClean="0">
+              <a:rPr lang="en-US" sz="900">
                 <a:solidFill>
                   <a:schemeClr val="bg1"/>
                 </a:solidFill>
@@ -11060,13 +10728,6 @@
   <p:clrMapOvr>
     <a:masterClrMapping/>
   </p:clrMapOvr>
-  <p:timing>
-    <p:tnLst>
-      <p:par>
-        <p:cTn id="1" dur="indefinite" restart="never" nodeType="tmRoot"/>
-      </p:par>
-    </p:tnLst>
-  </p:timing>
 </p:sld>
 </file>
 
@@ -11103,41 +10764,40 @@
           <a:lstStyle/>
           <a:p>
             <a:r>
-              <a:rPr lang="en-US" dirty="0" smtClean="0"/>
+              <a:rPr lang="en-US" dirty="0"/>
               <a:t>The HTML and JavaScript for the application</a:t>
             </a:r>
+          </a:p>
+        </p:txBody>
+      </p:sp>
+      <p:sp>
+        <p:nvSpPr>
+          <p:cNvPr id="10" name="Date Placeholder 9"/>
+          <p:cNvSpPr>
+            <a:spLocks noGrp="1"/>
+          </p:cNvSpPr>
+          <p:nvPr>
+            <p:ph type="dt" sz="half" idx="10"/>
+          </p:nvPr>
+        </p:nvSpPr>
+        <p:spPr/>
+        <p:txBody>
+          <a:bodyPr/>
+          <a:lstStyle/>
+          <a:p>
+            <a:pPr>
+              <a:defRPr/>
+            </a:pPr>
+            <a:r>
+              <a:rPr lang="en-US"/>
+              <a:t>Murach's JavaScript and jQuery (3rd Ed.)</a:t>
+            </a:r>
             <a:endParaRPr lang="en-US" dirty="0"/>
           </a:p>
         </p:txBody>
       </p:sp>
       <p:sp>
         <p:nvSpPr>
-          <p:cNvPr id="10" name="Date Placeholder 9"/>
-          <p:cNvSpPr>
-            <a:spLocks noGrp="1"/>
-          </p:cNvSpPr>
-          <p:nvPr>
-            <p:ph type="dt" sz="half" idx="10"/>
-          </p:nvPr>
-        </p:nvSpPr>
-        <p:spPr/>
-        <p:txBody>
-          <a:bodyPr/>
-          <a:lstStyle/>
-          <a:p>
-            <a:pPr>
-              <a:defRPr/>
-            </a:pPr>
-            <a:r>
-              <a:rPr lang="en-US" smtClean="0"/>
-              <a:t>Murach's JavaScript and jQuery (3rd Ed.)</a:t>
-            </a:r>
-            <a:endParaRPr lang="en-US" dirty="0"/>
-          </a:p>
-        </p:txBody>
-      </p:sp>
-      <p:sp>
-        <p:nvSpPr>
           <p:cNvPr id="11" name="Footer Placeholder 10"/>
           <p:cNvSpPr>
             <a:spLocks noGrp="1"/>
@@ -11155,39 +10815,38 @@
               <a:defRPr/>
             </a:pPr>
             <a:r>
-              <a:rPr lang="en-US" smtClean="0"/>
+              <a:rPr lang="en-US"/>
               <a:t>© 2017, Mike Murach &amp; Associates, Inc.</a:t>
             </a:r>
+          </a:p>
+        </p:txBody>
+      </p:sp>
+      <p:sp>
+        <p:nvSpPr>
+          <p:cNvPr id="12" name="Slide Number Placeholder 11"/>
+          <p:cNvSpPr>
+            <a:spLocks noGrp="1"/>
+          </p:cNvSpPr>
+          <p:nvPr>
+            <p:ph type="sldNum" sz="quarter" idx="12"/>
+          </p:nvPr>
+        </p:nvSpPr>
+        <p:spPr/>
+        <p:txBody>
+          <a:bodyPr/>
+          <a:lstStyle/>
+          <a:p>
+            <a:pPr>
+              <a:defRPr/>
+            </a:pPr>
             <a:endParaRPr lang="en-US"/>
           </a:p>
-        </p:txBody>
-      </p:sp>
-      <p:sp>
-        <p:nvSpPr>
-          <p:cNvPr id="12" name="Slide Number Placeholder 11"/>
-          <p:cNvSpPr>
-            <a:spLocks noGrp="1"/>
-          </p:cNvSpPr>
-          <p:nvPr>
-            <p:ph type="sldNum" sz="quarter" idx="12"/>
-          </p:nvPr>
-        </p:nvSpPr>
-        <p:spPr/>
-        <p:txBody>
-          <a:bodyPr/>
-          <a:lstStyle/>
-          <a:p>
-            <a:pPr>
-              <a:defRPr/>
-            </a:pPr>
-            <a:endParaRPr lang="en-US" smtClean="0"/>
-          </a:p>
           <a:p>
             <a:pPr algn="r">
               <a:defRPr/>
             </a:pPr>
             <a:r>
-              <a:rPr lang="en-US" sz="900" smtClean="0">
+              <a:rPr lang="en-US" sz="900">
                 <a:solidFill>
                   <a:schemeClr val="bg1"/>
                 </a:solidFill>
@@ -11238,12 +10897,12 @@
           <a:graphicData uri="http://schemas.openxmlformats.org/presentationml/2006/ole">
             <mc:AlternateContent xmlns:mc="http://schemas.openxmlformats.org/markup-compatibility/2006">
               <mc:Choice xmlns:v="urn:schemas-microsoft-com:vml" Requires="v">
-                <p:oleObj spid="_x0000_s94248" name="Document" r:id="rId4" imgW="7313400" imgH="4862834" progId="Word.Document.12">
+                <p:oleObj spid="_x0000_s94251" name="Document" r:id="rId3" imgW="7313400" imgH="4862834" progId="Word.Document.12">
                   <p:embed/>
                 </p:oleObj>
               </mc:Choice>
               <mc:Fallback>
-                <p:oleObj name="Document" r:id="rId4" imgW="7313400" imgH="4862834" progId="Word.Document.12">
+                <p:oleObj name="Document" r:id="rId3" imgW="7313400" imgH="4862834" progId="Word.Document.12">
                   <p:embed/>
                   <p:pic>
                     <p:nvPicPr>
@@ -11252,7 +10911,7 @@
                       <p:nvPr/>
                     </p:nvPicPr>
                     <p:blipFill>
-                      <a:blip r:embed="rId5"/>
+                      <a:blip r:embed="rId4"/>
                       <a:stretch>
                         <a:fillRect/>
                       </a:stretch>
@@ -11283,13 +10942,6 @@
   <p:clrMapOvr>
     <a:masterClrMapping/>
   </p:clrMapOvr>
-  <p:timing>
-    <p:tnLst>
-      <p:par>
-        <p:cTn id="1" dur="indefinite" restart="never" nodeType="tmRoot"/>
-      </p:par>
-    </p:tnLst>
-  </p:timing>
 </p:sld>
 </file>
 
@@ -11326,41 +10978,40 @@
           <a:lstStyle/>
           <a:p>
             <a:r>
-              <a:rPr lang="en-US" dirty="0" smtClean="0"/>
+              <a:rPr lang="en-US" dirty="0"/>
               <a:t>The HTML and JavaScript (continued)</a:t>
             </a:r>
+          </a:p>
+        </p:txBody>
+      </p:sp>
+      <p:sp>
+        <p:nvSpPr>
+          <p:cNvPr id="10" name="Date Placeholder 9"/>
+          <p:cNvSpPr>
+            <a:spLocks noGrp="1"/>
+          </p:cNvSpPr>
+          <p:nvPr>
+            <p:ph type="dt" sz="half" idx="10"/>
+          </p:nvPr>
+        </p:nvSpPr>
+        <p:spPr/>
+        <p:txBody>
+          <a:bodyPr/>
+          <a:lstStyle/>
+          <a:p>
+            <a:pPr>
+              <a:defRPr/>
+            </a:pPr>
+            <a:r>
+              <a:rPr lang="en-US"/>
+              <a:t>Murach's JavaScript and jQuery (3rd Ed.)</a:t>
+            </a:r>
             <a:endParaRPr lang="en-US" dirty="0"/>
           </a:p>
         </p:txBody>
       </p:sp>
       <p:sp>
         <p:nvSpPr>
-          <p:cNvPr id="10" name="Date Placeholder 9"/>
-          <p:cNvSpPr>
-            <a:spLocks noGrp="1"/>
-          </p:cNvSpPr>
-          <p:nvPr>
-            <p:ph type="dt" sz="half" idx="10"/>
-          </p:nvPr>
-        </p:nvSpPr>
-        <p:spPr/>
-        <p:txBody>
-          <a:bodyPr/>
-          <a:lstStyle/>
-          <a:p>
-            <a:pPr>
-              <a:defRPr/>
-            </a:pPr>
-            <a:r>
-              <a:rPr lang="en-US" smtClean="0"/>
-              <a:t>Murach's JavaScript and jQuery (3rd Ed.)</a:t>
-            </a:r>
-            <a:endParaRPr lang="en-US" dirty="0"/>
-          </a:p>
-        </p:txBody>
-      </p:sp>
-      <p:sp>
-        <p:nvSpPr>
           <p:cNvPr id="11" name="Footer Placeholder 10"/>
           <p:cNvSpPr>
             <a:spLocks noGrp="1"/>
@@ -11378,39 +11029,38 @@
               <a:defRPr/>
             </a:pPr>
             <a:r>
-              <a:rPr lang="en-US" smtClean="0"/>
+              <a:rPr lang="en-US"/>
               <a:t>© 2017, Mike Murach &amp; Associates, Inc.</a:t>
             </a:r>
+          </a:p>
+        </p:txBody>
+      </p:sp>
+      <p:sp>
+        <p:nvSpPr>
+          <p:cNvPr id="12" name="Slide Number Placeholder 11"/>
+          <p:cNvSpPr>
+            <a:spLocks noGrp="1"/>
+          </p:cNvSpPr>
+          <p:nvPr>
+            <p:ph type="sldNum" sz="quarter" idx="12"/>
+          </p:nvPr>
+        </p:nvSpPr>
+        <p:spPr/>
+        <p:txBody>
+          <a:bodyPr/>
+          <a:lstStyle/>
+          <a:p>
+            <a:pPr>
+              <a:defRPr/>
+            </a:pPr>
             <a:endParaRPr lang="en-US"/>
           </a:p>
-        </p:txBody>
-      </p:sp>
-      <p:sp>
-        <p:nvSpPr>
-          <p:cNvPr id="12" name="Slide Number Placeholder 11"/>
-          <p:cNvSpPr>
-            <a:spLocks noGrp="1"/>
-          </p:cNvSpPr>
-          <p:nvPr>
-            <p:ph type="sldNum" sz="quarter" idx="12"/>
-          </p:nvPr>
-        </p:nvSpPr>
-        <p:spPr/>
-        <p:txBody>
-          <a:bodyPr/>
-          <a:lstStyle/>
-          <a:p>
-            <a:pPr>
-              <a:defRPr/>
-            </a:pPr>
-            <a:endParaRPr lang="en-US" smtClean="0"/>
-          </a:p>
           <a:p>
             <a:pPr algn="r">
               <a:defRPr/>
             </a:pPr>
             <a:r>
-              <a:rPr lang="en-US" sz="900" smtClean="0">
+              <a:rPr lang="en-US" sz="900">
                 <a:solidFill>
                   <a:schemeClr val="bg1"/>
                 </a:solidFill>
@@ -11461,12 +11111,12 @@
           <a:graphicData uri="http://schemas.openxmlformats.org/presentationml/2006/ole">
             <mc:AlternateContent xmlns:mc="http://schemas.openxmlformats.org/markup-compatibility/2006">
               <mc:Choice xmlns:v="urn:schemas-microsoft-com:vml" Requires="v">
-                <p:oleObj spid="_x0000_s123924" name="Document" r:id="rId5" imgW="7313400" imgH="4058358" progId="Word.Document.12">
+                <p:oleObj spid="_x0000_s123927" name="Document" r:id="rId4" imgW="7313400" imgH="4058358" progId="Word.Document.12">
                   <p:embed/>
                 </p:oleObj>
               </mc:Choice>
               <mc:Fallback>
-                <p:oleObj name="Document" r:id="rId5" imgW="7313400" imgH="4058358" progId="Word.Document.12">
+                <p:oleObj name="Document" r:id="rId4" imgW="7313400" imgH="4058358" progId="Word.Document.12">
                   <p:embed/>
                   <p:pic>
                     <p:nvPicPr>
@@ -11475,7 +11125,7 @@
                       <p:nvPr/>
                     </p:nvPicPr>
                     <p:blipFill>
-                      <a:blip r:embed="rId6"/>
+                      <a:blip r:embed="rId5"/>
                       <a:stretch>
                         <a:fillRect/>
                       </a:stretch>
@@ -11506,13 +11156,6 @@
   <p:clrMapOvr>
     <a:masterClrMapping/>
   </p:clrMapOvr>
-  <p:timing>
-    <p:tnLst>
-      <p:par>
-        <p:cTn id="1" dur="indefinite" restart="never" nodeType="tmRoot"/>
-      </p:par>
-    </p:tnLst>
-  </p:timing>
 </p:sld>
 </file>
 
@@ -11574,7 +11217,7 @@
               <a:defRPr/>
             </a:pPr>
             <a:r>
-              <a:rPr lang="en-US" smtClean="0"/>
+              <a:rPr lang="en-US"/>
               <a:t>Murach's JavaScript and jQuery (3rd Ed.)</a:t>
             </a:r>
             <a:endParaRPr lang="en-US" dirty="0"/>
@@ -11600,39 +11243,38 @@
               <a:defRPr/>
             </a:pPr>
             <a:r>
-              <a:rPr lang="en-US" smtClean="0"/>
+              <a:rPr lang="en-US"/>
               <a:t>© 2017, Mike Murach &amp; Associates, Inc.</a:t>
             </a:r>
+          </a:p>
+        </p:txBody>
+      </p:sp>
+      <p:sp>
+        <p:nvSpPr>
+          <p:cNvPr id="12" name="Slide Number Placeholder 11"/>
+          <p:cNvSpPr>
+            <a:spLocks noGrp="1"/>
+          </p:cNvSpPr>
+          <p:nvPr>
+            <p:ph type="sldNum" sz="quarter" idx="12"/>
+          </p:nvPr>
+        </p:nvSpPr>
+        <p:spPr/>
+        <p:txBody>
+          <a:bodyPr/>
+          <a:lstStyle/>
+          <a:p>
+            <a:pPr>
+              <a:defRPr/>
+            </a:pPr>
             <a:endParaRPr lang="en-US"/>
           </a:p>
-        </p:txBody>
-      </p:sp>
-      <p:sp>
-        <p:nvSpPr>
-          <p:cNvPr id="12" name="Slide Number Placeholder 11"/>
-          <p:cNvSpPr>
-            <a:spLocks noGrp="1"/>
-          </p:cNvSpPr>
-          <p:nvPr>
-            <p:ph type="sldNum" sz="quarter" idx="12"/>
-          </p:nvPr>
-        </p:nvSpPr>
-        <p:spPr/>
-        <p:txBody>
-          <a:bodyPr/>
-          <a:lstStyle/>
-          <a:p>
-            <a:pPr>
-              <a:defRPr/>
-            </a:pPr>
-            <a:endParaRPr lang="en-US" smtClean="0"/>
-          </a:p>
           <a:p>
             <a:pPr algn="r">
               <a:defRPr/>
             </a:pPr>
             <a:r>
-              <a:rPr lang="en-US" sz="900" smtClean="0">
+              <a:rPr lang="en-US" sz="900">
                 <a:solidFill>
                   <a:schemeClr val="bg1"/>
                 </a:solidFill>
@@ -11699,13 +11341,6 @@
   <p:clrMapOvr>
     <a:masterClrMapping/>
   </p:clrMapOvr>
-  <p:timing>
-    <p:tnLst>
-      <p:par>
-        <p:cTn id="1" dur="indefinite" restart="never" nodeType="tmRoot"/>
-      </p:par>
-    </p:tnLst>
-  </p:timing>
 </p:sld>
 </file>
 
@@ -11767,7 +11402,7 @@
               <a:defRPr/>
             </a:pPr>
             <a:r>
-              <a:rPr lang="en-US" smtClean="0"/>
+              <a:rPr lang="en-US"/>
               <a:t>Murach's JavaScript and jQuery (3rd Ed.)</a:t>
             </a:r>
             <a:endParaRPr lang="en-US" dirty="0"/>
@@ -11793,39 +11428,38 @@
               <a:defRPr/>
             </a:pPr>
             <a:r>
-              <a:rPr lang="en-US" smtClean="0"/>
+              <a:rPr lang="en-US"/>
               <a:t>© 2017, Mike Murach &amp; Associates, Inc.</a:t>
             </a:r>
+          </a:p>
+        </p:txBody>
+      </p:sp>
+      <p:sp>
+        <p:nvSpPr>
+          <p:cNvPr id="12" name="Slide Number Placeholder 11"/>
+          <p:cNvSpPr>
+            <a:spLocks noGrp="1"/>
+          </p:cNvSpPr>
+          <p:nvPr>
+            <p:ph type="sldNum" sz="quarter" idx="12"/>
+          </p:nvPr>
+        </p:nvSpPr>
+        <p:spPr/>
+        <p:txBody>
+          <a:bodyPr/>
+          <a:lstStyle/>
+          <a:p>
+            <a:pPr>
+              <a:defRPr/>
+            </a:pPr>
             <a:endParaRPr lang="en-US"/>
           </a:p>
-        </p:txBody>
-      </p:sp>
-      <p:sp>
-        <p:nvSpPr>
-          <p:cNvPr id="12" name="Slide Number Placeholder 11"/>
-          <p:cNvSpPr>
-            <a:spLocks noGrp="1"/>
-          </p:cNvSpPr>
-          <p:nvPr>
-            <p:ph type="sldNum" sz="quarter" idx="12"/>
-          </p:nvPr>
-        </p:nvSpPr>
-        <p:spPr/>
-        <p:txBody>
-          <a:bodyPr/>
-          <a:lstStyle/>
-          <a:p>
-            <a:pPr>
-              <a:defRPr/>
-            </a:pPr>
-            <a:endParaRPr lang="en-US" smtClean="0"/>
-          </a:p>
           <a:p>
             <a:pPr algn="r">
               <a:defRPr/>
             </a:pPr>
             <a:r>
-              <a:rPr lang="en-US" sz="900" smtClean="0">
+              <a:rPr lang="en-US" sz="900">
                 <a:solidFill>
                   <a:schemeClr val="bg1"/>
                 </a:solidFill>
@@ -11876,12 +11510,12 @@
           <a:graphicData uri="http://schemas.openxmlformats.org/presentationml/2006/ole">
             <mc:AlternateContent xmlns:mc="http://schemas.openxmlformats.org/markup-compatibility/2006">
               <mc:Choice xmlns:v="urn:schemas-microsoft-com:vml" Requires="v">
-                <p:oleObj spid="_x0000_s124949" name="Document" r:id="rId4" imgW="7301323" imgH="3913917" progId="Word.Document.12">
+                <p:oleObj spid="_x0000_s124952" name="Document" r:id="rId3" imgW="7301323" imgH="3913917" progId="Word.Document.12">
                   <p:embed/>
                 </p:oleObj>
               </mc:Choice>
               <mc:Fallback>
-                <p:oleObj name="Document" r:id="rId4" imgW="7301323" imgH="3913917" progId="Word.Document.12">
+                <p:oleObj name="Document" r:id="rId3" imgW="7301323" imgH="3913917" progId="Word.Document.12">
                   <p:embed/>
                   <p:pic>
                     <p:nvPicPr>
@@ -11890,7 +11524,7 @@
                       <p:nvPr/>
                     </p:nvPicPr>
                     <p:blipFill>
-                      <a:blip r:embed="rId5"/>
+                      <a:blip r:embed="rId4"/>
                       <a:stretch>
                         <a:fillRect/>
                       </a:stretch>
@@ -11921,13 +11555,6 @@
   <p:clrMapOvr>
     <a:masterClrMapping/>
   </p:clrMapOvr>
-  <p:timing>
-    <p:tnLst>
-      <p:par>
-        <p:cTn id="1" dur="indefinite" restart="never" nodeType="tmRoot"/>
-      </p:par>
-    </p:tnLst>
-  </p:timing>
 </p:sld>
 </file>
 
@@ -11965,11 +11592,32 @@
           <a:p>
             <a:r>
               <a:rPr lang="en-US" dirty="0"/>
-              <a:t>The HTML file for the </a:t>
-            </a:r>
-            <a:r>
-              <a:rPr lang="en-US" dirty="0" smtClean="0"/>
-              <a:t>page (continued)</a:t>
+              <a:t>The HTML file for the page (continued)</a:t>
+            </a:r>
+          </a:p>
+        </p:txBody>
+      </p:sp>
+      <p:sp>
+        <p:nvSpPr>
+          <p:cNvPr id="10" name="Date Placeholder 9"/>
+          <p:cNvSpPr>
+            <a:spLocks noGrp="1"/>
+          </p:cNvSpPr>
+          <p:nvPr>
+            <p:ph type="dt" sz="half" idx="10"/>
+          </p:nvPr>
+        </p:nvSpPr>
+        <p:spPr/>
+        <p:txBody>
+          <a:bodyPr/>
+          <a:lstStyle/>
+          <a:p>
+            <a:pPr>
+              <a:defRPr/>
+            </a:pPr>
+            <a:r>
+              <a:rPr lang="en-US"/>
+              <a:t>Murach's JavaScript and jQuery (3rd Ed.)</a:t>
             </a:r>
             <a:endParaRPr lang="en-US" dirty="0"/>
           </a:p>
@@ -11977,32 +11625,6 @@
       </p:sp>
       <p:sp>
         <p:nvSpPr>
-          <p:cNvPr id="10" name="Date Placeholder 9"/>
-          <p:cNvSpPr>
-            <a:spLocks noGrp="1"/>
-          </p:cNvSpPr>
-          <p:nvPr>
-            <p:ph type="dt" sz="half" idx="10"/>
-          </p:nvPr>
-        </p:nvSpPr>
-        <p:spPr/>
-        <p:txBody>
-          <a:bodyPr/>
-          <a:lstStyle/>
-          <a:p>
-            <a:pPr>
-              <a:defRPr/>
-            </a:pPr>
-            <a:r>
-              <a:rPr lang="en-US" smtClean="0"/>
-              <a:t>Murach's JavaScript and jQuery (3rd Ed.)</a:t>
-            </a:r>
-            <a:endParaRPr lang="en-US" dirty="0"/>
-          </a:p>
-        </p:txBody>
-      </p:sp>
-      <p:sp>
-        <p:nvSpPr>
           <p:cNvPr id="11" name="Footer Placeholder 10"/>
           <p:cNvSpPr>
             <a:spLocks noGrp="1"/>
@@ -12020,39 +11642,38 @@
               <a:defRPr/>
             </a:pPr>
             <a:r>
-              <a:rPr lang="en-US" smtClean="0"/>
+              <a:rPr lang="en-US"/>
               <a:t>© 2017, Mike Murach &amp; Associates, Inc.</a:t>
             </a:r>
+          </a:p>
+        </p:txBody>
+      </p:sp>
+      <p:sp>
+        <p:nvSpPr>
+          <p:cNvPr id="12" name="Slide Number Placeholder 11"/>
+          <p:cNvSpPr>
+            <a:spLocks noGrp="1"/>
+          </p:cNvSpPr>
+          <p:nvPr>
+            <p:ph type="sldNum" sz="quarter" idx="12"/>
+          </p:nvPr>
+        </p:nvSpPr>
+        <p:spPr/>
+        <p:txBody>
+          <a:bodyPr/>
+          <a:lstStyle/>
+          <a:p>
+            <a:pPr>
+              <a:defRPr/>
+            </a:pPr>
             <a:endParaRPr lang="en-US"/>
           </a:p>
-        </p:txBody>
-      </p:sp>
-      <p:sp>
-        <p:nvSpPr>
-          <p:cNvPr id="12" name="Slide Number Placeholder 11"/>
-          <p:cNvSpPr>
-            <a:spLocks noGrp="1"/>
-          </p:cNvSpPr>
-          <p:nvPr>
-            <p:ph type="sldNum" sz="quarter" idx="12"/>
-          </p:nvPr>
-        </p:nvSpPr>
-        <p:spPr/>
-        <p:txBody>
-          <a:bodyPr/>
-          <a:lstStyle/>
-          <a:p>
-            <a:pPr>
-              <a:defRPr/>
-            </a:pPr>
-            <a:endParaRPr lang="en-US" smtClean="0"/>
-          </a:p>
           <a:p>
             <a:pPr algn="r">
               <a:defRPr/>
             </a:pPr>
             <a:r>
-              <a:rPr lang="en-US" sz="900" smtClean="0">
+              <a:rPr lang="en-US" sz="900">
                 <a:solidFill>
                   <a:schemeClr val="bg1"/>
                 </a:solidFill>
@@ -12103,12 +11724,12 @@
           <a:graphicData uri="http://schemas.openxmlformats.org/presentationml/2006/ole">
             <mc:AlternateContent xmlns:mc="http://schemas.openxmlformats.org/markup-compatibility/2006">
               <mc:Choice xmlns:v="urn:schemas-microsoft-com:vml" Requires="v">
-                <p:oleObj spid="_x0000_s125972" name="Document" r:id="rId4" imgW="7313400" imgH="3680945" progId="Word.Document.12">
+                <p:oleObj spid="_x0000_s125975" name="Document" r:id="rId3" imgW="7313400" imgH="3680945" progId="Word.Document.12">
                   <p:embed/>
                 </p:oleObj>
               </mc:Choice>
               <mc:Fallback>
-                <p:oleObj name="Document" r:id="rId4" imgW="7313400" imgH="3680945" progId="Word.Document.12">
+                <p:oleObj name="Document" r:id="rId3" imgW="7313400" imgH="3680945" progId="Word.Document.12">
                   <p:embed/>
                   <p:pic>
                     <p:nvPicPr>
@@ -12117,7 +11738,7 @@
                       <p:nvPr/>
                     </p:nvPicPr>
                     <p:blipFill>
-                      <a:blip r:embed="rId5"/>
+                      <a:blip r:embed="rId4"/>
                       <a:stretch>
                         <a:fillRect/>
                       </a:stretch>
@@ -12148,13 +11769,6 @@
   <p:clrMapOvr>
     <a:masterClrMapping/>
   </p:clrMapOvr>
-  <p:timing>
-    <p:tnLst>
-      <p:par>
-        <p:cTn id="1" dur="indefinite" restart="never" nodeType="tmRoot"/>
-      </p:par>
-    </p:tnLst>
-  </p:timing>
 </p:sld>
 </file>
 
@@ -12192,11 +11806,32 @@
           <a:p>
             <a:r>
               <a:rPr lang="en-US" dirty="0"/>
-              <a:t>The JavaScript for the Email List </a:t>
-            </a:r>
-            <a:r>
-              <a:rPr lang="en-US" dirty="0" smtClean="0"/>
-              <a:t>application</a:t>
+              <a:t>The JavaScript for the Email List application</a:t>
+            </a:r>
+          </a:p>
+        </p:txBody>
+      </p:sp>
+      <p:sp>
+        <p:nvSpPr>
+          <p:cNvPr id="10" name="Date Placeholder 9"/>
+          <p:cNvSpPr>
+            <a:spLocks noGrp="1"/>
+          </p:cNvSpPr>
+          <p:nvPr>
+            <p:ph type="dt" sz="half" idx="10"/>
+          </p:nvPr>
+        </p:nvSpPr>
+        <p:spPr/>
+        <p:txBody>
+          <a:bodyPr/>
+          <a:lstStyle/>
+          <a:p>
+            <a:pPr>
+              <a:defRPr/>
+            </a:pPr>
+            <a:r>
+              <a:rPr lang="en-US"/>
+              <a:t>Murach's JavaScript and jQuery (3rd Ed.)</a:t>
             </a:r>
             <a:endParaRPr lang="en-US" dirty="0"/>
           </a:p>
@@ -12204,32 +11839,6 @@
       </p:sp>
       <p:sp>
         <p:nvSpPr>
-          <p:cNvPr id="10" name="Date Placeholder 9"/>
-          <p:cNvSpPr>
-            <a:spLocks noGrp="1"/>
-          </p:cNvSpPr>
-          <p:nvPr>
-            <p:ph type="dt" sz="half" idx="10"/>
-          </p:nvPr>
-        </p:nvSpPr>
-        <p:spPr/>
-        <p:txBody>
-          <a:bodyPr/>
-          <a:lstStyle/>
-          <a:p>
-            <a:pPr>
-              <a:defRPr/>
-            </a:pPr>
-            <a:r>
-              <a:rPr lang="en-US" smtClean="0"/>
-              <a:t>Murach's JavaScript and jQuery (3rd Ed.)</a:t>
-            </a:r>
-            <a:endParaRPr lang="en-US" dirty="0"/>
-          </a:p>
-        </p:txBody>
-      </p:sp>
-      <p:sp>
-        <p:nvSpPr>
           <p:cNvPr id="11" name="Footer Placeholder 10"/>
           <p:cNvSpPr>
             <a:spLocks noGrp="1"/>
@@ -12247,39 +11856,38 @@
               <a:defRPr/>
             </a:pPr>
             <a:r>
-              <a:rPr lang="en-US" smtClean="0"/>
+              <a:rPr lang="en-US"/>
               <a:t>© 2017, Mike Murach &amp; Associates, Inc.</a:t>
             </a:r>
+          </a:p>
+        </p:txBody>
+      </p:sp>
+      <p:sp>
+        <p:nvSpPr>
+          <p:cNvPr id="12" name="Slide Number Placeholder 11"/>
+          <p:cNvSpPr>
+            <a:spLocks noGrp="1"/>
+          </p:cNvSpPr>
+          <p:nvPr>
+            <p:ph type="sldNum" sz="quarter" idx="12"/>
+          </p:nvPr>
+        </p:nvSpPr>
+        <p:spPr/>
+        <p:txBody>
+          <a:bodyPr/>
+          <a:lstStyle/>
+          <a:p>
+            <a:pPr>
+              <a:defRPr/>
+            </a:pPr>
             <a:endParaRPr lang="en-US"/>
           </a:p>
-        </p:txBody>
-      </p:sp>
-      <p:sp>
-        <p:nvSpPr>
-          <p:cNvPr id="12" name="Slide Number Placeholder 11"/>
-          <p:cNvSpPr>
-            <a:spLocks noGrp="1"/>
-          </p:cNvSpPr>
-          <p:nvPr>
-            <p:ph type="sldNum" sz="quarter" idx="12"/>
-          </p:nvPr>
-        </p:nvSpPr>
-        <p:spPr/>
-        <p:txBody>
-          <a:bodyPr/>
-          <a:lstStyle/>
-          <a:p>
-            <a:pPr>
-              <a:defRPr/>
-            </a:pPr>
-            <a:endParaRPr lang="en-US" smtClean="0"/>
-          </a:p>
           <a:p>
             <a:pPr algn="r">
               <a:defRPr/>
             </a:pPr>
             <a:r>
-              <a:rPr lang="en-US" sz="900" smtClean="0">
+              <a:rPr lang="en-US" sz="900">
                 <a:solidFill>
                   <a:schemeClr val="bg1"/>
                 </a:solidFill>
@@ -12330,12 +11938,12 @@
           <a:graphicData uri="http://schemas.openxmlformats.org/presentationml/2006/ole">
             <mc:AlternateContent xmlns:mc="http://schemas.openxmlformats.org/markup-compatibility/2006">
               <mc:Choice xmlns:v="urn:schemas-microsoft-com:vml" Requires="v">
-                <p:oleObj spid="_x0000_s96296" name="Document" r:id="rId4" imgW="7313400" imgH="4259837" progId="Word.Document.12">
+                <p:oleObj spid="_x0000_s96299" name="Document" r:id="rId3" imgW="7313400" imgH="4259837" progId="Word.Document.12">
                   <p:embed/>
                 </p:oleObj>
               </mc:Choice>
               <mc:Fallback>
-                <p:oleObj name="Document" r:id="rId4" imgW="7313400" imgH="4259837" progId="Word.Document.12">
+                <p:oleObj name="Document" r:id="rId3" imgW="7313400" imgH="4259837" progId="Word.Document.12">
                   <p:embed/>
                   <p:pic>
                     <p:nvPicPr>
@@ -12344,7 +11952,7 @@
                       <p:nvPr/>
                     </p:nvPicPr>
                     <p:blipFill>
-                      <a:blip r:embed="rId5"/>
+                      <a:blip r:embed="rId4"/>
                       <a:stretch>
                         <a:fillRect/>
                       </a:stretch>
@@ -12375,13 +11983,6 @@
   <p:clrMapOvr>
     <a:masterClrMapping/>
   </p:clrMapOvr>
-  <p:timing>
-    <p:tnLst>
-      <p:par>
-        <p:cTn id="1" dur="indefinite" restart="never" nodeType="tmRoot"/>
-      </p:par>
-    </p:tnLst>
-  </p:timing>
 </p:sld>
 </file>
 
@@ -12419,11 +12020,32 @@
           <a:p>
             <a:r>
               <a:rPr lang="en-US" dirty="0"/>
-              <a:t>The JavaScript </a:t>
-            </a:r>
-            <a:r>
-              <a:rPr lang="en-US" dirty="0" smtClean="0"/>
-              <a:t>(continued)</a:t>
+              <a:t>The JavaScript (continued)</a:t>
+            </a:r>
+          </a:p>
+        </p:txBody>
+      </p:sp>
+      <p:sp>
+        <p:nvSpPr>
+          <p:cNvPr id="10" name="Date Placeholder 9"/>
+          <p:cNvSpPr>
+            <a:spLocks noGrp="1"/>
+          </p:cNvSpPr>
+          <p:nvPr>
+            <p:ph type="dt" sz="half" idx="10"/>
+          </p:nvPr>
+        </p:nvSpPr>
+        <p:spPr/>
+        <p:txBody>
+          <a:bodyPr/>
+          <a:lstStyle/>
+          <a:p>
+            <a:pPr>
+              <a:defRPr/>
+            </a:pPr>
+            <a:r>
+              <a:rPr lang="en-US"/>
+              <a:t>Murach's JavaScript and jQuery (3rd Ed.)</a:t>
             </a:r>
             <a:endParaRPr lang="en-US" dirty="0"/>
           </a:p>
@@ -12431,32 +12053,6 @@
       </p:sp>
       <p:sp>
         <p:nvSpPr>
-          <p:cNvPr id="10" name="Date Placeholder 9"/>
-          <p:cNvSpPr>
-            <a:spLocks noGrp="1"/>
-          </p:cNvSpPr>
-          <p:nvPr>
-            <p:ph type="dt" sz="half" idx="10"/>
-          </p:nvPr>
-        </p:nvSpPr>
-        <p:spPr/>
-        <p:txBody>
-          <a:bodyPr/>
-          <a:lstStyle/>
-          <a:p>
-            <a:pPr>
-              <a:defRPr/>
-            </a:pPr>
-            <a:r>
-              <a:rPr lang="en-US" smtClean="0"/>
-              <a:t>Murach's JavaScript and jQuery (3rd Ed.)</a:t>
-            </a:r>
-            <a:endParaRPr lang="en-US" dirty="0"/>
-          </a:p>
-        </p:txBody>
-      </p:sp>
-      <p:sp>
-        <p:nvSpPr>
           <p:cNvPr id="11" name="Footer Placeholder 10"/>
           <p:cNvSpPr>
             <a:spLocks noGrp="1"/>
@@ -12474,39 +12070,38 @@
               <a:defRPr/>
             </a:pPr>
             <a:r>
-              <a:rPr lang="en-US" smtClean="0"/>
+              <a:rPr lang="en-US"/>
               <a:t>© 2017, Mike Murach &amp; Associates, Inc.</a:t>
             </a:r>
+          </a:p>
+        </p:txBody>
+      </p:sp>
+      <p:sp>
+        <p:nvSpPr>
+          <p:cNvPr id="12" name="Slide Number Placeholder 11"/>
+          <p:cNvSpPr>
+            <a:spLocks noGrp="1"/>
+          </p:cNvSpPr>
+          <p:nvPr>
+            <p:ph type="sldNum" sz="quarter" idx="12"/>
+          </p:nvPr>
+        </p:nvSpPr>
+        <p:spPr/>
+        <p:txBody>
+          <a:bodyPr/>
+          <a:lstStyle/>
+          <a:p>
+            <a:pPr>
+              <a:defRPr/>
+            </a:pPr>
             <a:endParaRPr lang="en-US"/>
           </a:p>
-        </p:txBody>
-      </p:sp>
-      <p:sp>
-        <p:nvSpPr>
-          <p:cNvPr id="12" name="Slide Number Placeholder 11"/>
-          <p:cNvSpPr>
-            <a:spLocks noGrp="1"/>
-          </p:cNvSpPr>
-          <p:nvPr>
-            <p:ph type="sldNum" sz="quarter" idx="12"/>
-          </p:nvPr>
-        </p:nvSpPr>
-        <p:spPr/>
-        <p:txBody>
-          <a:bodyPr/>
-          <a:lstStyle/>
-          <a:p>
-            <a:pPr>
-              <a:defRPr/>
-            </a:pPr>
-            <a:endParaRPr lang="en-US" smtClean="0"/>
-          </a:p>
           <a:p>
             <a:pPr algn="r">
               <a:defRPr/>
             </a:pPr>
             <a:r>
-              <a:rPr lang="en-US" sz="900" smtClean="0">
+              <a:rPr lang="en-US" sz="900">
                 <a:solidFill>
                   <a:schemeClr val="bg1"/>
                 </a:solidFill>
@@ -12557,12 +12152,12 @@
           <a:graphicData uri="http://schemas.openxmlformats.org/presentationml/2006/ole">
             <mc:AlternateContent xmlns:mc="http://schemas.openxmlformats.org/markup-compatibility/2006">
               <mc:Choice xmlns:v="urn:schemas-microsoft-com:vml" Requires="v">
-                <p:oleObj spid="_x0000_s126997" name="Document" r:id="rId4" imgW="7313400" imgH="4662795" progId="Word.Document.12">
+                <p:oleObj spid="_x0000_s127000" name="Document" r:id="rId3" imgW="7313400" imgH="4662795" progId="Word.Document.12">
                   <p:embed/>
                 </p:oleObj>
               </mc:Choice>
               <mc:Fallback>
-                <p:oleObj name="Document" r:id="rId4" imgW="7313400" imgH="4662795" progId="Word.Document.12">
+                <p:oleObj name="Document" r:id="rId3" imgW="7313400" imgH="4662795" progId="Word.Document.12">
                   <p:embed/>
                   <p:pic>
                     <p:nvPicPr>
@@ -12571,7 +12166,7 @@
                       <p:nvPr/>
                     </p:nvPicPr>
                     <p:blipFill>
-                      <a:blip r:embed="rId5"/>
+                      <a:blip r:embed="rId4"/>
                       <a:stretch>
                         <a:fillRect/>
                       </a:stretch>
@@ -12602,13 +12197,6 @@
   <p:clrMapOvr>
     <a:masterClrMapping/>
   </p:clrMapOvr>
-  <p:timing>
-    <p:tnLst>
-      <p:par>
-        <p:cTn id="1" dur="indefinite" restart="never" nodeType="tmRoot"/>
-      </p:par>
-    </p:tnLst>
-  </p:timing>
 </p:sld>
 </file>
 
@@ -12648,26 +12236,13 @@
               <a:rPr lang="en-US" dirty="0"/>
               <a:t>Two methods of the window object </a:t>
             </a:r>
-            <a:r>
-              <a:rPr lang="en-US" dirty="0" smtClean="0"/>
-              <a:t/>
-            </a:r>
             <a:br>
-              <a:rPr lang="en-US" dirty="0" smtClean="0"/>
+              <a:rPr lang="en-US" dirty="0"/>
             </a:br>
             <a:r>
-              <a:rPr lang="en-US" dirty="0" smtClean="0"/>
-              <a:t>for </a:t>
-            </a:r>
-            <a:r>
               <a:rPr lang="en-US" dirty="0"/>
-              <a:t>working with </a:t>
-            </a:r>
-            <a:r>
-              <a:rPr lang="en-US" dirty="0" smtClean="0"/>
-              <a:t>numbers</a:t>
-            </a:r>
-            <a:endParaRPr lang="en-US" dirty="0"/>
+              <a:t>for working with numbers</a:t>
+            </a:r>
           </a:p>
         </p:txBody>
       </p:sp>
@@ -12693,12 +12268,12 @@
           <a:graphicData uri="http://schemas.openxmlformats.org/presentationml/2006/ole">
             <mc:AlternateContent xmlns:mc="http://schemas.openxmlformats.org/markup-compatibility/2006">
               <mc:Choice xmlns:v="urn:schemas-microsoft-com:vml" Requires="v">
-                <p:oleObj spid="_x0000_s110610" name="Document" r:id="rId4" imgW="7301323" imgH="1848218" progId="Word.Document.12">
+                <p:oleObj spid="_x0000_s110613" name="Document" r:id="rId3" imgW="7301323" imgH="1848218" progId="Word.Document.12">
                   <p:embed/>
                 </p:oleObj>
               </mc:Choice>
               <mc:Fallback>
-                <p:oleObj name="Document" r:id="rId4" imgW="7301323" imgH="1848218" progId="Word.Document.12">
+                <p:oleObj name="Document" r:id="rId3" imgW="7301323" imgH="1848218" progId="Word.Document.12">
                   <p:embed/>
                   <p:pic>
                     <p:nvPicPr>
@@ -12709,7 +12284,7 @@
                       <p:nvPr/>
                     </p:nvPicPr>
                     <p:blipFill>
-                      <a:blip r:embed="rId5"/>
+                      <a:blip r:embed="rId4"/>
                       <a:srcRect/>
                       <a:stretch>
                         <a:fillRect/>
@@ -12773,7 +12348,7 @@
               <a:defRPr/>
             </a:pPr>
             <a:r>
-              <a:rPr lang="en-US" smtClean="0"/>
+              <a:rPr lang="en-US"/>
               <a:t>Murach's JavaScript and jQuery (3rd Ed.)</a:t>
             </a:r>
             <a:endParaRPr lang="en-US" dirty="0"/>
@@ -12799,39 +12374,38 @@
               <a:defRPr/>
             </a:pPr>
             <a:r>
-              <a:rPr lang="en-US" smtClean="0"/>
+              <a:rPr lang="en-US"/>
               <a:t>© 2017, Mike Murach &amp; Associates, Inc.</a:t>
             </a:r>
+          </a:p>
+        </p:txBody>
+      </p:sp>
+      <p:sp>
+        <p:nvSpPr>
+          <p:cNvPr id="12" name="Slide Number Placeholder 11"/>
+          <p:cNvSpPr>
+            <a:spLocks noGrp="1"/>
+          </p:cNvSpPr>
+          <p:nvPr>
+            <p:ph type="sldNum" sz="quarter" idx="12"/>
+          </p:nvPr>
+        </p:nvSpPr>
+        <p:spPr/>
+        <p:txBody>
+          <a:bodyPr/>
+          <a:lstStyle/>
+          <a:p>
+            <a:pPr>
+              <a:defRPr/>
+            </a:pPr>
             <a:endParaRPr lang="en-US"/>
           </a:p>
-        </p:txBody>
-      </p:sp>
-      <p:sp>
-        <p:nvSpPr>
-          <p:cNvPr id="12" name="Slide Number Placeholder 11"/>
-          <p:cNvSpPr>
-            <a:spLocks noGrp="1"/>
-          </p:cNvSpPr>
-          <p:nvPr>
-            <p:ph type="sldNum" sz="quarter" idx="12"/>
-          </p:nvPr>
-        </p:nvSpPr>
-        <p:spPr/>
-        <p:txBody>
-          <a:bodyPr/>
-          <a:lstStyle/>
-          <a:p>
-            <a:pPr>
-              <a:defRPr/>
-            </a:pPr>
-            <a:endParaRPr lang="en-US" smtClean="0"/>
-          </a:p>
           <a:p>
             <a:pPr algn="r">
               <a:defRPr/>
             </a:pPr>
             <a:r>
-              <a:rPr lang="en-US" sz="900" smtClean="0">
+              <a:rPr lang="en-US" sz="900">
                 <a:solidFill>
                   <a:schemeClr val="bg1"/>
                 </a:solidFill>
@@ -12870,13 +12444,6 @@
   <p:clrMapOvr>
     <a:masterClrMapping/>
   </p:clrMapOvr>
-  <p:timing>
-    <p:tnLst>
-      <p:par>
-        <p:cTn id="1" dur="indefinite" restart="never" nodeType="tmRoot"/>
-      </p:par>
-    </p:tnLst>
-  </p:timing>
 </p:sld>
 </file>
 
@@ -12913,41 +12480,40 @@
           <a:lstStyle/>
           <a:p>
             <a:r>
-              <a:rPr lang="en-US" dirty="0" smtClean="0"/>
+              <a:rPr lang="en-US" dirty="0"/>
               <a:t>Exercise 4-1  Enhance the MPG application</a:t>
             </a:r>
+          </a:p>
+        </p:txBody>
+      </p:sp>
+      <p:sp>
+        <p:nvSpPr>
+          <p:cNvPr id="10" name="Date Placeholder 9"/>
+          <p:cNvSpPr>
+            <a:spLocks noGrp="1"/>
+          </p:cNvSpPr>
+          <p:nvPr>
+            <p:ph type="dt" sz="half" idx="10"/>
+          </p:nvPr>
+        </p:nvSpPr>
+        <p:spPr/>
+        <p:txBody>
+          <a:bodyPr/>
+          <a:lstStyle/>
+          <a:p>
+            <a:pPr>
+              <a:defRPr/>
+            </a:pPr>
+            <a:r>
+              <a:rPr lang="en-US"/>
+              <a:t>Murach's JavaScript and jQuery (3rd Ed.)</a:t>
+            </a:r>
             <a:endParaRPr lang="en-US" dirty="0"/>
           </a:p>
         </p:txBody>
       </p:sp>
       <p:sp>
         <p:nvSpPr>
-          <p:cNvPr id="10" name="Date Placeholder 9"/>
-          <p:cNvSpPr>
-            <a:spLocks noGrp="1"/>
-          </p:cNvSpPr>
-          <p:nvPr>
-            <p:ph type="dt" sz="half" idx="10"/>
-          </p:nvPr>
-        </p:nvSpPr>
-        <p:spPr/>
-        <p:txBody>
-          <a:bodyPr/>
-          <a:lstStyle/>
-          <a:p>
-            <a:pPr>
-              <a:defRPr/>
-            </a:pPr>
-            <a:r>
-              <a:rPr lang="en-US" smtClean="0"/>
-              <a:t>Murach's JavaScript and jQuery (3rd Ed.)</a:t>
-            </a:r>
-            <a:endParaRPr lang="en-US" dirty="0"/>
-          </a:p>
-        </p:txBody>
-      </p:sp>
-      <p:sp>
-        <p:nvSpPr>
           <p:cNvPr id="11" name="Footer Placeholder 10"/>
           <p:cNvSpPr>
             <a:spLocks noGrp="1"/>
@@ -12965,39 +12531,38 @@
               <a:defRPr/>
             </a:pPr>
             <a:r>
-              <a:rPr lang="en-US" smtClean="0"/>
+              <a:rPr lang="en-US"/>
               <a:t>© 2017, Mike Murach &amp; Associates, Inc.</a:t>
             </a:r>
+          </a:p>
+        </p:txBody>
+      </p:sp>
+      <p:sp>
+        <p:nvSpPr>
+          <p:cNvPr id="12" name="Slide Number Placeholder 11"/>
+          <p:cNvSpPr>
+            <a:spLocks noGrp="1"/>
+          </p:cNvSpPr>
+          <p:nvPr>
+            <p:ph type="sldNum" sz="quarter" idx="12"/>
+          </p:nvPr>
+        </p:nvSpPr>
+        <p:spPr/>
+        <p:txBody>
+          <a:bodyPr/>
+          <a:lstStyle/>
+          <a:p>
+            <a:pPr>
+              <a:defRPr/>
+            </a:pPr>
             <a:endParaRPr lang="en-US"/>
           </a:p>
-        </p:txBody>
-      </p:sp>
-      <p:sp>
-        <p:nvSpPr>
-          <p:cNvPr id="12" name="Slide Number Placeholder 11"/>
-          <p:cNvSpPr>
-            <a:spLocks noGrp="1"/>
-          </p:cNvSpPr>
-          <p:nvPr>
-            <p:ph type="sldNum" sz="quarter" idx="12"/>
-          </p:nvPr>
-        </p:nvSpPr>
-        <p:spPr/>
-        <p:txBody>
-          <a:bodyPr/>
-          <a:lstStyle/>
-          <a:p>
-            <a:pPr>
-              <a:defRPr/>
-            </a:pPr>
-            <a:endParaRPr lang="en-US" smtClean="0"/>
-          </a:p>
           <a:p>
             <a:pPr algn="r">
               <a:defRPr/>
             </a:pPr>
             <a:r>
-              <a:rPr lang="en-US" sz="900" smtClean="0">
+              <a:rPr lang="en-US" sz="900">
                 <a:solidFill>
                   <a:schemeClr val="bg1"/>
                 </a:solidFill>
@@ -13048,12 +12613,12 @@
           <a:graphicData uri="http://schemas.openxmlformats.org/presentationml/2006/ole">
             <mc:AlternateContent xmlns:mc="http://schemas.openxmlformats.org/markup-compatibility/2006">
               <mc:Choice xmlns:v="urn:schemas-microsoft-com:vml" Requires="v">
-                <p:oleObj spid="_x0000_s98340" name="Document" r:id="rId4" imgW="7313400" imgH="4684741" progId="Word.Document.12">
+                <p:oleObj spid="_x0000_s98343" name="Document" r:id="rId3" imgW="7313400" imgH="4684741" progId="Word.Document.12">
                   <p:embed/>
                 </p:oleObj>
               </mc:Choice>
               <mc:Fallback>
-                <p:oleObj name="Document" r:id="rId4" imgW="7313400" imgH="4684741" progId="Word.Document.12">
+                <p:oleObj name="Document" r:id="rId3" imgW="7313400" imgH="4684741" progId="Word.Document.12">
                   <p:embed/>
                   <p:pic>
                     <p:nvPicPr>
@@ -13062,7 +12627,7 @@
                       <p:nvPr/>
                     </p:nvPicPr>
                     <p:blipFill>
-                      <a:blip r:embed="rId5"/>
+                      <a:blip r:embed="rId4"/>
                       <a:stretch>
                         <a:fillRect/>
                       </a:stretch>
@@ -13093,13 +12658,6 @@
   <p:clrMapOvr>
     <a:masterClrMapping/>
   </p:clrMapOvr>
-  <p:timing>
-    <p:tnLst>
-      <p:par>
-        <p:cTn id="1" dur="indefinite" restart="never" nodeType="tmRoot"/>
-      </p:par>
-    </p:tnLst>
-  </p:timing>
 </p:sld>
 </file>
 
@@ -13136,41 +12694,40 @@
           <a:lstStyle/>
           <a:p>
             <a:r>
-              <a:rPr lang="en-US" dirty="0" smtClean="0"/>
+              <a:rPr lang="en-US" dirty="0"/>
               <a:t>Exercise 4-2  Build a new Future Value app</a:t>
             </a:r>
+          </a:p>
+        </p:txBody>
+      </p:sp>
+      <p:sp>
+        <p:nvSpPr>
+          <p:cNvPr id="10" name="Date Placeholder 9"/>
+          <p:cNvSpPr>
+            <a:spLocks noGrp="1"/>
+          </p:cNvSpPr>
+          <p:nvPr>
+            <p:ph type="dt" sz="half" idx="10"/>
+          </p:nvPr>
+        </p:nvSpPr>
+        <p:spPr/>
+        <p:txBody>
+          <a:bodyPr/>
+          <a:lstStyle/>
+          <a:p>
+            <a:pPr>
+              <a:defRPr/>
+            </a:pPr>
+            <a:r>
+              <a:rPr lang="en-US"/>
+              <a:t>Murach's JavaScript and jQuery (3rd Ed.)</a:t>
+            </a:r>
             <a:endParaRPr lang="en-US" dirty="0"/>
           </a:p>
         </p:txBody>
       </p:sp>
       <p:sp>
         <p:nvSpPr>
-          <p:cNvPr id="10" name="Date Placeholder 9"/>
-          <p:cNvSpPr>
-            <a:spLocks noGrp="1"/>
-          </p:cNvSpPr>
-          <p:nvPr>
-            <p:ph type="dt" sz="half" idx="10"/>
-          </p:nvPr>
-        </p:nvSpPr>
-        <p:spPr/>
-        <p:txBody>
-          <a:bodyPr/>
-          <a:lstStyle/>
-          <a:p>
-            <a:pPr>
-              <a:defRPr/>
-            </a:pPr>
-            <a:r>
-              <a:rPr lang="en-US" smtClean="0"/>
-              <a:t>Murach's JavaScript and jQuery (3rd Ed.)</a:t>
-            </a:r>
-            <a:endParaRPr lang="en-US" dirty="0"/>
-          </a:p>
-        </p:txBody>
-      </p:sp>
-      <p:sp>
-        <p:nvSpPr>
           <p:cNvPr id="11" name="Footer Placeholder 10"/>
           <p:cNvSpPr>
             <a:spLocks noGrp="1"/>
@@ -13188,39 +12745,38 @@
               <a:defRPr/>
             </a:pPr>
             <a:r>
-              <a:rPr lang="en-US" smtClean="0"/>
+              <a:rPr lang="en-US"/>
               <a:t>© 2017, Mike Murach &amp; Associates, Inc.</a:t>
             </a:r>
+          </a:p>
+        </p:txBody>
+      </p:sp>
+      <p:sp>
+        <p:nvSpPr>
+          <p:cNvPr id="12" name="Slide Number Placeholder 11"/>
+          <p:cNvSpPr>
+            <a:spLocks noGrp="1"/>
+          </p:cNvSpPr>
+          <p:nvPr>
+            <p:ph type="sldNum" sz="quarter" idx="12"/>
+          </p:nvPr>
+        </p:nvSpPr>
+        <p:spPr/>
+        <p:txBody>
+          <a:bodyPr/>
+          <a:lstStyle/>
+          <a:p>
+            <a:pPr>
+              <a:defRPr/>
+            </a:pPr>
             <a:endParaRPr lang="en-US"/>
           </a:p>
-        </p:txBody>
-      </p:sp>
-      <p:sp>
-        <p:nvSpPr>
-          <p:cNvPr id="12" name="Slide Number Placeholder 11"/>
-          <p:cNvSpPr>
-            <a:spLocks noGrp="1"/>
-          </p:cNvSpPr>
-          <p:nvPr>
-            <p:ph type="sldNum" sz="quarter" idx="12"/>
-          </p:nvPr>
-        </p:nvSpPr>
-        <p:spPr/>
-        <p:txBody>
-          <a:bodyPr/>
-          <a:lstStyle/>
-          <a:p>
-            <a:pPr>
-              <a:defRPr/>
-            </a:pPr>
-            <a:endParaRPr lang="en-US" smtClean="0"/>
-          </a:p>
           <a:p>
             <a:pPr algn="r">
               <a:defRPr/>
             </a:pPr>
             <a:r>
-              <a:rPr lang="en-US" sz="900" smtClean="0">
+              <a:rPr lang="en-US" sz="900">
                 <a:solidFill>
                   <a:schemeClr val="bg1"/>
                 </a:solidFill>
@@ -13294,13 +12850,6 @@
   <p:clrMapOvr>
     <a:masterClrMapping/>
   </p:clrMapOvr>
-  <p:timing>
-    <p:tnLst>
-      <p:par>
-        <p:cTn id="1" dur="indefinite" restart="never" nodeType="tmRoot"/>
-      </p:par>
-    </p:tnLst>
-  </p:timing>
 </p:sld>
 </file>
 
@@ -13337,41 +12886,40 @@
           <a:lstStyle/>
           <a:p>
             <a:r>
-              <a:rPr lang="en-US" dirty="0" smtClean="0"/>
+              <a:rPr lang="en-US" dirty="0"/>
               <a:t>Extra 4-1  Develop the Sales Tax Calculator</a:t>
             </a:r>
+          </a:p>
+        </p:txBody>
+      </p:sp>
+      <p:sp>
+        <p:nvSpPr>
+          <p:cNvPr id="10" name="Date Placeholder 9"/>
+          <p:cNvSpPr>
+            <a:spLocks noGrp="1"/>
+          </p:cNvSpPr>
+          <p:nvPr>
+            <p:ph type="dt" sz="half" idx="10"/>
+          </p:nvPr>
+        </p:nvSpPr>
+        <p:spPr/>
+        <p:txBody>
+          <a:bodyPr/>
+          <a:lstStyle/>
+          <a:p>
+            <a:pPr>
+              <a:defRPr/>
+            </a:pPr>
+            <a:r>
+              <a:rPr lang="en-US"/>
+              <a:t>Murach's JavaScript and jQuery (3rd Ed.)</a:t>
+            </a:r>
             <a:endParaRPr lang="en-US" dirty="0"/>
           </a:p>
         </p:txBody>
       </p:sp>
       <p:sp>
         <p:nvSpPr>
-          <p:cNvPr id="10" name="Date Placeholder 9"/>
-          <p:cNvSpPr>
-            <a:spLocks noGrp="1"/>
-          </p:cNvSpPr>
-          <p:nvPr>
-            <p:ph type="dt" sz="half" idx="10"/>
-          </p:nvPr>
-        </p:nvSpPr>
-        <p:spPr/>
-        <p:txBody>
-          <a:bodyPr/>
-          <a:lstStyle/>
-          <a:p>
-            <a:pPr>
-              <a:defRPr/>
-            </a:pPr>
-            <a:r>
-              <a:rPr lang="en-US" smtClean="0"/>
-              <a:t>Murach's JavaScript and jQuery (3rd Ed.)</a:t>
-            </a:r>
-            <a:endParaRPr lang="en-US" dirty="0"/>
-          </a:p>
-        </p:txBody>
-      </p:sp>
-      <p:sp>
-        <p:nvSpPr>
           <p:cNvPr id="11" name="Footer Placeholder 10"/>
           <p:cNvSpPr>
             <a:spLocks noGrp="1"/>
@@ -13389,39 +12937,38 @@
               <a:defRPr/>
             </a:pPr>
             <a:r>
-              <a:rPr lang="en-US" smtClean="0"/>
+              <a:rPr lang="en-US"/>
               <a:t>© 2017, Mike Murach &amp; Associates, Inc.</a:t>
             </a:r>
+          </a:p>
+        </p:txBody>
+      </p:sp>
+      <p:sp>
+        <p:nvSpPr>
+          <p:cNvPr id="12" name="Slide Number Placeholder 11"/>
+          <p:cNvSpPr>
+            <a:spLocks noGrp="1"/>
+          </p:cNvSpPr>
+          <p:nvPr>
+            <p:ph type="sldNum" sz="quarter" idx="12"/>
+          </p:nvPr>
+        </p:nvSpPr>
+        <p:spPr/>
+        <p:txBody>
+          <a:bodyPr/>
+          <a:lstStyle/>
+          <a:p>
+            <a:pPr>
+              <a:defRPr/>
+            </a:pPr>
             <a:endParaRPr lang="en-US"/>
           </a:p>
-        </p:txBody>
-      </p:sp>
-      <p:sp>
-        <p:nvSpPr>
-          <p:cNvPr id="12" name="Slide Number Placeholder 11"/>
-          <p:cNvSpPr>
-            <a:spLocks noGrp="1"/>
-          </p:cNvSpPr>
-          <p:nvPr>
-            <p:ph type="sldNum" sz="quarter" idx="12"/>
-          </p:nvPr>
-        </p:nvSpPr>
-        <p:spPr/>
-        <p:txBody>
-          <a:bodyPr/>
-          <a:lstStyle/>
-          <a:p>
-            <a:pPr>
-              <a:defRPr/>
-            </a:pPr>
-            <a:endParaRPr lang="en-US" smtClean="0"/>
-          </a:p>
           <a:p>
             <a:pPr algn="r">
               <a:defRPr/>
             </a:pPr>
             <a:r>
-              <a:rPr lang="en-US" sz="900" smtClean="0">
+              <a:rPr lang="en-US" sz="900">
                 <a:solidFill>
                   <a:schemeClr val="bg1"/>
                 </a:solidFill>
@@ -13488,13 +13035,6 @@
   <p:clrMapOvr>
     <a:masterClrMapping/>
   </p:clrMapOvr>
-  <p:timing>
-    <p:tnLst>
-      <p:par>
-        <p:cTn id="1" dur="indefinite" restart="never" nodeType="tmRoot"/>
-      </p:par>
-    </p:tnLst>
-  </p:timing>
 </p:sld>
 </file>
 
@@ -13531,41 +13071,40 @@
           <a:lstStyle/>
           <a:p>
             <a:r>
-              <a:rPr lang="en-US" dirty="0" smtClean="0"/>
+              <a:rPr lang="en-US" dirty="0"/>
               <a:t>Extra 4-2  Develop the Change Calculator</a:t>
             </a:r>
+          </a:p>
+        </p:txBody>
+      </p:sp>
+      <p:sp>
+        <p:nvSpPr>
+          <p:cNvPr id="10" name="Date Placeholder 9"/>
+          <p:cNvSpPr>
+            <a:spLocks noGrp="1"/>
+          </p:cNvSpPr>
+          <p:nvPr>
+            <p:ph type="dt" sz="half" idx="10"/>
+          </p:nvPr>
+        </p:nvSpPr>
+        <p:spPr/>
+        <p:txBody>
+          <a:bodyPr/>
+          <a:lstStyle/>
+          <a:p>
+            <a:pPr>
+              <a:defRPr/>
+            </a:pPr>
+            <a:r>
+              <a:rPr lang="en-US"/>
+              <a:t>Murach's JavaScript and jQuery (3rd Ed.)</a:t>
+            </a:r>
             <a:endParaRPr lang="en-US" dirty="0"/>
           </a:p>
         </p:txBody>
       </p:sp>
       <p:sp>
         <p:nvSpPr>
-          <p:cNvPr id="10" name="Date Placeholder 9"/>
-          <p:cNvSpPr>
-            <a:spLocks noGrp="1"/>
-          </p:cNvSpPr>
-          <p:nvPr>
-            <p:ph type="dt" sz="half" idx="10"/>
-          </p:nvPr>
-        </p:nvSpPr>
-        <p:spPr/>
-        <p:txBody>
-          <a:bodyPr/>
-          <a:lstStyle/>
-          <a:p>
-            <a:pPr>
-              <a:defRPr/>
-            </a:pPr>
-            <a:r>
-              <a:rPr lang="en-US" smtClean="0"/>
-              <a:t>Murach's JavaScript and jQuery (3rd Ed.)</a:t>
-            </a:r>
-            <a:endParaRPr lang="en-US" dirty="0"/>
-          </a:p>
-        </p:txBody>
-      </p:sp>
-      <p:sp>
-        <p:nvSpPr>
           <p:cNvPr id="11" name="Footer Placeholder 10"/>
           <p:cNvSpPr>
             <a:spLocks noGrp="1"/>
@@ -13583,39 +13122,38 @@
               <a:defRPr/>
             </a:pPr>
             <a:r>
-              <a:rPr lang="en-US" smtClean="0"/>
+              <a:rPr lang="en-US"/>
               <a:t>© 2017, Mike Murach &amp; Associates, Inc.</a:t>
             </a:r>
+          </a:p>
+        </p:txBody>
+      </p:sp>
+      <p:sp>
+        <p:nvSpPr>
+          <p:cNvPr id="12" name="Slide Number Placeholder 11"/>
+          <p:cNvSpPr>
+            <a:spLocks noGrp="1"/>
+          </p:cNvSpPr>
+          <p:nvPr>
+            <p:ph type="sldNum" sz="quarter" idx="12"/>
+          </p:nvPr>
+        </p:nvSpPr>
+        <p:spPr/>
+        <p:txBody>
+          <a:bodyPr/>
+          <a:lstStyle/>
+          <a:p>
+            <a:pPr>
+              <a:defRPr/>
+            </a:pPr>
             <a:endParaRPr lang="en-US"/>
           </a:p>
-        </p:txBody>
-      </p:sp>
-      <p:sp>
-        <p:nvSpPr>
-          <p:cNvPr id="12" name="Slide Number Placeholder 11"/>
-          <p:cNvSpPr>
-            <a:spLocks noGrp="1"/>
-          </p:cNvSpPr>
-          <p:nvPr>
-            <p:ph type="sldNum" sz="quarter" idx="12"/>
-          </p:nvPr>
-        </p:nvSpPr>
-        <p:spPr/>
-        <p:txBody>
-          <a:bodyPr/>
-          <a:lstStyle/>
-          <a:p>
-            <a:pPr>
-              <a:defRPr/>
-            </a:pPr>
-            <a:endParaRPr lang="en-US" smtClean="0"/>
-          </a:p>
           <a:p>
             <a:pPr algn="r">
               <a:defRPr/>
             </a:pPr>
             <a:r>
-              <a:rPr lang="en-US" sz="900" smtClean="0">
+              <a:rPr lang="en-US" sz="900">
                 <a:solidFill>
                   <a:schemeClr val="bg1"/>
                 </a:solidFill>
@@ -13682,13 +13220,6 @@
   <p:clrMapOvr>
     <a:masterClrMapping/>
   </p:clrMapOvr>
-  <p:timing>
-    <p:tnLst>
-      <p:par>
-        <p:cTn id="1" dur="indefinite" restart="never" nodeType="tmRoot"/>
-      </p:par>
-    </p:tnLst>
-  </p:timing>
 </p:sld>
 </file>
 
@@ -13725,41 +13256,40 @@
           <a:lstStyle/>
           <a:p>
             <a:r>
-              <a:rPr lang="en-US" dirty="0" smtClean="0"/>
+              <a:rPr lang="en-US" dirty="0"/>
               <a:t>Extra 4-3  Develop the Income Tax Calculator</a:t>
             </a:r>
+          </a:p>
+        </p:txBody>
+      </p:sp>
+      <p:sp>
+        <p:nvSpPr>
+          <p:cNvPr id="10" name="Date Placeholder 9"/>
+          <p:cNvSpPr>
+            <a:spLocks noGrp="1"/>
+          </p:cNvSpPr>
+          <p:nvPr>
+            <p:ph type="dt" sz="half" idx="10"/>
+          </p:nvPr>
+        </p:nvSpPr>
+        <p:spPr/>
+        <p:txBody>
+          <a:bodyPr/>
+          <a:lstStyle/>
+          <a:p>
+            <a:pPr>
+              <a:defRPr/>
+            </a:pPr>
+            <a:r>
+              <a:rPr lang="en-US"/>
+              <a:t>Murach's JavaScript and jQuery (3rd Ed.)</a:t>
+            </a:r>
             <a:endParaRPr lang="en-US" dirty="0"/>
           </a:p>
         </p:txBody>
       </p:sp>
       <p:sp>
         <p:nvSpPr>
-          <p:cNvPr id="10" name="Date Placeholder 9"/>
-          <p:cNvSpPr>
-            <a:spLocks noGrp="1"/>
-          </p:cNvSpPr>
-          <p:nvPr>
-            <p:ph type="dt" sz="half" idx="10"/>
-          </p:nvPr>
-        </p:nvSpPr>
-        <p:spPr/>
-        <p:txBody>
-          <a:bodyPr/>
-          <a:lstStyle/>
-          <a:p>
-            <a:pPr>
-              <a:defRPr/>
-            </a:pPr>
-            <a:r>
-              <a:rPr lang="en-US" smtClean="0"/>
-              <a:t>Murach's JavaScript and jQuery (3rd Ed.)</a:t>
-            </a:r>
-            <a:endParaRPr lang="en-US" dirty="0"/>
-          </a:p>
-        </p:txBody>
-      </p:sp>
-      <p:sp>
-        <p:nvSpPr>
           <p:cNvPr id="11" name="Footer Placeholder 10"/>
           <p:cNvSpPr>
             <a:spLocks noGrp="1"/>
@@ -13777,39 +13307,38 @@
               <a:defRPr/>
             </a:pPr>
             <a:r>
-              <a:rPr lang="en-US" smtClean="0"/>
+              <a:rPr lang="en-US"/>
               <a:t>© 2017, Mike Murach &amp; Associates, Inc.</a:t>
             </a:r>
+          </a:p>
+        </p:txBody>
+      </p:sp>
+      <p:sp>
+        <p:nvSpPr>
+          <p:cNvPr id="12" name="Slide Number Placeholder 11"/>
+          <p:cNvSpPr>
+            <a:spLocks noGrp="1"/>
+          </p:cNvSpPr>
+          <p:nvPr>
+            <p:ph type="sldNum" sz="quarter" idx="12"/>
+          </p:nvPr>
+        </p:nvSpPr>
+        <p:spPr/>
+        <p:txBody>
+          <a:bodyPr/>
+          <a:lstStyle/>
+          <a:p>
+            <a:pPr>
+              <a:defRPr/>
+            </a:pPr>
             <a:endParaRPr lang="en-US"/>
           </a:p>
-        </p:txBody>
-      </p:sp>
-      <p:sp>
-        <p:nvSpPr>
-          <p:cNvPr id="12" name="Slide Number Placeholder 11"/>
-          <p:cNvSpPr>
-            <a:spLocks noGrp="1"/>
-          </p:cNvSpPr>
-          <p:nvPr>
-            <p:ph type="sldNum" sz="quarter" idx="12"/>
-          </p:nvPr>
-        </p:nvSpPr>
-        <p:spPr/>
-        <p:txBody>
-          <a:bodyPr/>
-          <a:lstStyle/>
-          <a:p>
-            <a:pPr>
-              <a:defRPr/>
-            </a:pPr>
-            <a:endParaRPr lang="en-US" smtClean="0"/>
-          </a:p>
           <a:p>
             <a:pPr algn="r">
               <a:defRPr/>
             </a:pPr>
             <a:r>
-              <a:rPr lang="en-US" sz="900" smtClean="0">
+              <a:rPr lang="en-US" sz="900">
                 <a:solidFill>
                   <a:schemeClr val="bg1"/>
                 </a:solidFill>
@@ -13860,7 +13389,7 @@
           <a:graphicData uri="http://schemas.openxmlformats.org/presentationml/2006/ole">
             <mc:AlternateContent xmlns:mc="http://schemas.openxmlformats.org/markup-compatibility/2006">
               <mc:Choice xmlns:v="urn:schemas-microsoft-com:vml" Requires="v">
-                <p:oleObj spid="_x0000_s105504" name="Document" r:id="rId3" imgW="7313400" imgH="4949902" progId="Word.Document.12">
+                <p:oleObj spid="_x0000_s105507" name="Document" r:id="rId3" imgW="7313400" imgH="4949902" progId="Word.Document.12">
                   <p:embed/>
                 </p:oleObj>
               </mc:Choice>
@@ -13905,13 +13434,6 @@
   <p:clrMapOvr>
     <a:masterClrMapping/>
   </p:clrMapOvr>
-  <p:timing>
-    <p:tnLst>
-      <p:par>
-        <p:cTn id="1" dur="indefinite" restart="never" nodeType="tmRoot"/>
-      </p:par>
-    </p:tnLst>
-  </p:timing>
 </p:sld>
 </file>
 
@@ -13948,41 +13470,40 @@
           <a:lstStyle/>
           <a:p>
             <a:r>
-              <a:rPr lang="en-US" dirty="0" smtClean="0"/>
+              <a:rPr lang="en-US" dirty="0"/>
               <a:t>Short 4-1  Enhance the MPG application</a:t>
             </a:r>
+          </a:p>
+        </p:txBody>
+      </p:sp>
+      <p:sp>
+        <p:nvSpPr>
+          <p:cNvPr id="10" name="Date Placeholder 9"/>
+          <p:cNvSpPr>
+            <a:spLocks noGrp="1"/>
+          </p:cNvSpPr>
+          <p:nvPr>
+            <p:ph type="dt" sz="half" idx="10"/>
+          </p:nvPr>
+        </p:nvSpPr>
+        <p:spPr/>
+        <p:txBody>
+          <a:bodyPr/>
+          <a:lstStyle/>
+          <a:p>
+            <a:pPr>
+              <a:defRPr/>
+            </a:pPr>
+            <a:r>
+              <a:rPr lang="en-US"/>
+              <a:t>Murach's JavaScript and jQuery (3rd Ed.)</a:t>
+            </a:r>
             <a:endParaRPr lang="en-US" dirty="0"/>
           </a:p>
         </p:txBody>
       </p:sp>
       <p:sp>
         <p:nvSpPr>
-          <p:cNvPr id="10" name="Date Placeholder 9"/>
-          <p:cNvSpPr>
-            <a:spLocks noGrp="1"/>
-          </p:cNvSpPr>
-          <p:nvPr>
-            <p:ph type="dt" sz="half" idx="10"/>
-          </p:nvPr>
-        </p:nvSpPr>
-        <p:spPr/>
-        <p:txBody>
-          <a:bodyPr/>
-          <a:lstStyle/>
-          <a:p>
-            <a:pPr>
-              <a:defRPr/>
-            </a:pPr>
-            <a:r>
-              <a:rPr lang="en-US" smtClean="0"/>
-              <a:t>Murach's JavaScript and jQuery (3rd Ed.)</a:t>
-            </a:r>
-            <a:endParaRPr lang="en-US" dirty="0"/>
-          </a:p>
-        </p:txBody>
-      </p:sp>
-      <p:sp>
-        <p:nvSpPr>
           <p:cNvPr id="11" name="Footer Placeholder 10"/>
           <p:cNvSpPr>
             <a:spLocks noGrp="1"/>
@@ -14000,39 +13521,38 @@
               <a:defRPr/>
             </a:pPr>
             <a:r>
-              <a:rPr lang="en-US" smtClean="0"/>
+              <a:rPr lang="en-US"/>
               <a:t>© 2017, Mike Murach &amp; Associates, Inc.</a:t>
             </a:r>
+          </a:p>
+        </p:txBody>
+      </p:sp>
+      <p:sp>
+        <p:nvSpPr>
+          <p:cNvPr id="12" name="Slide Number Placeholder 11"/>
+          <p:cNvSpPr>
+            <a:spLocks noGrp="1"/>
+          </p:cNvSpPr>
+          <p:nvPr>
+            <p:ph type="sldNum" sz="quarter" idx="12"/>
+          </p:nvPr>
+        </p:nvSpPr>
+        <p:spPr/>
+        <p:txBody>
+          <a:bodyPr/>
+          <a:lstStyle/>
+          <a:p>
+            <a:pPr>
+              <a:defRPr/>
+            </a:pPr>
             <a:endParaRPr lang="en-US"/>
           </a:p>
-        </p:txBody>
-      </p:sp>
-      <p:sp>
-        <p:nvSpPr>
-          <p:cNvPr id="12" name="Slide Number Placeholder 11"/>
-          <p:cNvSpPr>
-            <a:spLocks noGrp="1"/>
-          </p:cNvSpPr>
-          <p:nvPr>
-            <p:ph type="sldNum" sz="quarter" idx="12"/>
-          </p:nvPr>
-        </p:nvSpPr>
-        <p:spPr/>
-        <p:txBody>
-          <a:bodyPr/>
-          <a:lstStyle/>
-          <a:p>
-            <a:pPr>
-              <a:defRPr/>
-            </a:pPr>
-            <a:endParaRPr lang="en-US" smtClean="0"/>
-          </a:p>
           <a:p>
             <a:pPr algn="r">
               <a:defRPr/>
             </a:pPr>
             <a:r>
-              <a:rPr lang="en-US" sz="900" smtClean="0">
+              <a:rPr lang="en-US" sz="900">
                 <a:solidFill>
                   <a:schemeClr val="bg1"/>
                 </a:solidFill>
@@ -14083,12 +13603,12 @@
           <a:graphicData uri="http://schemas.openxmlformats.org/presentationml/2006/ole">
             <mc:AlternateContent xmlns:mc="http://schemas.openxmlformats.org/markup-compatibility/2006">
               <mc:Choice xmlns:v="urn:schemas-microsoft-com:vml" Requires="v">
-                <p:oleObj spid="_x0000_s108574" name="Document" r:id="rId4" imgW="7301323" imgH="4750350" progId="Word.Document.12">
+                <p:oleObj spid="_x0000_s108577" name="Document" r:id="rId3" imgW="7301323" imgH="4750350" progId="Word.Document.12">
                   <p:embed/>
                 </p:oleObj>
               </mc:Choice>
               <mc:Fallback>
-                <p:oleObj name="Document" r:id="rId4" imgW="7301323" imgH="4750350" progId="Word.Document.12">
+                <p:oleObj name="Document" r:id="rId3" imgW="7301323" imgH="4750350" progId="Word.Document.12">
                   <p:embed/>
                   <p:pic>
                     <p:nvPicPr>
@@ -14097,7 +13617,7 @@
                       <p:nvPr/>
                     </p:nvPicPr>
                     <p:blipFill>
-                      <a:blip r:embed="rId5"/>
+                      <a:blip r:embed="rId4"/>
                       <a:stretch>
                         <a:fillRect/>
                       </a:stretch>
@@ -14128,13 +13648,6 @@
   <p:clrMapOvr>
     <a:masterClrMapping/>
   </p:clrMapOvr>
-  <p:timing>
-    <p:tnLst>
-      <p:par>
-        <p:cTn id="1" dur="indefinite" restart="never" nodeType="tmRoot"/>
-      </p:par>
-    </p:tnLst>
-  </p:timing>
 </p:sld>
 </file>
 
@@ -14171,41 +13684,40 @@
           <a:lstStyle/>
           <a:p>
             <a:r>
-              <a:rPr lang="en-US" dirty="0" smtClean="0"/>
+              <a:rPr lang="en-US" dirty="0"/>
               <a:t>Examples of window methods</a:t>
             </a:r>
+          </a:p>
+        </p:txBody>
+      </p:sp>
+      <p:sp>
+        <p:nvSpPr>
+          <p:cNvPr id="10" name="Date Placeholder 9"/>
+          <p:cNvSpPr>
+            <a:spLocks noGrp="1"/>
+          </p:cNvSpPr>
+          <p:nvPr>
+            <p:ph type="dt" sz="half" idx="10"/>
+          </p:nvPr>
+        </p:nvSpPr>
+        <p:spPr/>
+        <p:txBody>
+          <a:bodyPr/>
+          <a:lstStyle/>
+          <a:p>
+            <a:pPr>
+              <a:defRPr/>
+            </a:pPr>
+            <a:r>
+              <a:rPr lang="en-US"/>
+              <a:t>Murach's JavaScript and jQuery (3rd Ed.)</a:t>
+            </a:r>
             <a:endParaRPr lang="en-US" dirty="0"/>
           </a:p>
         </p:txBody>
       </p:sp>
       <p:sp>
         <p:nvSpPr>
-          <p:cNvPr id="10" name="Date Placeholder 9"/>
-          <p:cNvSpPr>
-            <a:spLocks noGrp="1"/>
-          </p:cNvSpPr>
-          <p:nvPr>
-            <p:ph type="dt" sz="half" idx="10"/>
-          </p:nvPr>
-        </p:nvSpPr>
-        <p:spPr/>
-        <p:txBody>
-          <a:bodyPr/>
-          <a:lstStyle/>
-          <a:p>
-            <a:pPr>
-              <a:defRPr/>
-            </a:pPr>
-            <a:r>
-              <a:rPr lang="en-US" smtClean="0"/>
-              <a:t>Murach's JavaScript and jQuery (3rd Ed.)</a:t>
-            </a:r>
-            <a:endParaRPr lang="en-US" dirty="0"/>
-          </a:p>
-        </p:txBody>
-      </p:sp>
-      <p:sp>
-        <p:nvSpPr>
           <p:cNvPr id="11" name="Footer Placeholder 10"/>
           <p:cNvSpPr>
             <a:spLocks noGrp="1"/>
@@ -14223,39 +13735,38 @@
               <a:defRPr/>
             </a:pPr>
             <a:r>
-              <a:rPr lang="en-US" smtClean="0"/>
+              <a:rPr lang="en-US"/>
               <a:t>© 2017, Mike Murach &amp; Associates, Inc.</a:t>
             </a:r>
+          </a:p>
+        </p:txBody>
+      </p:sp>
+      <p:sp>
+        <p:nvSpPr>
+          <p:cNvPr id="12" name="Slide Number Placeholder 11"/>
+          <p:cNvSpPr>
+            <a:spLocks noGrp="1"/>
+          </p:cNvSpPr>
+          <p:nvPr>
+            <p:ph type="sldNum" sz="quarter" idx="12"/>
+          </p:nvPr>
+        </p:nvSpPr>
+        <p:spPr/>
+        <p:txBody>
+          <a:bodyPr/>
+          <a:lstStyle/>
+          <a:p>
+            <a:pPr>
+              <a:defRPr/>
+            </a:pPr>
             <a:endParaRPr lang="en-US"/>
           </a:p>
-        </p:txBody>
-      </p:sp>
-      <p:sp>
-        <p:nvSpPr>
-          <p:cNvPr id="12" name="Slide Number Placeholder 11"/>
-          <p:cNvSpPr>
-            <a:spLocks noGrp="1"/>
-          </p:cNvSpPr>
-          <p:nvPr>
-            <p:ph type="sldNum" sz="quarter" idx="12"/>
-          </p:nvPr>
-        </p:nvSpPr>
-        <p:spPr/>
-        <p:txBody>
-          <a:bodyPr/>
-          <a:lstStyle/>
-          <a:p>
-            <a:pPr>
-              <a:defRPr/>
-            </a:pPr>
-            <a:endParaRPr lang="en-US" smtClean="0"/>
-          </a:p>
           <a:p>
             <a:pPr algn="r">
               <a:defRPr/>
             </a:pPr>
             <a:r>
-              <a:rPr lang="en-US" sz="900" smtClean="0">
+              <a:rPr lang="en-US" sz="900">
                 <a:solidFill>
                   <a:schemeClr val="bg1"/>
                 </a:solidFill>
@@ -14306,12 +13817,12 @@
           <a:graphicData uri="http://schemas.openxmlformats.org/presentationml/2006/ole">
             <mc:AlternateContent xmlns:mc="http://schemas.openxmlformats.org/markup-compatibility/2006">
               <mc:Choice xmlns:v="urn:schemas-microsoft-com:vml" Requires="v">
-                <p:oleObj spid="_x0000_s111634" name="Document" r:id="rId4" imgW="7313400" imgH="1302416" progId="Word.Document.12">
+                <p:oleObj spid="_x0000_s111637" name="Document" r:id="rId3" imgW="7313400" imgH="1302416" progId="Word.Document.12">
                   <p:embed/>
                 </p:oleObj>
               </mc:Choice>
               <mc:Fallback>
-                <p:oleObj name="Document" r:id="rId4" imgW="7313400" imgH="1302416" progId="Word.Document.12">
+                <p:oleObj name="Document" r:id="rId3" imgW="7313400" imgH="1302416" progId="Word.Document.12">
                   <p:embed/>
                   <p:pic>
                     <p:nvPicPr>
@@ -14320,7 +13831,7 @@
                       <p:nvPr/>
                     </p:nvPicPr>
                     <p:blipFill>
-                      <a:blip r:embed="rId5"/>
+                      <a:blip r:embed="rId4"/>
                       <a:stretch>
                         <a:fillRect/>
                       </a:stretch>
@@ -14351,13 +13862,6 @@
   <p:clrMapOvr>
     <a:masterClrMapping/>
   </p:clrMapOvr>
-  <p:timing>
-    <p:tnLst>
-      <p:par>
-        <p:cTn id="1" dur="indefinite" restart="never" nodeType="tmRoot"/>
-      </p:par>
-    </p:tnLst>
-  </p:timing>
 </p:sld>
 </file>
 
@@ -14394,10 +13898,9 @@
           <a:lstStyle/>
           <a:p>
             <a:r>
-              <a:rPr lang="en-US" dirty="0" smtClean="0"/>
+              <a:rPr lang="en-US" dirty="0"/>
               <a:t>Three methods of the document object</a:t>
             </a:r>
-            <a:endParaRPr lang="en-US" dirty="0"/>
           </a:p>
         </p:txBody>
       </p:sp>
@@ -14423,12 +13926,12 @@
           <a:graphicData uri="http://schemas.openxmlformats.org/presentationml/2006/ole">
             <mc:AlternateContent xmlns:mc="http://schemas.openxmlformats.org/markup-compatibility/2006">
               <mc:Choice xmlns:v="urn:schemas-microsoft-com:vml" Requires="v">
-                <p:oleObj spid="_x0000_s112658" name="Document" r:id="rId4" imgW="7301323" imgH="2000526" progId="Word.Document.12">
+                <p:oleObj spid="_x0000_s112661" name="Document" r:id="rId3" imgW="7301323" imgH="2000526" progId="Word.Document.12">
                   <p:embed/>
                 </p:oleObj>
               </mc:Choice>
               <mc:Fallback>
-                <p:oleObj name="Document" r:id="rId4" imgW="7301323" imgH="2000526" progId="Word.Document.12">
+                <p:oleObj name="Document" r:id="rId3" imgW="7301323" imgH="2000526" progId="Word.Document.12">
                   <p:embed/>
                   <p:pic>
                     <p:nvPicPr>
@@ -14439,7 +13942,7 @@
                       <p:nvPr/>
                     </p:nvPicPr>
                     <p:blipFill>
-                      <a:blip r:embed="rId5"/>
+                      <a:blip r:embed="rId4"/>
                       <a:srcRect/>
                       <a:stretch>
                         <a:fillRect/>
@@ -14503,7 +14006,7 @@
               <a:defRPr/>
             </a:pPr>
             <a:r>
-              <a:rPr lang="en-US" smtClean="0"/>
+              <a:rPr lang="en-US"/>
               <a:t>Murach's JavaScript and jQuery (3rd Ed.)</a:t>
             </a:r>
             <a:endParaRPr lang="en-US" dirty="0"/>
@@ -14529,39 +14032,38 @@
               <a:defRPr/>
             </a:pPr>
             <a:r>
-              <a:rPr lang="en-US" smtClean="0"/>
+              <a:rPr lang="en-US"/>
               <a:t>© 2017, Mike Murach &amp; Associates, Inc.</a:t>
             </a:r>
+          </a:p>
+        </p:txBody>
+      </p:sp>
+      <p:sp>
+        <p:nvSpPr>
+          <p:cNvPr id="12" name="Slide Number Placeholder 11"/>
+          <p:cNvSpPr>
+            <a:spLocks noGrp="1"/>
+          </p:cNvSpPr>
+          <p:nvPr>
+            <p:ph type="sldNum" sz="quarter" idx="12"/>
+          </p:nvPr>
+        </p:nvSpPr>
+        <p:spPr/>
+        <p:txBody>
+          <a:bodyPr/>
+          <a:lstStyle/>
+          <a:p>
+            <a:pPr>
+              <a:defRPr/>
+            </a:pPr>
             <a:endParaRPr lang="en-US"/>
           </a:p>
-        </p:txBody>
-      </p:sp>
-      <p:sp>
-        <p:nvSpPr>
-          <p:cNvPr id="12" name="Slide Number Placeholder 11"/>
-          <p:cNvSpPr>
-            <a:spLocks noGrp="1"/>
-          </p:cNvSpPr>
-          <p:nvPr>
-            <p:ph type="sldNum" sz="quarter" idx="12"/>
-          </p:nvPr>
-        </p:nvSpPr>
-        <p:spPr/>
-        <p:txBody>
-          <a:bodyPr/>
-          <a:lstStyle/>
-          <a:p>
-            <a:pPr>
-              <a:defRPr/>
-            </a:pPr>
-            <a:endParaRPr lang="en-US" smtClean="0"/>
-          </a:p>
           <a:p>
             <a:pPr algn="r">
               <a:defRPr/>
             </a:pPr>
             <a:r>
-              <a:rPr lang="en-US" sz="900" smtClean="0">
+              <a:rPr lang="en-US" sz="900">
                 <a:solidFill>
                   <a:schemeClr val="bg1"/>
                 </a:solidFill>
@@ -14600,13 +14102,6 @@
   <p:clrMapOvr>
     <a:masterClrMapping/>
   </p:clrMapOvr>
-  <p:timing>
-    <p:tnLst>
-      <p:par>
-        <p:cTn id="1" dur="indefinite" restart="never" nodeType="tmRoot"/>
-      </p:par>
-    </p:tnLst>
-  </p:timing>
 </p:sld>
 </file>
 
@@ -14643,10 +14138,9 @@
           <a:lstStyle/>
           <a:p>
             <a:r>
-              <a:rPr lang="en-US" dirty="0" smtClean="0"/>
+              <a:rPr lang="en-US" dirty="0"/>
               <a:t>Examples of document methods</a:t>
             </a:r>
-            <a:endParaRPr lang="en-US" dirty="0"/>
           </a:p>
         </p:txBody>
       </p:sp>
@@ -14672,12 +14166,12 @@
           <a:graphicData uri="http://schemas.openxmlformats.org/presentationml/2006/ole">
             <mc:AlternateContent xmlns:mc="http://schemas.openxmlformats.org/markup-compatibility/2006">
               <mc:Choice xmlns:v="urn:schemas-microsoft-com:vml" Requires="v">
-                <p:oleObj spid="_x0000_s113682" name="Document" r:id="rId4" imgW="7301323" imgH="2000526" progId="Word.Document.12">
+                <p:oleObj spid="_x0000_s113685" name="Document" r:id="rId3" imgW="7301323" imgH="2000526" progId="Word.Document.12">
                   <p:embed/>
                 </p:oleObj>
               </mc:Choice>
               <mc:Fallback>
-                <p:oleObj name="Document" r:id="rId4" imgW="7301323" imgH="2000526" progId="Word.Document.12">
+                <p:oleObj name="Document" r:id="rId3" imgW="7301323" imgH="2000526" progId="Word.Document.12">
                   <p:embed/>
                   <p:pic>
                     <p:nvPicPr>
@@ -14688,7 +14182,7 @@
                       <p:nvPr/>
                     </p:nvPicPr>
                     <p:blipFill>
-                      <a:blip r:embed="rId5"/>
+                      <a:blip r:embed="rId4"/>
                       <a:srcRect/>
                       <a:stretch>
                         <a:fillRect/>
@@ -14752,7 +14246,7 @@
               <a:defRPr/>
             </a:pPr>
             <a:r>
-              <a:rPr lang="en-US" smtClean="0"/>
+              <a:rPr lang="en-US"/>
               <a:t>Murach's JavaScript and jQuery (3rd Ed.)</a:t>
             </a:r>
             <a:endParaRPr lang="en-US" dirty="0"/>
@@ -14778,39 +14272,38 @@
               <a:defRPr/>
             </a:pPr>
             <a:r>
-              <a:rPr lang="en-US" smtClean="0"/>
+              <a:rPr lang="en-US"/>
               <a:t>© 2017, Mike Murach &amp; Associates, Inc.</a:t>
             </a:r>
+          </a:p>
+        </p:txBody>
+      </p:sp>
+      <p:sp>
+        <p:nvSpPr>
+          <p:cNvPr id="12" name="Slide Number Placeholder 11"/>
+          <p:cNvSpPr>
+            <a:spLocks noGrp="1"/>
+          </p:cNvSpPr>
+          <p:nvPr>
+            <p:ph type="sldNum" sz="quarter" idx="12"/>
+          </p:nvPr>
+        </p:nvSpPr>
+        <p:spPr/>
+        <p:txBody>
+          <a:bodyPr/>
+          <a:lstStyle/>
+          <a:p>
+            <a:pPr>
+              <a:defRPr/>
+            </a:pPr>
             <a:endParaRPr lang="en-US"/>
           </a:p>
-        </p:txBody>
-      </p:sp>
-      <p:sp>
-        <p:nvSpPr>
-          <p:cNvPr id="12" name="Slide Number Placeholder 11"/>
-          <p:cNvSpPr>
-            <a:spLocks noGrp="1"/>
-          </p:cNvSpPr>
-          <p:nvPr>
-            <p:ph type="sldNum" sz="quarter" idx="12"/>
-          </p:nvPr>
-        </p:nvSpPr>
-        <p:spPr/>
-        <p:txBody>
-          <a:bodyPr/>
-          <a:lstStyle/>
-          <a:p>
-            <a:pPr>
-              <a:defRPr/>
-            </a:pPr>
-            <a:endParaRPr lang="en-US" smtClean="0"/>
-          </a:p>
           <a:p>
             <a:pPr algn="r">
               <a:defRPr/>
             </a:pPr>
             <a:r>
-              <a:rPr lang="en-US" sz="900" smtClean="0">
+              <a:rPr lang="en-US" sz="900">
                 <a:solidFill>
                   <a:schemeClr val="bg1"/>
                 </a:solidFill>
@@ -14849,13 +14342,6 @@
   <p:clrMapOvr>
     <a:masterClrMapping/>
   </p:clrMapOvr>
-  <p:timing>
-    <p:tnLst>
-      <p:par>
-        <p:cTn id="1" dur="indefinite" restart="never" nodeType="tmRoot"/>
-      </p:par>
-    </p:tnLst>
-  </p:timing>
 </p:sld>
 </file>
 
@@ -14892,10 +14378,9 @@
           <a:lstStyle/>
           <a:p>
             <a:r>
-              <a:rPr lang="en-US" dirty="0" smtClean="0"/>
+              <a:rPr lang="en-US" dirty="0"/>
               <a:t>Terms</a:t>
             </a:r>
-            <a:endParaRPr lang="en-US" dirty="0"/>
           </a:p>
         </p:txBody>
       </p:sp>
@@ -14921,12 +14406,12 @@
           <a:graphicData uri="http://schemas.openxmlformats.org/presentationml/2006/ole">
             <mc:AlternateContent xmlns:mc="http://schemas.openxmlformats.org/markup-compatibility/2006">
               <mc:Choice xmlns:v="urn:schemas-microsoft-com:vml" Requires="v">
-                <p:oleObj spid="_x0000_s114707" name="Document" r:id="rId4" imgW="7301323" imgH="2000526" progId="Word.Document.12">
+                <p:oleObj spid="_x0000_s114710" name="Document" r:id="rId3" imgW="7301323" imgH="2000526" progId="Word.Document.12">
                   <p:embed/>
                 </p:oleObj>
               </mc:Choice>
               <mc:Fallback>
-                <p:oleObj name="Document" r:id="rId4" imgW="7301323" imgH="2000526" progId="Word.Document.12">
+                <p:oleObj name="Document" r:id="rId3" imgW="7301323" imgH="2000526" progId="Word.Document.12">
                   <p:embed/>
                   <p:pic>
                     <p:nvPicPr>
@@ -14937,7 +14422,7 @@
                       <p:nvPr/>
                     </p:nvPicPr>
                     <p:blipFill>
-                      <a:blip r:embed="rId5"/>
+                      <a:blip r:embed="rId4"/>
                       <a:srcRect/>
                       <a:stretch>
                         <a:fillRect/>
@@ -15001,7 +14486,7 @@
               <a:defRPr/>
             </a:pPr>
             <a:r>
-              <a:rPr lang="en-US" smtClean="0"/>
+              <a:rPr lang="en-US"/>
               <a:t>Murach's JavaScript and jQuery (3rd Ed.)</a:t>
             </a:r>
             <a:endParaRPr lang="en-US" dirty="0"/>
@@ -15027,39 +14512,38 @@
               <a:defRPr/>
             </a:pPr>
             <a:r>
-              <a:rPr lang="en-US" smtClean="0"/>
+              <a:rPr lang="en-US"/>
               <a:t>© 2017, Mike Murach &amp; Associates, Inc.</a:t>
             </a:r>
+          </a:p>
+        </p:txBody>
+      </p:sp>
+      <p:sp>
+        <p:nvSpPr>
+          <p:cNvPr id="12" name="Slide Number Placeholder 11"/>
+          <p:cNvSpPr>
+            <a:spLocks noGrp="1"/>
+          </p:cNvSpPr>
+          <p:nvPr>
+            <p:ph type="sldNum" sz="quarter" idx="12"/>
+          </p:nvPr>
+        </p:nvSpPr>
+        <p:spPr/>
+        <p:txBody>
+          <a:bodyPr/>
+          <a:lstStyle/>
+          <a:p>
+            <a:pPr>
+              <a:defRPr/>
+            </a:pPr>
             <a:endParaRPr lang="en-US"/>
           </a:p>
-        </p:txBody>
-      </p:sp>
-      <p:sp>
-        <p:nvSpPr>
-          <p:cNvPr id="12" name="Slide Number Placeholder 11"/>
-          <p:cNvSpPr>
-            <a:spLocks noGrp="1"/>
-          </p:cNvSpPr>
-          <p:nvPr>
-            <p:ph type="sldNum" sz="quarter" idx="12"/>
-          </p:nvPr>
-        </p:nvSpPr>
-        <p:spPr/>
-        <p:txBody>
-          <a:bodyPr/>
-          <a:lstStyle/>
-          <a:p>
-            <a:pPr>
-              <a:defRPr/>
-            </a:pPr>
-            <a:endParaRPr lang="en-US" smtClean="0"/>
-          </a:p>
           <a:p>
             <a:pPr algn="r">
               <a:defRPr/>
             </a:pPr>
             <a:r>
-              <a:rPr lang="en-US" sz="900" smtClean="0">
+              <a:rPr lang="en-US" sz="900">
                 <a:solidFill>
                   <a:schemeClr val="bg1"/>
                 </a:solidFill>
@@ -15098,13 +14582,6 @@
   <p:clrMapOvr>
     <a:masterClrMapping/>
   </p:clrMapOvr>
-  <p:timing>
-    <p:tnLst>
-      <p:par>
-        <p:cTn id="1" dur="indefinite" restart="never" nodeType="tmRoot"/>
-      </p:par>
-    </p:tnLst>
-  </p:timing>
 </p:sld>
 </file>
 

--- a/murach_js_3e/slides/Chapter 04 slides.pptx
+++ b/murach_js_3e/slides/Chapter 04 slides.pptx
@@ -2755,7 +2755,7 @@
           <a:graphicData uri="http://schemas.openxmlformats.org/presentationml/2006/ole">
             <mc:AlternateContent xmlns:mc="http://schemas.openxmlformats.org/markup-compatibility/2006">
               <mc:Choice xmlns:v="urn:schemas-microsoft-com:vml" Requires="v">
-                <p:oleObj spid="_x0000_s1058" name="Document" r:id="rId3" imgW="7301323" imgH="3008711" progId="Word.Document.12">
+                <p:oleObj spid="_x0000_s1060" name="Document" r:id="rId3" imgW="7301323" imgH="3008711" progId="Word.Document.12">
                   <p:embed/>
                 </p:oleObj>
               </mc:Choice>
@@ -3073,7 +3073,7 @@
           <a:graphicData uri="http://schemas.openxmlformats.org/presentationml/2006/ole">
             <mc:AlternateContent xmlns:mc="http://schemas.openxmlformats.org/markup-compatibility/2006">
               <mc:Choice xmlns:v="urn:schemas-microsoft-com:vml" Requires="v">
-                <p:oleObj spid="_x0000_s44078" name="Document" r:id="rId3" imgW="7313400" imgH="2653763" progId="Word.Document.12">
+                <p:oleObj spid="_x0000_s44080" name="Document" r:id="rId3" imgW="7313400" imgH="2653763" progId="Word.Document.12">
                   <p:embed/>
                 </p:oleObj>
               </mc:Choice>
@@ -3182,7 +3182,7 @@
           <a:graphicData uri="http://schemas.openxmlformats.org/presentationml/2006/ole">
             <mc:AlternateContent xmlns:mc="http://schemas.openxmlformats.org/markup-compatibility/2006">
               <mc:Choice xmlns:v="urn:schemas-microsoft-com:vml" Requires="v">
-                <p:oleObj spid="_x0000_s115734" name="Document" r:id="rId3" imgW="7301323" imgH="2580232" progId="Word.Document.12">
+                <p:oleObj spid="_x0000_s115736" name="Document" r:id="rId3" imgW="7301323" imgH="2580232" progId="Word.Document.12">
                   <p:embed/>
                 </p:oleObj>
               </mc:Choice>
@@ -3501,7 +3501,7 @@
           <a:graphicData uri="http://schemas.openxmlformats.org/presentationml/2006/ole">
             <mc:AlternateContent xmlns:mc="http://schemas.openxmlformats.org/markup-compatibility/2006">
               <mc:Choice xmlns:v="urn:schemas-microsoft-com:vml" Requires="v">
-                <p:oleObj spid="_x0000_s116758" name="Document" r:id="rId3" imgW="7313400" imgH="1884906" progId="Word.Document.12">
+                <p:oleObj spid="_x0000_s116760" name="Document" r:id="rId3" imgW="7313400" imgH="1884906" progId="Word.Document.12">
                   <p:embed/>
                 </p:oleObj>
               </mc:Choice>
@@ -3735,7 +3735,7 @@
           <a:graphicData uri="http://schemas.openxmlformats.org/presentationml/2006/ole">
             <mc:AlternateContent xmlns:mc="http://schemas.openxmlformats.org/markup-compatibility/2006">
               <mc:Choice xmlns:v="urn:schemas-microsoft-com:vml" Requires="v">
-                <p:oleObj spid="_x0000_s117782" name="Document" r:id="rId3" imgW="7313400" imgH="2344709" progId="Word.Document.12">
+                <p:oleObj spid="_x0000_s117784" name="Document" r:id="rId3" imgW="7313400" imgH="2344709" progId="Word.Document.12">
                   <p:embed/>
                 </p:oleObj>
               </mc:Choice>
@@ -3936,25 +3936,25 @@
           <p:nvPr>
             <p:extLst>
               <p:ext uri="{D42A27DB-BD31-4B8C-83A1-F6EECF244321}">
-                <p14:modId xmlns:p14="http://schemas.microsoft.com/office/powerpoint/2010/main" val="3287246917"/>
+                <p14:modId xmlns:p14="http://schemas.microsoft.com/office/powerpoint/2010/main" val="514205119"/>
               </p:ext>
             </p:extLst>
           </p:nvPr>
         </p:nvGraphicFramePr>
         <p:xfrm>
-          <a:off x="914400" y="1130300"/>
-          <a:ext cx="7253288" cy="2054225"/>
+          <a:off x="914400" y="1128713"/>
+          <a:ext cx="7170738" cy="2036762"/>
         </p:xfrm>
         <a:graphic>
           <a:graphicData uri="http://schemas.openxmlformats.org/presentationml/2006/ole">
             <mc:AlternateContent xmlns:mc="http://schemas.openxmlformats.org/markup-compatibility/2006">
               <mc:Choice xmlns:v="urn:schemas-microsoft-com:vml" Requires="v">
-                <p:oleObj spid="_x0000_s118806" name="Document" r:id="rId3" imgW="7301323" imgH="2074770" progId="Word.Document.12">
+                <p:oleObj spid="_x0000_s118808" name="Document" r:id="rId3" imgW="7301323" imgH="2078015" progId="Word.Document.12">
                   <p:embed/>
                 </p:oleObj>
               </mc:Choice>
               <mc:Fallback>
-                <p:oleObj name="Document" r:id="rId3" imgW="7301323" imgH="2074770" progId="Word.Document.12">
+                <p:oleObj name="Document" r:id="rId3" imgW="7301323" imgH="2078015" progId="Word.Document.12">
                   <p:embed/>
                   <p:pic>
                     <p:nvPicPr>
@@ -3970,8 +3970,8 @@
                     </p:blipFill>
                     <p:spPr>
                       <a:xfrm>
-                        <a:off x="914400" y="1130300"/>
-                        <a:ext cx="7253288" cy="2054225"/>
+                        <a:off x="914400" y="1128713"/>
+                        <a:ext cx="7170738" cy="2036762"/>
                       </a:xfrm>
                       <a:prstGeom prst="rect">
                         <a:avLst/>
@@ -4163,7 +4163,7 @@
           <a:graphicData uri="http://schemas.openxmlformats.org/presentationml/2006/ole">
             <mc:AlternateContent xmlns:mc="http://schemas.openxmlformats.org/markup-compatibility/2006">
               <mc:Choice xmlns:v="urn:schemas-microsoft-com:vml" Requires="v">
-                <p:oleObj spid="_x0000_s49197" name="Document" r:id="rId3" imgW="7313400" imgH="1424743" progId="Word.Document.12">
+                <p:oleObj spid="_x0000_s49199" name="Document" r:id="rId3" imgW="7313400" imgH="1424743" progId="Word.Document.12">
                   <p:embed/>
                 </p:oleObj>
               </mc:Choice>
@@ -4377,7 +4377,7 @@
           <a:graphicData uri="http://schemas.openxmlformats.org/presentationml/2006/ole">
             <mc:AlternateContent xmlns:mc="http://schemas.openxmlformats.org/markup-compatibility/2006">
               <mc:Choice xmlns:v="urn:schemas-microsoft-com:vml" Requires="v">
-                <p:oleObj spid="_x0000_s50257" name="Document" r:id="rId3" imgW="7313400" imgH="2915686" progId="Word.Document.12">
+                <p:oleObj spid="_x0000_s50259" name="Document" r:id="rId3" imgW="7313400" imgH="2915686" progId="Word.Document.12">
                   <p:embed/>
                 </p:oleObj>
               </mc:Choice>
@@ -4591,7 +4591,7 @@
           <a:graphicData uri="http://schemas.openxmlformats.org/presentationml/2006/ole">
             <mc:AlternateContent xmlns:mc="http://schemas.openxmlformats.org/markup-compatibility/2006">
               <mc:Choice xmlns:v="urn:schemas-microsoft-com:vml" Requires="v">
-                <p:oleObj spid="_x0000_s51278" name="Document" r:id="rId3" imgW="7313400" imgH="4416703" progId="Word.Document.12">
+                <p:oleObj spid="_x0000_s51280" name="Document" r:id="rId3" imgW="7313400" imgH="4416703" progId="Word.Document.12">
                   <p:embed/>
                 </p:oleObj>
               </mc:Choice>
@@ -4805,7 +4805,7 @@
           <a:graphicData uri="http://schemas.openxmlformats.org/presentationml/2006/ole">
             <mc:AlternateContent xmlns:mc="http://schemas.openxmlformats.org/markup-compatibility/2006">
               <mc:Choice xmlns:v="urn:schemas-microsoft-com:vml" Requires="v">
-                <p:oleObj spid="_x0000_s120854" name="Document" r:id="rId3" imgW="7313400" imgH="3862636" progId="Word.Document.12">
+                <p:oleObj spid="_x0000_s120856" name="Document" r:id="rId3" imgW="7313400" imgH="3862636" progId="Word.Document.12">
                   <p:embed/>
                 </p:oleObj>
               </mc:Choice>
@@ -5019,7 +5019,7 @@
           <a:graphicData uri="http://schemas.openxmlformats.org/presentationml/2006/ole">
             <mc:AlternateContent xmlns:mc="http://schemas.openxmlformats.org/markup-compatibility/2006">
               <mc:Choice xmlns:v="urn:schemas-microsoft-com:vml" Requires="v">
-                <p:oleObj spid="_x0000_s74796" name="Document" r:id="rId3" imgW="7313400" imgH="690065" progId="Word.Document.12">
+                <p:oleObj spid="_x0000_s74798" name="Document" r:id="rId3" imgW="7313400" imgH="690065" progId="Word.Document.12">
                   <p:embed/>
                 </p:oleObj>
               </mc:Choice>
@@ -5128,7 +5128,7 @@
           <a:graphicData uri="http://schemas.openxmlformats.org/presentationml/2006/ole">
             <mc:AlternateContent xmlns:mc="http://schemas.openxmlformats.org/markup-compatibility/2006">
               <mc:Choice xmlns:v="urn:schemas-microsoft-com:vml" Requires="v">
-                <p:oleObj spid="_x0000_s2095" name="Document" r:id="rId3" imgW="7313400" imgH="5000271" progId="Word.Document.12">
+                <p:oleObj spid="_x0000_s2097" name="Document" r:id="rId3" imgW="7313400" imgH="5000271" progId="Word.Document.12">
                   <p:embed/>
                 </p:oleObj>
               </mc:Choice>
@@ -5454,7 +5454,7 @@
           <a:graphicData uri="http://schemas.openxmlformats.org/presentationml/2006/ole">
             <mc:AlternateContent xmlns:mc="http://schemas.openxmlformats.org/markup-compatibility/2006">
               <mc:Choice xmlns:v="urn:schemas-microsoft-com:vml" Requires="v">
-                <p:oleObj spid="_x0000_s76878" name="Document" r:id="rId3" imgW="7313400" imgH="1766897" progId="Word.Document.12">
+                <p:oleObj spid="_x0000_s76880" name="Document" r:id="rId3" imgW="7313400" imgH="1766897" progId="Word.Document.12">
                   <p:embed/>
                 </p:oleObj>
               </mc:Choice>
@@ -5675,7 +5675,7 @@
           <a:graphicData uri="http://schemas.openxmlformats.org/presentationml/2006/ole">
             <mc:AlternateContent xmlns:mc="http://schemas.openxmlformats.org/markup-compatibility/2006">
               <mc:Choice xmlns:v="urn:schemas-microsoft-com:vml" Requires="v">
-                <p:oleObj spid="_x0000_s75854" name="Document" r:id="rId3" imgW="7313400" imgH="1536995" progId="Word.Document.12">
+                <p:oleObj spid="_x0000_s75856" name="Document" r:id="rId3" imgW="7313400" imgH="1536995" progId="Word.Document.12">
                   <p:embed/>
                 </p:oleObj>
               </mc:Choice>
@@ -5901,7 +5901,7 @@
           <a:graphicData uri="http://schemas.openxmlformats.org/presentationml/2006/ole">
             <mc:AlternateContent xmlns:mc="http://schemas.openxmlformats.org/markup-compatibility/2006">
               <mc:Choice xmlns:v="urn:schemas-microsoft-com:vml" Requires="v">
-                <p:oleObj spid="_x0000_s121878" name="Document" r:id="rId3" imgW="7313400" imgH="2687223" progId="Word.Document.12">
+                <p:oleObj spid="_x0000_s121880" name="Document" r:id="rId3" imgW="7313400" imgH="2687223" progId="Word.Document.12">
                   <p:embed/>
                 </p:oleObj>
               </mc:Choice>
@@ -6115,7 +6115,7 @@
           <a:graphicData uri="http://schemas.openxmlformats.org/presentationml/2006/ole">
             <mc:AlternateContent xmlns:mc="http://schemas.openxmlformats.org/markup-compatibility/2006">
               <mc:Choice xmlns:v="urn:schemas-microsoft-com:vml" Requires="v">
-                <p:oleObj spid="_x0000_s77868" name="Document" r:id="rId3" imgW="7313400" imgH="690065" progId="Word.Document.12">
+                <p:oleObj spid="_x0000_s77870" name="Document" r:id="rId3" imgW="7313400" imgH="690065" progId="Word.Document.12">
                   <p:embed/>
                 </p:oleObj>
               </mc:Choice>
@@ -6341,7 +6341,7 @@
           <a:graphicData uri="http://schemas.openxmlformats.org/presentationml/2006/ole">
             <mc:AlternateContent xmlns:mc="http://schemas.openxmlformats.org/markup-compatibility/2006">
               <mc:Choice xmlns:v="urn:schemas-microsoft-com:vml" Requires="v">
-                <p:oleObj spid="_x0000_s129040" name="Document" r:id="rId3" imgW="7313400" imgH="1766897" progId="Word.Document.12">
+                <p:oleObj spid="_x0000_s129042" name="Document" r:id="rId3" imgW="7313400" imgH="1766897" progId="Word.Document.12">
                   <p:embed/>
                 </p:oleObj>
               </mc:Choice>
@@ -6567,7 +6567,7 @@
           <a:graphicData uri="http://schemas.openxmlformats.org/presentationml/2006/ole">
             <mc:AlternateContent xmlns:mc="http://schemas.openxmlformats.org/markup-compatibility/2006">
               <mc:Choice xmlns:v="urn:schemas-microsoft-com:vml" Requires="v">
-                <p:oleObj spid="_x0000_s130064" name="Document" r:id="rId3" imgW="7313400" imgH="1536995" progId="Word.Document.12">
+                <p:oleObj spid="_x0000_s130066" name="Document" r:id="rId3" imgW="7313400" imgH="1536995" progId="Word.Document.12">
                   <p:embed/>
                 </p:oleObj>
               </mc:Choice>
@@ -6793,7 +6793,7 @@
           <a:graphicData uri="http://schemas.openxmlformats.org/presentationml/2006/ole">
             <mc:AlternateContent xmlns:mc="http://schemas.openxmlformats.org/markup-compatibility/2006">
               <mc:Choice xmlns:v="urn:schemas-microsoft-com:vml" Requires="v">
-                <p:oleObj spid="_x0000_s122903" name="Document" r:id="rId3" imgW="7313400" imgH="2687223" progId="Word.Document.12">
+                <p:oleObj spid="_x0000_s122905" name="Document" r:id="rId3" imgW="7313400" imgH="2687223" progId="Word.Document.12">
                   <p:embed/>
                 </p:oleObj>
               </mc:Choice>
@@ -7007,7 +7007,7 @@
           <a:graphicData uri="http://schemas.openxmlformats.org/presentationml/2006/ole">
             <mc:AlternateContent xmlns:mc="http://schemas.openxmlformats.org/markup-compatibility/2006">
               <mc:Choice xmlns:v="urn:schemas-microsoft-com:vml" Requires="v">
-                <p:oleObj spid="_x0000_s79916" name="Document" r:id="rId3" imgW="7313400" imgH="3862636" progId="Word.Document.12">
+                <p:oleObj spid="_x0000_s79918" name="Document" r:id="rId3" imgW="7313400" imgH="3862636" progId="Word.Document.12">
                   <p:embed/>
                 </p:oleObj>
               </mc:Choice>
@@ -7221,7 +7221,7 @@
           <a:graphicData uri="http://schemas.openxmlformats.org/presentationml/2006/ole">
             <mc:AlternateContent xmlns:mc="http://schemas.openxmlformats.org/markup-compatibility/2006">
               <mc:Choice xmlns:v="urn:schemas-microsoft-com:vml" Requires="v">
-                <p:oleObj spid="_x0000_s80940" name="Document" r:id="rId3" imgW="7313400" imgH="2347228" progId="Word.Document.12">
+                <p:oleObj spid="_x0000_s80942" name="Document" r:id="rId3" imgW="7313400" imgH="2347228" progId="Word.Document.12">
                   <p:embed/>
                 </p:oleObj>
               </mc:Choice>
@@ -7435,7 +7435,7 @@
           <a:graphicData uri="http://schemas.openxmlformats.org/presentationml/2006/ole">
             <mc:AlternateContent xmlns:mc="http://schemas.openxmlformats.org/markup-compatibility/2006">
               <mc:Choice xmlns:v="urn:schemas-microsoft-com:vml" Requires="v">
-                <p:oleObj spid="_x0000_s81964" name="Document" r:id="rId3" imgW="7313400" imgH="2347228" progId="Word.Document.12">
+                <p:oleObj spid="_x0000_s81966" name="Document" r:id="rId3" imgW="7313400" imgH="2347228" progId="Word.Document.12">
                   <p:embed/>
                 </p:oleObj>
               </mc:Choice>
@@ -7544,7 +7544,7 @@
           <a:graphicData uri="http://schemas.openxmlformats.org/presentationml/2006/ole">
             <mc:AlternateContent xmlns:mc="http://schemas.openxmlformats.org/markup-compatibility/2006">
               <mc:Choice xmlns:v="urn:schemas-microsoft-com:vml" Requires="v">
-                <p:oleObj spid="_x0000_s3119" name="Document" r:id="rId3" imgW="7313400" imgH="4986600" progId="Word.Document.12">
+                <p:oleObj spid="_x0000_s3121" name="Document" r:id="rId3" imgW="7313400" imgH="4986600" progId="Word.Document.12">
                   <p:embed/>
                 </p:oleObj>
               </mc:Choice>
@@ -7875,7 +7875,7 @@
           <a:graphicData uri="http://schemas.openxmlformats.org/presentationml/2006/ole">
             <mc:AlternateContent xmlns:mc="http://schemas.openxmlformats.org/markup-compatibility/2006">
               <mc:Choice xmlns:v="urn:schemas-microsoft-com:vml" Requires="v">
-                <p:oleObj spid="_x0000_s83025" name="Document" r:id="rId3" imgW="7313400" imgH="2347228" progId="Word.Document.12">
+                <p:oleObj spid="_x0000_s83027" name="Document" r:id="rId3" imgW="7313400" imgH="2347228" progId="Word.Document.12">
                   <p:embed/>
                 </p:oleObj>
               </mc:Choice>
@@ -8094,7 +8094,7 @@
           <a:graphicData uri="http://schemas.openxmlformats.org/presentationml/2006/ole">
             <mc:AlternateContent xmlns:mc="http://schemas.openxmlformats.org/markup-compatibility/2006">
               <mc:Choice xmlns:v="urn:schemas-microsoft-com:vml" Requires="v">
-                <p:oleObj spid="_x0000_s131088" name="Document" r:id="rId3" imgW="7313400" imgH="3544587" progId="Word.Document.12">
+                <p:oleObj spid="_x0000_s131090" name="Document" r:id="rId3" imgW="7313400" imgH="3544587" progId="Word.Document.12">
                   <p:embed/>
                 </p:oleObj>
               </mc:Choice>
@@ -8313,7 +8313,7 @@
           <a:graphicData uri="http://schemas.openxmlformats.org/presentationml/2006/ole">
             <mc:AlternateContent xmlns:mc="http://schemas.openxmlformats.org/markup-compatibility/2006">
               <mc:Choice xmlns:v="urn:schemas-microsoft-com:vml" Requires="v">
-                <p:oleObj spid="_x0000_s132112" name="Document" r:id="rId3" imgW="7313400" imgH="2577489" progId="Word.Document.12">
+                <p:oleObj spid="_x0000_s132114" name="Document" r:id="rId3" imgW="7313400" imgH="2577489" progId="Word.Document.12">
                   <p:embed/>
                 </p:oleObj>
               </mc:Choice>
@@ -8422,7 +8422,7 @@
           <a:graphicData uri="http://schemas.openxmlformats.org/presentationml/2006/ole">
             <mc:AlternateContent xmlns:mc="http://schemas.openxmlformats.org/markup-compatibility/2006">
               <mc:Choice xmlns:v="urn:schemas-microsoft-com:vml" Requires="v">
-                <p:oleObj spid="_x0000_s84013" name="Document" r:id="rId3" imgW="7301323" imgH="1546483" progId="Word.Document.12">
+                <p:oleObj spid="_x0000_s84015" name="Document" r:id="rId3" imgW="7301323" imgH="1546483" progId="Word.Document.12">
                   <p:embed/>
                 </p:oleObj>
               </mc:Choice>
@@ -8636,7 +8636,7 @@
           <a:graphicData uri="http://schemas.openxmlformats.org/presentationml/2006/ole">
             <mc:AlternateContent xmlns:mc="http://schemas.openxmlformats.org/markup-compatibility/2006">
               <mc:Choice xmlns:v="urn:schemas-microsoft-com:vml" Requires="v">
-                <p:oleObj spid="_x0000_s85036" name="Document" r:id="rId3" imgW="7301323" imgH="2319545" progId="Word.Document.12">
+                <p:oleObj spid="_x0000_s85038" name="Document" r:id="rId3" imgW="7301323" imgH="2319545" progId="Word.Document.12">
                   <p:embed/>
                 </p:oleObj>
               </mc:Choice>
@@ -8955,7 +8955,7 @@
           <a:graphicData uri="http://schemas.openxmlformats.org/presentationml/2006/ole">
             <mc:AlternateContent xmlns:mc="http://schemas.openxmlformats.org/markup-compatibility/2006">
               <mc:Choice xmlns:v="urn:schemas-microsoft-com:vml" Requires="v">
-                <p:oleObj spid="_x0000_s86060" name="Document" r:id="rId3" imgW="7389702" imgH="3888540" progId="Word.Document.12">
+                <p:oleObj spid="_x0000_s86062" name="Document" r:id="rId3" imgW="7389702" imgH="3888540" progId="Word.Document.12">
                   <p:embed/>
                 </p:oleObj>
               </mc:Choice>
@@ -9169,7 +9169,7 @@
           <a:graphicData uri="http://schemas.openxmlformats.org/presentationml/2006/ole">
             <mc:AlternateContent xmlns:mc="http://schemas.openxmlformats.org/markup-compatibility/2006">
               <mc:Choice xmlns:v="urn:schemas-microsoft-com:vml" Requires="v">
-                <p:oleObj spid="_x0000_s87118" name="Document" r:id="rId3" imgW="7313400" imgH="1536995" progId="Word.Document.12">
+                <p:oleObj spid="_x0000_s87120" name="Document" r:id="rId3" imgW="7313400" imgH="1536995" progId="Word.Document.12">
                   <p:embed/>
                 </p:oleObj>
               </mc:Choice>
@@ -9390,7 +9390,7 @@
           <a:graphicData uri="http://schemas.openxmlformats.org/presentationml/2006/ole">
             <mc:AlternateContent xmlns:mc="http://schemas.openxmlformats.org/markup-compatibility/2006">
               <mc:Choice xmlns:v="urn:schemas-microsoft-com:vml" Requires="v">
-                <p:oleObj spid="_x0000_s88181" name="Document" r:id="rId3" imgW="7313400" imgH="3031896" progId="Word.Document.12">
+                <p:oleObj spid="_x0000_s88183" name="Document" r:id="rId3" imgW="7313400" imgH="3031896" progId="Word.Document.12">
                   <p:embed/>
                 </p:oleObj>
               </mc:Choice>
@@ -9604,7 +9604,7 @@
           <a:graphicData uri="http://schemas.openxmlformats.org/presentationml/2006/ole">
             <mc:AlternateContent xmlns:mc="http://schemas.openxmlformats.org/markup-compatibility/2006">
               <mc:Choice xmlns:v="urn:schemas-microsoft-com:vml" Requires="v">
-                <p:oleObj spid="_x0000_s89132" name="Document" r:id="rId3" imgW="7313400" imgH="1158863" progId="Word.Document.12">
+                <p:oleObj spid="_x0000_s89134" name="Document" r:id="rId3" imgW="7313400" imgH="1158863" progId="Word.Document.12">
                   <p:embed/>
                 </p:oleObj>
               </mc:Choice>
@@ -9818,7 +9818,7 @@
           <a:graphicData uri="http://schemas.openxmlformats.org/presentationml/2006/ole">
             <mc:AlternateContent xmlns:mc="http://schemas.openxmlformats.org/markup-compatibility/2006">
               <mc:Choice xmlns:v="urn:schemas-microsoft-com:vml" Requires="v">
-                <p:oleObj spid="_x0000_s90154" name="Document" r:id="rId3" imgW="7313400" imgH="1610391" progId="Word.Document.12">
+                <p:oleObj spid="_x0000_s90156" name="Document" r:id="rId3" imgW="7313400" imgH="1610391" progId="Word.Document.12">
                   <p:embed/>
                 </p:oleObj>
               </mc:Choice>
@@ -9934,7 +9934,7 @@
           <a:graphicData uri="http://schemas.openxmlformats.org/presentationml/2006/ole">
             <mc:AlternateContent xmlns:mc="http://schemas.openxmlformats.org/markup-compatibility/2006">
               <mc:Choice xmlns:v="urn:schemas-microsoft-com:vml" Requires="v">
-                <p:oleObj spid="_x0000_s109590" name="Document" r:id="rId3" imgW="7301323" imgH="1848218" progId="Word.Document.12">
+                <p:oleObj spid="_x0000_s109592" name="Document" r:id="rId3" imgW="7301323" imgH="1848218" progId="Word.Document.12">
                   <p:embed/>
                 </p:oleObj>
               </mc:Choice>
@@ -10299,7 +10299,7 @@
           <a:graphicData uri="http://schemas.openxmlformats.org/presentationml/2006/ole">
             <mc:AlternateContent xmlns:mc="http://schemas.openxmlformats.org/markup-compatibility/2006">
               <mc:Choice xmlns:v="urn:schemas-microsoft-com:vml" Requires="v">
-                <p:oleObj spid="_x0000_s91179" name="Document" r:id="rId3" imgW="7313400" imgH="4140749" progId="Word.Document.12">
+                <p:oleObj spid="_x0000_s91181" name="Document" r:id="rId3" imgW="7313400" imgH="4140749" progId="Word.Document.12">
                   <p:embed/>
                 </p:oleObj>
               </mc:Choice>
@@ -10897,7 +10897,7 @@
           <a:graphicData uri="http://schemas.openxmlformats.org/presentationml/2006/ole">
             <mc:AlternateContent xmlns:mc="http://schemas.openxmlformats.org/markup-compatibility/2006">
               <mc:Choice xmlns:v="urn:schemas-microsoft-com:vml" Requires="v">
-                <p:oleObj spid="_x0000_s94251" name="Document" r:id="rId3" imgW="7313400" imgH="4862834" progId="Word.Document.12">
+                <p:oleObj spid="_x0000_s94253" name="Document" r:id="rId3" imgW="7313400" imgH="4862834" progId="Word.Document.12">
                   <p:embed/>
                 </p:oleObj>
               </mc:Choice>
@@ -11111,7 +11111,7 @@
           <a:graphicData uri="http://schemas.openxmlformats.org/presentationml/2006/ole">
             <mc:AlternateContent xmlns:mc="http://schemas.openxmlformats.org/markup-compatibility/2006">
               <mc:Choice xmlns:v="urn:schemas-microsoft-com:vml" Requires="v">
-                <p:oleObj spid="_x0000_s123927" name="Document" r:id="rId4" imgW="7313400" imgH="4058358" progId="Word.Document.12">
+                <p:oleObj spid="_x0000_s123929" name="Document" r:id="rId4" imgW="7313400" imgH="4058358" progId="Word.Document.12">
                   <p:embed/>
                 </p:oleObj>
               </mc:Choice>
@@ -11510,7 +11510,7 @@
           <a:graphicData uri="http://schemas.openxmlformats.org/presentationml/2006/ole">
             <mc:AlternateContent xmlns:mc="http://schemas.openxmlformats.org/markup-compatibility/2006">
               <mc:Choice xmlns:v="urn:schemas-microsoft-com:vml" Requires="v">
-                <p:oleObj spid="_x0000_s124952" name="Document" r:id="rId3" imgW="7301323" imgH="3913917" progId="Word.Document.12">
+                <p:oleObj spid="_x0000_s124954" name="Document" r:id="rId3" imgW="7301323" imgH="3913917" progId="Word.Document.12">
                   <p:embed/>
                 </p:oleObj>
               </mc:Choice>
@@ -11724,7 +11724,7 @@
           <a:graphicData uri="http://schemas.openxmlformats.org/presentationml/2006/ole">
             <mc:AlternateContent xmlns:mc="http://schemas.openxmlformats.org/markup-compatibility/2006">
               <mc:Choice xmlns:v="urn:schemas-microsoft-com:vml" Requires="v">
-                <p:oleObj spid="_x0000_s125975" name="Document" r:id="rId3" imgW="7313400" imgH="3680945" progId="Word.Document.12">
+                <p:oleObj spid="_x0000_s125977" name="Document" r:id="rId3" imgW="7313400" imgH="3680945" progId="Word.Document.12">
                   <p:embed/>
                 </p:oleObj>
               </mc:Choice>
@@ -11938,7 +11938,7 @@
           <a:graphicData uri="http://schemas.openxmlformats.org/presentationml/2006/ole">
             <mc:AlternateContent xmlns:mc="http://schemas.openxmlformats.org/markup-compatibility/2006">
               <mc:Choice xmlns:v="urn:schemas-microsoft-com:vml" Requires="v">
-                <p:oleObj spid="_x0000_s96299" name="Document" r:id="rId3" imgW="7313400" imgH="4259837" progId="Word.Document.12">
+                <p:oleObj spid="_x0000_s96301" name="Document" r:id="rId3" imgW="7313400" imgH="4259837" progId="Word.Document.12">
                   <p:embed/>
                 </p:oleObj>
               </mc:Choice>
@@ -12152,7 +12152,7 @@
           <a:graphicData uri="http://schemas.openxmlformats.org/presentationml/2006/ole">
             <mc:AlternateContent xmlns:mc="http://schemas.openxmlformats.org/markup-compatibility/2006">
               <mc:Choice xmlns:v="urn:schemas-microsoft-com:vml" Requires="v">
-                <p:oleObj spid="_x0000_s127000" name="Document" r:id="rId3" imgW="7313400" imgH="4662795" progId="Word.Document.12">
+                <p:oleObj spid="_x0000_s127002" name="Document" r:id="rId3" imgW="7313400" imgH="4662795" progId="Word.Document.12">
                   <p:embed/>
                 </p:oleObj>
               </mc:Choice>
@@ -12268,7 +12268,7 @@
           <a:graphicData uri="http://schemas.openxmlformats.org/presentationml/2006/ole">
             <mc:AlternateContent xmlns:mc="http://schemas.openxmlformats.org/markup-compatibility/2006">
               <mc:Choice xmlns:v="urn:schemas-microsoft-com:vml" Requires="v">
-                <p:oleObj spid="_x0000_s110613" name="Document" r:id="rId3" imgW="7301323" imgH="1848218" progId="Word.Document.12">
+                <p:oleObj spid="_x0000_s110615" name="Document" r:id="rId3" imgW="7301323" imgH="1848218" progId="Word.Document.12">
                   <p:embed/>
                 </p:oleObj>
               </mc:Choice>
@@ -12613,7 +12613,7 @@
           <a:graphicData uri="http://schemas.openxmlformats.org/presentationml/2006/ole">
             <mc:AlternateContent xmlns:mc="http://schemas.openxmlformats.org/markup-compatibility/2006">
               <mc:Choice xmlns:v="urn:schemas-microsoft-com:vml" Requires="v">
-                <p:oleObj spid="_x0000_s98343" name="Document" r:id="rId3" imgW="7313400" imgH="4684741" progId="Word.Document.12">
+                <p:oleObj spid="_x0000_s98345" name="Document" r:id="rId3" imgW="7313400" imgH="4684741" progId="Word.Document.12">
                   <p:embed/>
                 </p:oleObj>
               </mc:Choice>
@@ -13389,7 +13389,7 @@
           <a:graphicData uri="http://schemas.openxmlformats.org/presentationml/2006/ole">
             <mc:AlternateContent xmlns:mc="http://schemas.openxmlformats.org/markup-compatibility/2006">
               <mc:Choice xmlns:v="urn:schemas-microsoft-com:vml" Requires="v">
-                <p:oleObj spid="_x0000_s105507" name="Document" r:id="rId3" imgW="7313400" imgH="4949902" progId="Word.Document.12">
+                <p:oleObj spid="_x0000_s105509" name="Document" r:id="rId3" imgW="7313400" imgH="4949902" progId="Word.Document.12">
                   <p:embed/>
                 </p:oleObj>
               </mc:Choice>
@@ -13603,7 +13603,7 @@
           <a:graphicData uri="http://schemas.openxmlformats.org/presentationml/2006/ole">
             <mc:AlternateContent xmlns:mc="http://schemas.openxmlformats.org/markup-compatibility/2006">
               <mc:Choice xmlns:v="urn:schemas-microsoft-com:vml" Requires="v">
-                <p:oleObj spid="_x0000_s108577" name="Document" r:id="rId3" imgW="7301323" imgH="4750350" progId="Word.Document.12">
+                <p:oleObj spid="_x0000_s108579" name="Document" r:id="rId3" imgW="7301323" imgH="4750350" progId="Word.Document.12">
                   <p:embed/>
                 </p:oleObj>
               </mc:Choice>
@@ -13817,7 +13817,7 @@
           <a:graphicData uri="http://schemas.openxmlformats.org/presentationml/2006/ole">
             <mc:AlternateContent xmlns:mc="http://schemas.openxmlformats.org/markup-compatibility/2006">
               <mc:Choice xmlns:v="urn:schemas-microsoft-com:vml" Requires="v">
-                <p:oleObj spid="_x0000_s111637" name="Document" r:id="rId3" imgW="7313400" imgH="1302416" progId="Word.Document.12">
+                <p:oleObj spid="_x0000_s111639" name="Document" r:id="rId3" imgW="7313400" imgH="1302416" progId="Word.Document.12">
                   <p:embed/>
                 </p:oleObj>
               </mc:Choice>
@@ -13926,7 +13926,7 @@
           <a:graphicData uri="http://schemas.openxmlformats.org/presentationml/2006/ole">
             <mc:AlternateContent xmlns:mc="http://schemas.openxmlformats.org/markup-compatibility/2006">
               <mc:Choice xmlns:v="urn:schemas-microsoft-com:vml" Requires="v">
-                <p:oleObj spid="_x0000_s112661" name="Document" r:id="rId3" imgW="7301323" imgH="2000526" progId="Word.Document.12">
+                <p:oleObj spid="_x0000_s112663" name="Document" r:id="rId3" imgW="7301323" imgH="2000526" progId="Word.Document.12">
                   <p:embed/>
                 </p:oleObj>
               </mc:Choice>
@@ -14166,7 +14166,7 @@
           <a:graphicData uri="http://schemas.openxmlformats.org/presentationml/2006/ole">
             <mc:AlternateContent xmlns:mc="http://schemas.openxmlformats.org/markup-compatibility/2006">
               <mc:Choice xmlns:v="urn:schemas-microsoft-com:vml" Requires="v">
-                <p:oleObj spid="_x0000_s113685" name="Document" r:id="rId3" imgW="7301323" imgH="2000526" progId="Word.Document.12">
+                <p:oleObj spid="_x0000_s113687" name="Document" r:id="rId3" imgW="7301323" imgH="2000526" progId="Word.Document.12">
                   <p:embed/>
                 </p:oleObj>
               </mc:Choice>
@@ -14406,7 +14406,7 @@
           <a:graphicData uri="http://schemas.openxmlformats.org/presentationml/2006/ole">
             <mc:AlternateContent xmlns:mc="http://schemas.openxmlformats.org/markup-compatibility/2006">
               <mc:Choice xmlns:v="urn:schemas-microsoft-com:vml" Requires="v">
-                <p:oleObj spid="_x0000_s114710" name="Document" r:id="rId3" imgW="7301323" imgH="2000526" progId="Word.Document.12">
+                <p:oleObj spid="_x0000_s114712" name="Document" r:id="rId3" imgW="7301323" imgH="2000526" progId="Word.Document.12">
                   <p:embed/>
                 </p:oleObj>
               </mc:Choice>
